--- a/report/figs/Presentation1.pptx
+++ b/report/figs/Presentation1.pptx
@@ -6,6 +6,7 @@
   </p:sldMasterIdLst>
   <p:sldIdLst>
     <p:sldId id="256" r:id="rId2"/>
+    <p:sldId id="257" r:id="rId3"/>
   </p:sldIdLst>
   <p:sldSz cx="12192000" cy="6858000"/>
   <p:notesSz cx="6858000" cy="9144000"/>
@@ -104,6 +105,11 @@
       </a:defRPr>
     </a:lvl9pPr>
   </p:defaultTextStyle>
+  <p:extLst>
+    <p:ext uri="{EFAFB233-063F-42B5-8137-9DF3F51BA10A}">
+      <p15:sldGuideLst xmlns:p15="http://schemas.microsoft.com/office/powerpoint/2012/main"/>
+    </p:ext>
+  </p:extLst>
 </p:presentation>
 </file>
 
@@ -238,7 +244,7 @@
           <a:p>
             <a:fld id="{B151AE1D-1626-477B-9401-C9A779AA6D5F}" type="datetimeFigureOut">
               <a:rPr lang="en-US" smtClean="0"/>
-              <a:t>3/5/2018</a:t>
+              <a:t>5/9/2018</a:t>
             </a:fld>
             <a:endParaRPr lang="en-US"/>
           </a:p>
@@ -408,7 +414,7 @@
           <a:p>
             <a:fld id="{B151AE1D-1626-477B-9401-C9A779AA6D5F}" type="datetimeFigureOut">
               <a:rPr lang="en-US" smtClean="0"/>
-              <a:t>3/5/2018</a:t>
+              <a:t>5/9/2018</a:t>
             </a:fld>
             <a:endParaRPr lang="en-US"/>
           </a:p>
@@ -588,7 +594,7 @@
           <a:p>
             <a:fld id="{B151AE1D-1626-477B-9401-C9A779AA6D5F}" type="datetimeFigureOut">
               <a:rPr lang="en-US" smtClean="0"/>
-              <a:t>3/5/2018</a:t>
+              <a:t>5/9/2018</a:t>
             </a:fld>
             <a:endParaRPr lang="en-US"/>
           </a:p>
@@ -758,7 +764,7 @@
           <a:p>
             <a:fld id="{B151AE1D-1626-477B-9401-C9A779AA6D5F}" type="datetimeFigureOut">
               <a:rPr lang="en-US" smtClean="0"/>
-              <a:t>3/5/2018</a:t>
+              <a:t>5/9/2018</a:t>
             </a:fld>
             <a:endParaRPr lang="en-US"/>
           </a:p>
@@ -1004,7 +1010,7 @@
           <a:p>
             <a:fld id="{B151AE1D-1626-477B-9401-C9A779AA6D5F}" type="datetimeFigureOut">
               <a:rPr lang="en-US" smtClean="0"/>
-              <a:t>3/5/2018</a:t>
+              <a:t>5/9/2018</a:t>
             </a:fld>
             <a:endParaRPr lang="en-US"/>
           </a:p>
@@ -1236,7 +1242,7 @@
           <a:p>
             <a:fld id="{B151AE1D-1626-477B-9401-C9A779AA6D5F}" type="datetimeFigureOut">
               <a:rPr lang="en-US" smtClean="0"/>
-              <a:t>3/5/2018</a:t>
+              <a:t>5/9/2018</a:t>
             </a:fld>
             <a:endParaRPr lang="en-US"/>
           </a:p>
@@ -1603,7 +1609,7 @@
           <a:p>
             <a:fld id="{B151AE1D-1626-477B-9401-C9A779AA6D5F}" type="datetimeFigureOut">
               <a:rPr lang="en-US" smtClean="0"/>
-              <a:t>3/5/2018</a:t>
+              <a:t>5/9/2018</a:t>
             </a:fld>
             <a:endParaRPr lang="en-US"/>
           </a:p>
@@ -1721,7 +1727,7 @@
           <a:p>
             <a:fld id="{B151AE1D-1626-477B-9401-C9A779AA6D5F}" type="datetimeFigureOut">
               <a:rPr lang="en-US" smtClean="0"/>
-              <a:t>3/5/2018</a:t>
+              <a:t>5/9/2018</a:t>
             </a:fld>
             <a:endParaRPr lang="en-US"/>
           </a:p>
@@ -1816,7 +1822,7 @@
           <a:p>
             <a:fld id="{B151AE1D-1626-477B-9401-C9A779AA6D5F}" type="datetimeFigureOut">
               <a:rPr lang="en-US" smtClean="0"/>
-              <a:t>3/5/2018</a:t>
+              <a:t>5/9/2018</a:t>
             </a:fld>
             <a:endParaRPr lang="en-US"/>
           </a:p>
@@ -2093,7 +2099,7 @@
           <a:p>
             <a:fld id="{B151AE1D-1626-477B-9401-C9A779AA6D5F}" type="datetimeFigureOut">
               <a:rPr lang="en-US" smtClean="0"/>
-              <a:t>3/5/2018</a:t>
+              <a:t>5/9/2018</a:t>
             </a:fld>
             <a:endParaRPr lang="en-US"/>
           </a:p>
@@ -2346,7 +2352,7 @@
           <a:p>
             <a:fld id="{B151AE1D-1626-477B-9401-C9A779AA6D5F}" type="datetimeFigureOut">
               <a:rPr lang="en-US" smtClean="0"/>
-              <a:t>3/5/2018</a:t>
+              <a:t>5/9/2018</a:t>
             </a:fld>
             <a:endParaRPr lang="en-US"/>
           </a:p>
@@ -2559,7 +2565,7 @@
           <a:p>
             <a:fld id="{B151AE1D-1626-477B-9401-C9A779AA6D5F}" type="datetimeFigureOut">
               <a:rPr lang="en-US" smtClean="0"/>
-              <a:t>3/5/2018</a:t>
+              <a:t>5/9/2018</a:t>
             </a:fld>
             <a:endParaRPr lang="en-US"/>
           </a:p>
@@ -2972,7 +2978,7 @@
         </p:nvSpPr>
         <p:spPr>
           <a:xfrm>
-            <a:off x="4639739" y="2048934"/>
+            <a:off x="1479684" y="1269008"/>
             <a:ext cx="135466" cy="135467"/>
           </a:xfrm>
           <a:prstGeom prst="ellipse">
@@ -3023,7 +3029,7 @@
         </p:nvSpPr>
         <p:spPr>
           <a:xfrm>
-            <a:off x="4639739" y="2548467"/>
+            <a:off x="1479684" y="1768541"/>
             <a:ext cx="135466" cy="135467"/>
           </a:xfrm>
           <a:prstGeom prst="ellipse">
@@ -3074,7 +3080,7 @@
         </p:nvSpPr>
         <p:spPr>
           <a:xfrm>
-            <a:off x="4639739" y="3048000"/>
+            <a:off x="1479684" y="2268074"/>
             <a:ext cx="135466" cy="135467"/>
           </a:xfrm>
           <a:prstGeom prst="ellipse">
@@ -3125,7 +3131,7 @@
         </p:nvSpPr>
         <p:spPr>
           <a:xfrm>
-            <a:off x="6112942" y="1549401"/>
+            <a:off x="2952887" y="769475"/>
             <a:ext cx="135466" cy="135467"/>
           </a:xfrm>
           <a:prstGeom prst="ellipse">
@@ -3176,7 +3182,7 @@
         </p:nvSpPr>
         <p:spPr>
           <a:xfrm>
-            <a:off x="6112942" y="2048934"/>
+            <a:off x="2952887" y="1269008"/>
             <a:ext cx="135466" cy="135467"/>
           </a:xfrm>
           <a:prstGeom prst="ellipse">
@@ -3227,7 +3233,7 @@
         </p:nvSpPr>
         <p:spPr>
           <a:xfrm>
-            <a:off x="6112942" y="2548467"/>
+            <a:off x="2952887" y="1768541"/>
             <a:ext cx="135466" cy="135467"/>
           </a:xfrm>
           <a:prstGeom prst="ellipse">
@@ -3278,7 +3284,7 @@
         </p:nvSpPr>
         <p:spPr>
           <a:xfrm>
-            <a:off x="6112942" y="3048000"/>
+            <a:off x="2952887" y="2268074"/>
             <a:ext cx="135466" cy="135467"/>
           </a:xfrm>
           <a:prstGeom prst="ellipse">
@@ -3329,7 +3335,7 @@
         </p:nvSpPr>
         <p:spPr>
           <a:xfrm>
-            <a:off x="6112942" y="3547533"/>
+            <a:off x="2952887" y="2767607"/>
             <a:ext cx="135466" cy="135467"/>
           </a:xfrm>
           <a:prstGeom prst="ellipse">
@@ -3380,7 +3386,7 @@
         </p:nvSpPr>
         <p:spPr>
           <a:xfrm>
-            <a:off x="3640663" y="2548466"/>
+            <a:off x="480608" y="1768540"/>
             <a:ext cx="135466" cy="135467"/>
           </a:xfrm>
           <a:prstGeom prst="ellipse">
@@ -3428,7 +3434,7 @@
         </p:nvSpPr>
         <p:spPr>
           <a:xfrm>
-            <a:off x="7145876" y="2548467"/>
+            <a:off x="3985821" y="1768541"/>
             <a:ext cx="135466" cy="135467"/>
           </a:xfrm>
           <a:prstGeom prst="ellipse">
@@ -3479,13 +3485,13 @@
         </p:nvCxnSpPr>
         <p:spPr>
           <a:xfrm flipV="1">
-            <a:off x="3776129" y="2116668"/>
+            <a:off x="616074" y="1336742"/>
             <a:ext cx="863610" cy="499532"/>
           </a:xfrm>
           <a:prstGeom prst="line">
             <a:avLst/>
           </a:prstGeom>
-          <a:ln w="12700">
+          <a:ln w="19050">
             <a:solidFill>
               <a:schemeClr val="tx1"/>
             </a:solidFill>
@@ -3517,13 +3523,13 @@
         </p:nvCxnSpPr>
         <p:spPr>
           <a:xfrm>
-            <a:off x="3776129" y="2616200"/>
+            <a:off x="616074" y="1836274"/>
             <a:ext cx="863610" cy="1"/>
           </a:xfrm>
           <a:prstGeom prst="line">
             <a:avLst/>
           </a:prstGeom>
-          <a:ln w="12700">
+          <a:ln w="19050">
             <a:solidFill>
               <a:schemeClr val="tx1"/>
             </a:solidFill>
@@ -3555,13 +3561,13 @@
         </p:nvCxnSpPr>
         <p:spPr>
           <a:xfrm>
-            <a:off x="3776129" y="2616200"/>
+            <a:off x="616074" y="1836274"/>
             <a:ext cx="863610" cy="499534"/>
           </a:xfrm>
           <a:prstGeom prst="line">
             <a:avLst/>
           </a:prstGeom>
-          <a:ln w="12700">
+          <a:ln w="19050">
             <a:solidFill>
               <a:schemeClr val="tx1"/>
             </a:solidFill>
@@ -3593,13 +3599,13 @@
         </p:nvCxnSpPr>
         <p:spPr>
           <a:xfrm>
-            <a:off x="6248408" y="1617135"/>
+            <a:off x="3088353" y="837209"/>
             <a:ext cx="897468" cy="999066"/>
           </a:xfrm>
           <a:prstGeom prst="line">
             <a:avLst/>
           </a:prstGeom>
-          <a:ln w="12700">
+          <a:ln w="19050">
             <a:solidFill>
               <a:schemeClr val="tx1"/>
             </a:solidFill>
@@ -3631,13 +3637,13 @@
         </p:nvCxnSpPr>
         <p:spPr>
           <a:xfrm>
-            <a:off x="6248408" y="2116668"/>
+            <a:off x="3088353" y="1336742"/>
             <a:ext cx="897468" cy="499533"/>
           </a:xfrm>
           <a:prstGeom prst="line">
             <a:avLst/>
           </a:prstGeom>
-          <a:ln w="12700">
+          <a:ln w="19050">
             <a:solidFill>
               <a:schemeClr val="tx1"/>
             </a:solidFill>
@@ -3669,13 +3675,13 @@
         </p:nvCxnSpPr>
         <p:spPr>
           <a:xfrm>
-            <a:off x="6248408" y="2616201"/>
+            <a:off x="3088353" y="1836275"/>
             <a:ext cx="897468" cy="0"/>
           </a:xfrm>
           <a:prstGeom prst="line">
             <a:avLst/>
           </a:prstGeom>
-          <a:ln w="12700">
+          <a:ln w="19050">
             <a:solidFill>
               <a:schemeClr val="tx1"/>
             </a:solidFill>
@@ -3707,13 +3713,13 @@
         </p:nvCxnSpPr>
         <p:spPr>
           <a:xfrm flipV="1">
-            <a:off x="6248408" y="2616201"/>
+            <a:off x="3088353" y="1836275"/>
             <a:ext cx="897468" cy="499533"/>
           </a:xfrm>
           <a:prstGeom prst="line">
             <a:avLst/>
           </a:prstGeom>
-          <a:ln w="12700">
+          <a:ln w="19050">
             <a:solidFill>
               <a:schemeClr val="tx1"/>
             </a:solidFill>
@@ -3745,13 +3751,13 @@
         </p:nvCxnSpPr>
         <p:spPr>
           <a:xfrm flipV="1">
-            <a:off x="6248408" y="2616201"/>
+            <a:off x="3088353" y="1836275"/>
             <a:ext cx="897468" cy="999066"/>
           </a:xfrm>
           <a:prstGeom prst="line">
             <a:avLst/>
           </a:prstGeom>
-          <a:ln w="12700">
+          <a:ln w="19050">
             <a:solidFill>
               <a:schemeClr val="tx1"/>
             </a:solidFill>
@@ -3783,7 +3789,7 @@
         </p:nvCxnSpPr>
         <p:spPr>
           <a:xfrm>
-            <a:off x="4775205" y="2116668"/>
+            <a:off x="1615150" y="1336742"/>
             <a:ext cx="1337737" cy="0"/>
           </a:xfrm>
           <a:prstGeom prst="line">
@@ -3791,7 +3797,7 @@
           </a:prstGeom>
           <a:ln w="38100">
             <a:solidFill>
-              <a:schemeClr val="tx1"/>
+              <a:srgbClr val="FF0000"/>
             </a:solidFill>
           </a:ln>
         </p:spPr>
@@ -3821,7 +3827,7 @@
         </p:nvCxnSpPr>
         <p:spPr>
           <a:xfrm>
-            <a:off x="4775205" y="2116668"/>
+            <a:off x="1615150" y="1336742"/>
             <a:ext cx="1337737" cy="999066"/>
           </a:xfrm>
           <a:prstGeom prst="line">
@@ -3859,15 +3865,15 @@
         </p:nvCxnSpPr>
         <p:spPr>
           <a:xfrm>
-            <a:off x="4775205" y="2116668"/>
+            <a:off x="1615150" y="1336742"/>
             <a:ext cx="1337737" cy="1498599"/>
           </a:xfrm>
           <a:prstGeom prst="line">
             <a:avLst/>
           </a:prstGeom>
-          <a:ln w="12700">
-            <a:solidFill>
-              <a:schemeClr val="tx1"/>
+          <a:ln w="15875">
+            <a:solidFill>
+              <a:srgbClr val="FF0000"/>
             </a:solidFill>
             <a:prstDash val="dash"/>
           </a:ln>
@@ -3898,7 +3904,7 @@
         </p:nvCxnSpPr>
         <p:spPr>
           <a:xfrm flipV="1">
-            <a:off x="4775205" y="1617135"/>
+            <a:off x="1615150" y="837209"/>
             <a:ext cx="1337737" cy="999066"/>
           </a:xfrm>
           <a:prstGeom prst="line">
@@ -3906,7 +3912,7 @@
           </a:prstGeom>
           <a:ln w="38100">
             <a:solidFill>
-              <a:schemeClr val="tx1"/>
+              <a:srgbClr val="FF0000"/>
             </a:solidFill>
           </a:ln>
         </p:spPr>
@@ -3936,13 +3942,13 @@
         </p:nvCxnSpPr>
         <p:spPr>
           <a:xfrm>
-            <a:off x="4775205" y="2616201"/>
+            <a:off x="1615150" y="1836275"/>
             <a:ext cx="1337737" cy="0"/>
           </a:xfrm>
           <a:prstGeom prst="line">
             <a:avLst/>
           </a:prstGeom>
-          <a:ln w="12700">
+          <a:ln w="19050">
             <a:solidFill>
               <a:schemeClr val="tx1"/>
             </a:solidFill>
@@ -3975,7 +3981,7 @@
         </p:nvCxnSpPr>
         <p:spPr>
           <a:xfrm>
-            <a:off x="4775205" y="3115734"/>
+            <a:off x="1615150" y="2335808"/>
             <a:ext cx="1337737" cy="499533"/>
           </a:xfrm>
           <a:prstGeom prst="line">
@@ -4013,13 +4019,13 @@
         </p:nvCxnSpPr>
         <p:spPr>
           <a:xfrm flipV="1">
-            <a:off x="4775205" y="1617135"/>
+            <a:off x="1615150" y="837209"/>
             <a:ext cx="1337737" cy="499533"/>
           </a:xfrm>
           <a:prstGeom prst="line">
             <a:avLst/>
           </a:prstGeom>
-          <a:ln w="12700">
+          <a:ln w="15875">
             <a:solidFill>
               <a:schemeClr val="tx1"/>
             </a:solidFill>
@@ -4052,7 +4058,7 @@
         </p:nvCxnSpPr>
         <p:spPr>
           <a:xfrm flipV="1">
-            <a:off x="4775205" y="2616201"/>
+            <a:off x="1615150" y="1836275"/>
             <a:ext cx="1337737" cy="499533"/>
           </a:xfrm>
           <a:prstGeom prst="line">
@@ -4060,7 +4066,7 @@
           </a:prstGeom>
           <a:ln w="38100">
             <a:solidFill>
-              <a:schemeClr val="tx1"/>
+              <a:srgbClr val="FF0000"/>
             </a:solidFill>
           </a:ln>
         </p:spPr>
@@ -4090,13 +4096,13 @@
         </p:nvCxnSpPr>
         <p:spPr>
           <a:xfrm>
-            <a:off x="4775205" y="2616201"/>
+            <a:off x="1615150" y="1836275"/>
             <a:ext cx="1337737" cy="499533"/>
           </a:xfrm>
           <a:prstGeom prst="line">
             <a:avLst/>
           </a:prstGeom>
-          <a:ln w="12700">
+          <a:ln w="15875">
             <a:solidFill>
               <a:schemeClr val="tx1"/>
             </a:solidFill>
@@ -4129,13 +4135,13 @@
         </p:nvCxnSpPr>
         <p:spPr>
           <a:xfrm>
-            <a:off x="4775205" y="3115734"/>
+            <a:off x="1615150" y="2335808"/>
             <a:ext cx="1337737" cy="0"/>
           </a:xfrm>
           <a:prstGeom prst="line">
             <a:avLst/>
           </a:prstGeom>
-          <a:ln w="12700">
+          <a:ln w="15875">
             <a:solidFill>
               <a:schemeClr val="tx1"/>
             </a:solidFill>
@@ -4167,7 +4173,7 @@
             </p:nvSpPr>
             <p:spPr>
               <a:xfrm rot="19837181">
-                <a:off x="3818232" y="2122102"/>
+                <a:off x="658177" y="1342176"/>
                 <a:ext cx="673839" cy="276999"/>
               </a:xfrm>
               <a:prstGeom prst="rect">
@@ -4181,6 +4187,7 @@
               </a:bodyPr>
               <a:lstStyle/>
               <a:p>
+                <a:pPr/>
                 <a14:m>
                   <m:oMathPara xmlns:m="http://schemas.openxmlformats.org/officeDocument/2006/math">
                     <m:oMathParaPr>
@@ -4237,7 +4244,7 @@
             </p:nvSpPr>
             <p:spPr>
               <a:xfrm rot="19837181">
-                <a:off x="3818232" y="2122102"/>
+                <a:off x="658177" y="1342176"/>
                 <a:ext cx="673839" cy="276999"/>
               </a:xfrm>
               <a:prstGeom prst="rect">
@@ -4273,7 +4280,7 @@
         </p:nvSpPr>
         <p:spPr>
           <a:xfrm>
-            <a:off x="4563540" y="1905002"/>
+            <a:off x="1403485" y="1125076"/>
             <a:ext cx="304801" cy="1447799"/>
           </a:xfrm>
           <a:prstGeom prst="rect">
@@ -4320,7 +4327,7 @@
         </p:nvSpPr>
         <p:spPr>
           <a:xfrm>
-            <a:off x="6019806" y="1405466"/>
+            <a:off x="2859751" y="625540"/>
             <a:ext cx="304801" cy="2421467"/>
           </a:xfrm>
           <a:prstGeom prst="rect">
@@ -4367,7 +4374,7 @@
         </p:nvSpPr>
         <p:spPr>
           <a:xfrm>
-            <a:off x="4445997" y="1574802"/>
+            <a:off x="1285942" y="794876"/>
             <a:ext cx="623889" cy="307777"/>
           </a:xfrm>
           <a:prstGeom prst="rect">
@@ -4397,7 +4404,7 @@
         </p:nvSpPr>
         <p:spPr>
           <a:xfrm>
-            <a:off x="5771973" y="1076522"/>
+            <a:off x="2611918" y="296596"/>
             <a:ext cx="817403" cy="307777"/>
           </a:xfrm>
           <a:prstGeom prst="rect">
@@ -4429,8 +4436,8 @@
             </p:nvSpPr>
             <p:spPr>
               <a:xfrm>
-                <a:off x="5239880" y="2188632"/>
-                <a:ext cx="675506" cy="338554"/>
+                <a:off x="1976767" y="667931"/>
+                <a:ext cx="686342" cy="338554"/>
               </a:xfrm>
               <a:prstGeom prst="rect">
                 <a:avLst/>
@@ -4443,6 +4450,7 @@
               </a:bodyPr>
               <a:lstStyle/>
               <a:p>
+                <a:pPr/>
                 <a14:m>
                   <m:oMathPara xmlns:m="http://schemas.openxmlformats.org/officeDocument/2006/math">
                     <m:oMathParaPr>
@@ -4465,7 +4473,7 @@
                         <a:rPr lang="en-US" sz="1600" b="0" i="1" smtClean="0">
                           <a:latin typeface="Cambria Math" panose="02040503050406030204" pitchFamily="18" charset="0"/>
                         </a:rPr>
-                        <m:t>𝑎</m:t>
+                        <m:t>𝛼</m:t>
                       </m:r>
                       <m:r>
                         <a:rPr lang="en-US" sz="1600" b="0" i="1" smtClean="0">
@@ -4492,8 +4500,8 @@
             </p:nvSpPr>
             <p:spPr>
               <a:xfrm>
-                <a:off x="5239880" y="2188632"/>
-                <a:ext cx="675506" cy="338554"/>
+                <a:off x="1976767" y="667931"/>
+                <a:ext cx="686342" cy="338554"/>
               </a:xfrm>
               <a:prstGeom prst="rect">
                 <a:avLst/>
@@ -4501,7 +4509,7 @@
               <a:blipFill rotWithShape="0">
                 <a:blip r:embed="rId3"/>
                 <a:stretch>
-                  <a:fillRect b="-8929"/>
+                  <a:fillRect b="-10909"/>
                 </a:stretch>
               </a:blipFill>
             </p:spPr>
@@ -4530,7 +4538,7 @@
             </p:nvSpPr>
             <p:spPr>
               <a:xfrm>
-                <a:off x="3410151" y="2366434"/>
+                <a:off x="250096" y="1586508"/>
                 <a:ext cx="303416" cy="338554"/>
               </a:xfrm>
               <a:prstGeom prst="rect">
@@ -4544,6 +4552,7 @@
               </a:bodyPr>
               <a:lstStyle/>
               <a:p>
+                <a:pPr/>
                 <a14:m>
                   <m:oMathPara xmlns:m="http://schemas.openxmlformats.org/officeDocument/2006/math">
                     <m:oMathParaPr>
@@ -4575,7 +4584,7 @@
             </p:nvSpPr>
             <p:spPr>
               <a:xfrm>
-                <a:off x="3410151" y="2366434"/>
+                <a:off x="250096" y="1586508"/>
                 <a:ext cx="303416" cy="338554"/>
               </a:xfrm>
               <a:prstGeom prst="rect">
@@ -4613,7 +4622,7 @@
             </p:nvSpPr>
             <p:spPr>
               <a:xfrm>
-                <a:off x="7239007" y="2374901"/>
+                <a:off x="4078952" y="1594975"/>
                 <a:ext cx="308418" cy="338554"/>
               </a:xfrm>
               <a:prstGeom prst="rect">
@@ -4627,6 +4636,7 @@
               </a:bodyPr>
               <a:lstStyle/>
               <a:p>
+                <a:pPr/>
                 <a14:m>
                   <m:oMathPara xmlns:m="http://schemas.openxmlformats.org/officeDocument/2006/math">
                     <m:oMathParaPr>
@@ -4658,7 +4668,7 @@
             </p:nvSpPr>
             <p:spPr>
               <a:xfrm>
-                <a:off x="7239007" y="2374901"/>
+                <a:off x="4078952" y="1594975"/>
                 <a:ext cx="308418" cy="338554"/>
               </a:xfrm>
               <a:prstGeom prst="rect">
@@ -4696,7 +4706,7 @@
             </p:nvSpPr>
             <p:spPr>
               <a:xfrm>
-                <a:off x="3987141" y="2371810"/>
+                <a:off x="827086" y="1591884"/>
                 <a:ext cx="677430" cy="276999"/>
               </a:xfrm>
               <a:prstGeom prst="rect">
@@ -4710,6 +4720,7 @@
               </a:bodyPr>
               <a:lstStyle/>
               <a:p>
+                <a:pPr/>
                 <a14:m>
                   <m:oMathPara xmlns:m="http://schemas.openxmlformats.org/officeDocument/2006/math">
                     <m:oMathParaPr>
@@ -4766,7 +4777,7 @@
             </p:nvSpPr>
             <p:spPr>
               <a:xfrm>
-                <a:off x="3987141" y="2371810"/>
+                <a:off x="827086" y="1591884"/>
                 <a:ext cx="677430" cy="276999"/>
               </a:xfrm>
               <a:prstGeom prst="rect">
@@ -4804,7 +4815,7 @@
             </p:nvSpPr>
             <p:spPr>
               <a:xfrm rot="1819596">
-                <a:off x="3776043" y="2792116"/>
+                <a:off x="615988" y="2012190"/>
                 <a:ext cx="677429" cy="276999"/>
               </a:xfrm>
               <a:prstGeom prst="rect">
@@ -4818,6 +4829,7 @@
               </a:bodyPr>
               <a:lstStyle/>
               <a:p>
+                <a:pPr/>
                 <a14:m>
                   <m:oMathPara xmlns:m="http://schemas.openxmlformats.org/officeDocument/2006/math">
                     <m:oMathParaPr>
@@ -4874,7 +4886,7 @@
             </p:nvSpPr>
             <p:spPr>
               <a:xfrm rot="1819596">
-                <a:off x="3776043" y="2792116"/>
+                <a:off x="615988" y="2012190"/>
                 <a:ext cx="677429" cy="276999"/>
               </a:xfrm>
               <a:prstGeom prst="rect">
@@ -4902,6 +4914,4418 @@
           </p:sp>
         </mc:Fallback>
       </mc:AlternateContent>
+      <p:sp>
+        <p:nvSpPr>
+          <p:cNvPr id="40" name="Oval 39"/>
+          <p:cNvSpPr/>
+          <p:nvPr/>
+        </p:nvSpPr>
+        <p:spPr>
+          <a:xfrm>
+            <a:off x="7495009" y="1260044"/>
+            <a:ext cx="135466" cy="135467"/>
+          </a:xfrm>
+          <a:prstGeom prst="ellipse">
+            <a:avLst/>
+          </a:prstGeom>
+          <a:solidFill>
+            <a:schemeClr val="accent6">
+              <a:lumMod val="40000"/>
+              <a:lumOff val="60000"/>
+            </a:schemeClr>
+          </a:solidFill>
+          <a:ln>
+            <a:solidFill>
+              <a:schemeClr val="tx1"/>
+            </a:solidFill>
+          </a:ln>
+        </p:spPr>
+        <p:style>
+          <a:lnRef idx="2">
+            <a:schemeClr val="accent1">
+              <a:shade val="50000"/>
+            </a:schemeClr>
+          </a:lnRef>
+          <a:fillRef idx="1">
+            <a:schemeClr val="accent1"/>
+          </a:fillRef>
+          <a:effectRef idx="0">
+            <a:schemeClr val="accent1"/>
+          </a:effectRef>
+          <a:fontRef idx="minor">
+            <a:schemeClr val="lt1"/>
+          </a:fontRef>
+        </p:style>
+        <p:txBody>
+          <a:bodyPr rtlCol="0" anchor="ctr"/>
+          <a:lstStyle/>
+          <a:p>
+            <a:pPr algn="ctr"/>
+            <a:endParaRPr lang="en-US"/>
+          </a:p>
+        </p:txBody>
+      </p:sp>
+      <p:sp>
+        <p:nvSpPr>
+          <p:cNvPr id="41" name="Oval 40"/>
+          <p:cNvSpPr/>
+          <p:nvPr/>
+        </p:nvSpPr>
+        <p:spPr>
+          <a:xfrm>
+            <a:off x="7495009" y="1759577"/>
+            <a:ext cx="135466" cy="135467"/>
+          </a:xfrm>
+          <a:prstGeom prst="ellipse">
+            <a:avLst/>
+          </a:prstGeom>
+          <a:solidFill>
+            <a:schemeClr val="accent6">
+              <a:lumMod val="40000"/>
+              <a:lumOff val="60000"/>
+            </a:schemeClr>
+          </a:solidFill>
+          <a:ln>
+            <a:solidFill>
+              <a:schemeClr val="tx1"/>
+            </a:solidFill>
+          </a:ln>
+        </p:spPr>
+        <p:style>
+          <a:lnRef idx="2">
+            <a:schemeClr val="accent1">
+              <a:shade val="50000"/>
+            </a:schemeClr>
+          </a:lnRef>
+          <a:fillRef idx="1">
+            <a:schemeClr val="accent1"/>
+          </a:fillRef>
+          <a:effectRef idx="0">
+            <a:schemeClr val="accent1"/>
+          </a:effectRef>
+          <a:fontRef idx="minor">
+            <a:schemeClr val="lt1"/>
+          </a:fontRef>
+        </p:style>
+        <p:txBody>
+          <a:bodyPr rtlCol="0" anchor="ctr"/>
+          <a:lstStyle/>
+          <a:p>
+            <a:pPr algn="ctr"/>
+            <a:endParaRPr lang="en-US"/>
+          </a:p>
+        </p:txBody>
+      </p:sp>
+      <p:sp>
+        <p:nvSpPr>
+          <p:cNvPr id="43" name="Oval 42"/>
+          <p:cNvSpPr/>
+          <p:nvPr/>
+        </p:nvSpPr>
+        <p:spPr>
+          <a:xfrm>
+            <a:off x="7495009" y="2259110"/>
+            <a:ext cx="135466" cy="135467"/>
+          </a:xfrm>
+          <a:prstGeom prst="ellipse">
+            <a:avLst/>
+          </a:prstGeom>
+          <a:solidFill>
+            <a:schemeClr val="accent6">
+              <a:lumMod val="40000"/>
+              <a:lumOff val="60000"/>
+            </a:schemeClr>
+          </a:solidFill>
+          <a:ln>
+            <a:solidFill>
+              <a:schemeClr val="tx1"/>
+            </a:solidFill>
+          </a:ln>
+        </p:spPr>
+        <p:style>
+          <a:lnRef idx="2">
+            <a:schemeClr val="accent1">
+              <a:shade val="50000"/>
+            </a:schemeClr>
+          </a:lnRef>
+          <a:fillRef idx="1">
+            <a:schemeClr val="accent1"/>
+          </a:fillRef>
+          <a:effectRef idx="0">
+            <a:schemeClr val="accent1"/>
+          </a:effectRef>
+          <a:fontRef idx="minor">
+            <a:schemeClr val="lt1"/>
+          </a:fontRef>
+        </p:style>
+        <p:txBody>
+          <a:bodyPr rtlCol="0" anchor="ctr"/>
+          <a:lstStyle/>
+          <a:p>
+            <a:pPr algn="ctr"/>
+            <a:endParaRPr lang="en-US"/>
+          </a:p>
+        </p:txBody>
+      </p:sp>
+      <p:sp>
+        <p:nvSpPr>
+          <p:cNvPr id="44" name="Oval 43"/>
+          <p:cNvSpPr/>
+          <p:nvPr/>
+        </p:nvSpPr>
+        <p:spPr>
+          <a:xfrm>
+            <a:off x="8968212" y="760511"/>
+            <a:ext cx="135466" cy="135467"/>
+          </a:xfrm>
+          <a:prstGeom prst="ellipse">
+            <a:avLst/>
+          </a:prstGeom>
+          <a:solidFill>
+            <a:schemeClr val="accent1">
+              <a:lumMod val="60000"/>
+              <a:lumOff val="40000"/>
+            </a:schemeClr>
+          </a:solidFill>
+          <a:ln>
+            <a:solidFill>
+              <a:schemeClr val="tx1"/>
+            </a:solidFill>
+          </a:ln>
+        </p:spPr>
+        <p:style>
+          <a:lnRef idx="2">
+            <a:schemeClr val="accent1">
+              <a:shade val="50000"/>
+            </a:schemeClr>
+          </a:lnRef>
+          <a:fillRef idx="1">
+            <a:schemeClr val="accent1"/>
+          </a:fillRef>
+          <a:effectRef idx="0">
+            <a:schemeClr val="accent1"/>
+          </a:effectRef>
+          <a:fontRef idx="minor">
+            <a:schemeClr val="lt1"/>
+          </a:fontRef>
+        </p:style>
+        <p:txBody>
+          <a:bodyPr rtlCol="0" anchor="ctr"/>
+          <a:lstStyle/>
+          <a:p>
+            <a:pPr algn="ctr"/>
+            <a:endParaRPr lang="en-US"/>
+          </a:p>
+        </p:txBody>
+      </p:sp>
+      <p:sp>
+        <p:nvSpPr>
+          <p:cNvPr id="45" name="Oval 44"/>
+          <p:cNvSpPr/>
+          <p:nvPr/>
+        </p:nvSpPr>
+        <p:spPr>
+          <a:xfrm>
+            <a:off x="8968212" y="1260044"/>
+            <a:ext cx="135466" cy="135467"/>
+          </a:xfrm>
+          <a:prstGeom prst="ellipse">
+            <a:avLst/>
+          </a:prstGeom>
+          <a:solidFill>
+            <a:schemeClr val="accent1">
+              <a:lumMod val="60000"/>
+              <a:lumOff val="40000"/>
+            </a:schemeClr>
+          </a:solidFill>
+          <a:ln>
+            <a:solidFill>
+              <a:schemeClr val="tx1"/>
+            </a:solidFill>
+          </a:ln>
+        </p:spPr>
+        <p:style>
+          <a:lnRef idx="2">
+            <a:schemeClr val="accent1">
+              <a:shade val="50000"/>
+            </a:schemeClr>
+          </a:lnRef>
+          <a:fillRef idx="1">
+            <a:schemeClr val="accent1"/>
+          </a:fillRef>
+          <a:effectRef idx="0">
+            <a:schemeClr val="accent1"/>
+          </a:effectRef>
+          <a:fontRef idx="minor">
+            <a:schemeClr val="lt1"/>
+          </a:fontRef>
+        </p:style>
+        <p:txBody>
+          <a:bodyPr rtlCol="0" anchor="ctr"/>
+          <a:lstStyle/>
+          <a:p>
+            <a:pPr algn="ctr"/>
+            <a:endParaRPr lang="en-US"/>
+          </a:p>
+        </p:txBody>
+      </p:sp>
+      <p:sp>
+        <p:nvSpPr>
+          <p:cNvPr id="46" name="Oval 45"/>
+          <p:cNvSpPr/>
+          <p:nvPr/>
+        </p:nvSpPr>
+        <p:spPr>
+          <a:xfrm>
+            <a:off x="8968212" y="1759577"/>
+            <a:ext cx="135466" cy="135467"/>
+          </a:xfrm>
+          <a:prstGeom prst="ellipse">
+            <a:avLst/>
+          </a:prstGeom>
+          <a:solidFill>
+            <a:schemeClr val="accent1">
+              <a:lumMod val="60000"/>
+              <a:lumOff val="40000"/>
+            </a:schemeClr>
+          </a:solidFill>
+          <a:ln>
+            <a:solidFill>
+              <a:schemeClr val="tx1"/>
+            </a:solidFill>
+          </a:ln>
+        </p:spPr>
+        <p:style>
+          <a:lnRef idx="2">
+            <a:schemeClr val="accent1">
+              <a:shade val="50000"/>
+            </a:schemeClr>
+          </a:lnRef>
+          <a:fillRef idx="1">
+            <a:schemeClr val="accent1"/>
+          </a:fillRef>
+          <a:effectRef idx="0">
+            <a:schemeClr val="accent1"/>
+          </a:effectRef>
+          <a:fontRef idx="minor">
+            <a:schemeClr val="lt1"/>
+          </a:fontRef>
+        </p:style>
+        <p:txBody>
+          <a:bodyPr rtlCol="0" anchor="ctr"/>
+          <a:lstStyle/>
+          <a:p>
+            <a:pPr algn="ctr"/>
+            <a:endParaRPr lang="en-US"/>
+          </a:p>
+        </p:txBody>
+      </p:sp>
+      <p:sp>
+        <p:nvSpPr>
+          <p:cNvPr id="47" name="Oval 46"/>
+          <p:cNvSpPr/>
+          <p:nvPr/>
+        </p:nvSpPr>
+        <p:spPr>
+          <a:xfrm>
+            <a:off x="8968212" y="2259110"/>
+            <a:ext cx="135466" cy="135467"/>
+          </a:xfrm>
+          <a:prstGeom prst="ellipse">
+            <a:avLst/>
+          </a:prstGeom>
+          <a:solidFill>
+            <a:schemeClr val="accent1">
+              <a:lumMod val="60000"/>
+              <a:lumOff val="40000"/>
+            </a:schemeClr>
+          </a:solidFill>
+          <a:ln>
+            <a:solidFill>
+              <a:schemeClr val="tx1"/>
+            </a:solidFill>
+          </a:ln>
+        </p:spPr>
+        <p:style>
+          <a:lnRef idx="2">
+            <a:schemeClr val="accent1">
+              <a:shade val="50000"/>
+            </a:schemeClr>
+          </a:lnRef>
+          <a:fillRef idx="1">
+            <a:schemeClr val="accent1"/>
+          </a:fillRef>
+          <a:effectRef idx="0">
+            <a:schemeClr val="accent1"/>
+          </a:effectRef>
+          <a:fontRef idx="minor">
+            <a:schemeClr val="lt1"/>
+          </a:fontRef>
+        </p:style>
+        <p:txBody>
+          <a:bodyPr rtlCol="0" anchor="ctr"/>
+          <a:lstStyle/>
+          <a:p>
+            <a:pPr algn="ctr"/>
+            <a:endParaRPr lang="en-US"/>
+          </a:p>
+        </p:txBody>
+      </p:sp>
+      <p:sp>
+        <p:nvSpPr>
+          <p:cNvPr id="48" name="Oval 47"/>
+          <p:cNvSpPr/>
+          <p:nvPr/>
+        </p:nvSpPr>
+        <p:spPr>
+          <a:xfrm>
+            <a:off x="8968212" y="2758643"/>
+            <a:ext cx="135466" cy="135467"/>
+          </a:xfrm>
+          <a:prstGeom prst="ellipse">
+            <a:avLst/>
+          </a:prstGeom>
+          <a:solidFill>
+            <a:schemeClr val="accent1">
+              <a:lumMod val="60000"/>
+              <a:lumOff val="40000"/>
+            </a:schemeClr>
+          </a:solidFill>
+          <a:ln>
+            <a:solidFill>
+              <a:schemeClr val="tx1"/>
+            </a:solidFill>
+          </a:ln>
+        </p:spPr>
+        <p:style>
+          <a:lnRef idx="2">
+            <a:schemeClr val="accent1">
+              <a:shade val="50000"/>
+            </a:schemeClr>
+          </a:lnRef>
+          <a:fillRef idx="1">
+            <a:schemeClr val="accent1"/>
+          </a:fillRef>
+          <a:effectRef idx="0">
+            <a:schemeClr val="accent1"/>
+          </a:effectRef>
+          <a:fontRef idx="minor">
+            <a:schemeClr val="lt1"/>
+          </a:fontRef>
+        </p:style>
+        <p:txBody>
+          <a:bodyPr rtlCol="0" anchor="ctr"/>
+          <a:lstStyle/>
+          <a:p>
+            <a:pPr algn="ctr"/>
+            <a:endParaRPr lang="en-US"/>
+          </a:p>
+        </p:txBody>
+      </p:sp>
+      <p:sp>
+        <p:nvSpPr>
+          <p:cNvPr id="49" name="Oval 48"/>
+          <p:cNvSpPr/>
+          <p:nvPr/>
+        </p:nvSpPr>
+        <p:spPr>
+          <a:xfrm>
+            <a:off x="6495933" y="1759576"/>
+            <a:ext cx="135466" cy="135467"/>
+          </a:xfrm>
+          <a:prstGeom prst="ellipse">
+            <a:avLst/>
+          </a:prstGeom>
+          <a:solidFill>
+            <a:schemeClr val="bg1"/>
+          </a:solidFill>
+          <a:ln>
+            <a:solidFill>
+              <a:schemeClr val="tx1"/>
+            </a:solidFill>
+          </a:ln>
+        </p:spPr>
+        <p:style>
+          <a:lnRef idx="2">
+            <a:schemeClr val="accent1">
+              <a:shade val="50000"/>
+            </a:schemeClr>
+          </a:lnRef>
+          <a:fillRef idx="1">
+            <a:schemeClr val="accent1"/>
+          </a:fillRef>
+          <a:effectRef idx="0">
+            <a:schemeClr val="accent1"/>
+          </a:effectRef>
+          <a:fontRef idx="minor">
+            <a:schemeClr val="lt1"/>
+          </a:fontRef>
+        </p:style>
+        <p:txBody>
+          <a:bodyPr rtlCol="0" anchor="ctr"/>
+          <a:lstStyle/>
+          <a:p>
+            <a:pPr algn="ctr"/>
+            <a:endParaRPr lang="en-US"/>
+          </a:p>
+        </p:txBody>
+      </p:sp>
+      <p:sp>
+        <p:nvSpPr>
+          <p:cNvPr id="50" name="Oval 49"/>
+          <p:cNvSpPr/>
+          <p:nvPr/>
+        </p:nvSpPr>
+        <p:spPr>
+          <a:xfrm>
+            <a:off x="10001146" y="1759577"/>
+            <a:ext cx="135466" cy="135467"/>
+          </a:xfrm>
+          <a:prstGeom prst="ellipse">
+            <a:avLst/>
+          </a:prstGeom>
+          <a:solidFill>
+            <a:schemeClr val="bg1"/>
+          </a:solidFill>
+          <a:ln>
+            <a:solidFill>
+              <a:schemeClr val="tx1"/>
+            </a:solidFill>
+          </a:ln>
+        </p:spPr>
+        <p:style>
+          <a:lnRef idx="2">
+            <a:schemeClr val="accent1">
+              <a:shade val="50000"/>
+            </a:schemeClr>
+          </a:lnRef>
+          <a:fillRef idx="1">
+            <a:schemeClr val="accent1"/>
+          </a:fillRef>
+          <a:effectRef idx="0">
+            <a:schemeClr val="accent1"/>
+          </a:effectRef>
+          <a:fontRef idx="minor">
+            <a:schemeClr val="lt1"/>
+          </a:fontRef>
+        </p:style>
+        <p:txBody>
+          <a:bodyPr rtlCol="0" anchor="ctr"/>
+          <a:lstStyle/>
+          <a:p>
+            <a:pPr algn="ctr"/>
+            <a:endParaRPr lang="en-US"/>
+          </a:p>
+        </p:txBody>
+      </p:sp>
+      <p:cxnSp>
+        <p:nvCxnSpPr>
+          <p:cNvPr id="52" name="Straight Connector 51"/>
+          <p:cNvCxnSpPr>
+            <a:stCxn id="49" idx="6"/>
+            <a:endCxn id="40" idx="2"/>
+          </p:cNvCxnSpPr>
+          <p:nvPr/>
+        </p:nvCxnSpPr>
+        <p:spPr>
+          <a:xfrm flipV="1">
+            <a:off x="6631399" y="1327778"/>
+            <a:ext cx="863610" cy="499532"/>
+          </a:xfrm>
+          <a:prstGeom prst="line">
+            <a:avLst/>
+          </a:prstGeom>
+          <a:ln w="19050">
+            <a:solidFill>
+              <a:schemeClr val="tx1"/>
+            </a:solidFill>
+          </a:ln>
+        </p:spPr>
+        <p:style>
+          <a:lnRef idx="1">
+            <a:schemeClr val="accent1"/>
+          </a:lnRef>
+          <a:fillRef idx="0">
+            <a:schemeClr val="accent1"/>
+          </a:fillRef>
+          <a:effectRef idx="0">
+            <a:schemeClr val="accent1"/>
+          </a:effectRef>
+          <a:fontRef idx="minor">
+            <a:schemeClr val="tx1"/>
+          </a:fontRef>
+        </p:style>
+      </p:cxnSp>
+      <p:cxnSp>
+        <p:nvCxnSpPr>
+          <p:cNvPr id="53" name="Straight Connector 52"/>
+          <p:cNvCxnSpPr>
+            <a:stCxn id="49" idx="6"/>
+            <a:endCxn id="41" idx="2"/>
+          </p:cNvCxnSpPr>
+          <p:nvPr/>
+        </p:nvCxnSpPr>
+        <p:spPr>
+          <a:xfrm>
+            <a:off x="6631399" y="1827310"/>
+            <a:ext cx="863610" cy="1"/>
+          </a:xfrm>
+          <a:prstGeom prst="line">
+            <a:avLst/>
+          </a:prstGeom>
+          <a:ln w="19050">
+            <a:solidFill>
+              <a:schemeClr val="tx1"/>
+            </a:solidFill>
+          </a:ln>
+        </p:spPr>
+        <p:style>
+          <a:lnRef idx="1">
+            <a:schemeClr val="accent1"/>
+          </a:lnRef>
+          <a:fillRef idx="0">
+            <a:schemeClr val="accent1"/>
+          </a:fillRef>
+          <a:effectRef idx="0">
+            <a:schemeClr val="accent1"/>
+          </a:effectRef>
+          <a:fontRef idx="minor">
+            <a:schemeClr val="tx1"/>
+          </a:fontRef>
+        </p:style>
+      </p:cxnSp>
+      <p:cxnSp>
+        <p:nvCxnSpPr>
+          <p:cNvPr id="55" name="Straight Connector 54"/>
+          <p:cNvCxnSpPr>
+            <a:stCxn id="49" idx="6"/>
+            <a:endCxn id="43" idx="2"/>
+          </p:cNvCxnSpPr>
+          <p:nvPr/>
+        </p:nvCxnSpPr>
+        <p:spPr>
+          <a:xfrm>
+            <a:off x="6631399" y="1827310"/>
+            <a:ext cx="863610" cy="499534"/>
+          </a:xfrm>
+          <a:prstGeom prst="line">
+            <a:avLst/>
+          </a:prstGeom>
+          <a:ln w="19050">
+            <a:solidFill>
+              <a:schemeClr val="tx1"/>
+            </a:solidFill>
+          </a:ln>
+        </p:spPr>
+        <p:style>
+          <a:lnRef idx="1">
+            <a:schemeClr val="accent1"/>
+          </a:lnRef>
+          <a:fillRef idx="0">
+            <a:schemeClr val="accent1"/>
+          </a:fillRef>
+          <a:effectRef idx="0">
+            <a:schemeClr val="accent1"/>
+          </a:effectRef>
+          <a:fontRef idx="minor">
+            <a:schemeClr val="tx1"/>
+          </a:fontRef>
+        </p:style>
+      </p:cxnSp>
+      <p:cxnSp>
+        <p:nvCxnSpPr>
+          <p:cNvPr id="56" name="Straight Connector 55"/>
+          <p:cNvCxnSpPr>
+            <a:stCxn id="44" idx="6"/>
+            <a:endCxn id="50" idx="2"/>
+          </p:cNvCxnSpPr>
+          <p:nvPr/>
+        </p:nvCxnSpPr>
+        <p:spPr>
+          <a:xfrm>
+            <a:off x="9103678" y="828245"/>
+            <a:ext cx="897468" cy="999066"/>
+          </a:xfrm>
+          <a:prstGeom prst="line">
+            <a:avLst/>
+          </a:prstGeom>
+          <a:ln w="19050">
+            <a:solidFill>
+              <a:schemeClr val="tx1"/>
+            </a:solidFill>
+          </a:ln>
+        </p:spPr>
+        <p:style>
+          <a:lnRef idx="1">
+            <a:schemeClr val="accent1"/>
+          </a:lnRef>
+          <a:fillRef idx="0">
+            <a:schemeClr val="accent1"/>
+          </a:fillRef>
+          <a:effectRef idx="0">
+            <a:schemeClr val="accent1"/>
+          </a:effectRef>
+          <a:fontRef idx="minor">
+            <a:schemeClr val="tx1"/>
+          </a:fontRef>
+        </p:style>
+      </p:cxnSp>
+      <p:cxnSp>
+        <p:nvCxnSpPr>
+          <p:cNvPr id="58" name="Straight Connector 57"/>
+          <p:cNvCxnSpPr>
+            <a:stCxn id="45" idx="6"/>
+            <a:endCxn id="50" idx="2"/>
+          </p:cNvCxnSpPr>
+          <p:nvPr/>
+        </p:nvCxnSpPr>
+        <p:spPr>
+          <a:xfrm>
+            <a:off x="9103678" y="1327778"/>
+            <a:ext cx="897468" cy="499533"/>
+          </a:xfrm>
+          <a:prstGeom prst="line">
+            <a:avLst/>
+          </a:prstGeom>
+          <a:ln w="19050">
+            <a:solidFill>
+              <a:schemeClr val="tx1"/>
+            </a:solidFill>
+          </a:ln>
+        </p:spPr>
+        <p:style>
+          <a:lnRef idx="1">
+            <a:schemeClr val="accent1"/>
+          </a:lnRef>
+          <a:fillRef idx="0">
+            <a:schemeClr val="accent1"/>
+          </a:fillRef>
+          <a:effectRef idx="0">
+            <a:schemeClr val="accent1"/>
+          </a:effectRef>
+          <a:fontRef idx="minor">
+            <a:schemeClr val="tx1"/>
+          </a:fontRef>
+        </p:style>
+      </p:cxnSp>
+      <p:cxnSp>
+        <p:nvCxnSpPr>
+          <p:cNvPr id="59" name="Straight Connector 58"/>
+          <p:cNvCxnSpPr>
+            <a:stCxn id="46" idx="6"/>
+            <a:endCxn id="50" idx="2"/>
+          </p:cNvCxnSpPr>
+          <p:nvPr/>
+        </p:nvCxnSpPr>
+        <p:spPr>
+          <a:xfrm>
+            <a:off x="9103678" y="1827311"/>
+            <a:ext cx="897468" cy="0"/>
+          </a:xfrm>
+          <a:prstGeom prst="line">
+            <a:avLst/>
+          </a:prstGeom>
+          <a:ln w="19050">
+            <a:solidFill>
+              <a:schemeClr val="tx1"/>
+            </a:solidFill>
+          </a:ln>
+        </p:spPr>
+        <p:style>
+          <a:lnRef idx="1">
+            <a:schemeClr val="accent1"/>
+          </a:lnRef>
+          <a:fillRef idx="0">
+            <a:schemeClr val="accent1"/>
+          </a:fillRef>
+          <a:effectRef idx="0">
+            <a:schemeClr val="accent1"/>
+          </a:effectRef>
+          <a:fontRef idx="minor">
+            <a:schemeClr val="tx1"/>
+          </a:fontRef>
+        </p:style>
+      </p:cxnSp>
+      <p:cxnSp>
+        <p:nvCxnSpPr>
+          <p:cNvPr id="60" name="Straight Connector 59"/>
+          <p:cNvCxnSpPr>
+            <a:stCxn id="47" idx="6"/>
+            <a:endCxn id="50" idx="2"/>
+          </p:cNvCxnSpPr>
+          <p:nvPr/>
+        </p:nvCxnSpPr>
+        <p:spPr>
+          <a:xfrm flipV="1">
+            <a:off x="9103678" y="1827311"/>
+            <a:ext cx="897468" cy="499533"/>
+          </a:xfrm>
+          <a:prstGeom prst="line">
+            <a:avLst/>
+          </a:prstGeom>
+          <a:ln w="19050">
+            <a:solidFill>
+              <a:schemeClr val="tx1"/>
+            </a:solidFill>
+          </a:ln>
+        </p:spPr>
+        <p:style>
+          <a:lnRef idx="1">
+            <a:schemeClr val="accent1"/>
+          </a:lnRef>
+          <a:fillRef idx="0">
+            <a:schemeClr val="accent1"/>
+          </a:fillRef>
+          <a:effectRef idx="0">
+            <a:schemeClr val="accent1"/>
+          </a:effectRef>
+          <a:fontRef idx="minor">
+            <a:schemeClr val="tx1"/>
+          </a:fontRef>
+        </p:style>
+      </p:cxnSp>
+      <p:cxnSp>
+        <p:nvCxnSpPr>
+          <p:cNvPr id="61" name="Straight Connector 60"/>
+          <p:cNvCxnSpPr>
+            <a:stCxn id="48" idx="6"/>
+            <a:endCxn id="50" idx="2"/>
+          </p:cNvCxnSpPr>
+          <p:nvPr/>
+        </p:nvCxnSpPr>
+        <p:spPr>
+          <a:xfrm flipV="1">
+            <a:off x="9103678" y="1827311"/>
+            <a:ext cx="897468" cy="999066"/>
+          </a:xfrm>
+          <a:prstGeom prst="line">
+            <a:avLst/>
+          </a:prstGeom>
+          <a:ln w="19050">
+            <a:solidFill>
+              <a:schemeClr val="tx1"/>
+            </a:solidFill>
+          </a:ln>
+        </p:spPr>
+        <p:style>
+          <a:lnRef idx="1">
+            <a:schemeClr val="accent1"/>
+          </a:lnRef>
+          <a:fillRef idx="0">
+            <a:schemeClr val="accent1"/>
+          </a:fillRef>
+          <a:effectRef idx="0">
+            <a:schemeClr val="accent1"/>
+          </a:effectRef>
+          <a:fontRef idx="minor">
+            <a:schemeClr val="tx1"/>
+          </a:fontRef>
+        </p:style>
+      </p:cxnSp>
+      <p:cxnSp>
+        <p:nvCxnSpPr>
+          <p:cNvPr id="62" name="Straight Connector 61"/>
+          <p:cNvCxnSpPr>
+            <a:stCxn id="40" idx="6"/>
+            <a:endCxn id="45" idx="2"/>
+          </p:cNvCxnSpPr>
+          <p:nvPr/>
+        </p:nvCxnSpPr>
+        <p:spPr>
+          <a:xfrm>
+            <a:off x="7630475" y="1327778"/>
+            <a:ext cx="1337737" cy="0"/>
+          </a:xfrm>
+          <a:prstGeom prst="line">
+            <a:avLst/>
+          </a:prstGeom>
+          <a:ln w="38100">
+            <a:solidFill>
+              <a:srgbClr val="FF0000"/>
+            </a:solidFill>
+          </a:ln>
+        </p:spPr>
+        <p:style>
+          <a:lnRef idx="1">
+            <a:schemeClr val="accent1"/>
+          </a:lnRef>
+          <a:fillRef idx="0">
+            <a:schemeClr val="accent1"/>
+          </a:fillRef>
+          <a:effectRef idx="0">
+            <a:schemeClr val="accent1"/>
+          </a:effectRef>
+          <a:fontRef idx="minor">
+            <a:schemeClr val="tx1"/>
+          </a:fontRef>
+        </p:style>
+      </p:cxnSp>
+      <p:cxnSp>
+        <p:nvCxnSpPr>
+          <p:cNvPr id="64" name="Straight Connector 63"/>
+          <p:cNvCxnSpPr>
+            <a:stCxn id="40" idx="6"/>
+            <a:endCxn id="47" idx="2"/>
+          </p:cNvCxnSpPr>
+          <p:nvPr/>
+        </p:nvCxnSpPr>
+        <p:spPr>
+          <a:xfrm>
+            <a:off x="7630475" y="1327778"/>
+            <a:ext cx="1337737" cy="999066"/>
+          </a:xfrm>
+          <a:prstGeom prst="line">
+            <a:avLst/>
+          </a:prstGeom>
+          <a:ln w="19050">
+            <a:solidFill>
+              <a:schemeClr val="tx1"/>
+            </a:solidFill>
+            <a:prstDash val="dash"/>
+          </a:ln>
+        </p:spPr>
+        <p:style>
+          <a:lnRef idx="1">
+            <a:schemeClr val="accent1"/>
+          </a:lnRef>
+          <a:fillRef idx="0">
+            <a:schemeClr val="accent1"/>
+          </a:fillRef>
+          <a:effectRef idx="0">
+            <a:schemeClr val="accent1"/>
+          </a:effectRef>
+          <a:fontRef idx="minor">
+            <a:schemeClr val="tx1"/>
+          </a:fontRef>
+        </p:style>
+      </p:cxnSp>
+      <p:cxnSp>
+        <p:nvCxnSpPr>
+          <p:cNvPr id="65" name="Straight Connector 64"/>
+          <p:cNvCxnSpPr>
+            <a:stCxn id="40" idx="6"/>
+            <a:endCxn id="48" idx="2"/>
+          </p:cNvCxnSpPr>
+          <p:nvPr/>
+        </p:nvCxnSpPr>
+        <p:spPr>
+          <a:xfrm>
+            <a:off x="7630475" y="1327778"/>
+            <a:ext cx="1337737" cy="1498599"/>
+          </a:xfrm>
+          <a:prstGeom prst="line">
+            <a:avLst/>
+          </a:prstGeom>
+          <a:ln w="19050">
+            <a:solidFill>
+              <a:srgbClr val="FF0000"/>
+            </a:solidFill>
+            <a:prstDash val="dash"/>
+          </a:ln>
+        </p:spPr>
+        <p:style>
+          <a:lnRef idx="1">
+            <a:schemeClr val="accent1"/>
+          </a:lnRef>
+          <a:fillRef idx="0">
+            <a:schemeClr val="accent1"/>
+          </a:fillRef>
+          <a:effectRef idx="0">
+            <a:schemeClr val="accent1"/>
+          </a:effectRef>
+          <a:fontRef idx="minor">
+            <a:schemeClr val="tx1"/>
+          </a:fontRef>
+        </p:style>
+      </p:cxnSp>
+      <p:cxnSp>
+        <p:nvCxnSpPr>
+          <p:cNvPr id="67" name="Straight Connector 66"/>
+          <p:cNvCxnSpPr>
+            <a:stCxn id="41" idx="6"/>
+            <a:endCxn id="44" idx="2"/>
+          </p:cNvCxnSpPr>
+          <p:nvPr/>
+        </p:nvCxnSpPr>
+        <p:spPr>
+          <a:xfrm flipV="1">
+            <a:off x="7630475" y="828245"/>
+            <a:ext cx="1337737" cy="999066"/>
+          </a:xfrm>
+          <a:prstGeom prst="line">
+            <a:avLst/>
+          </a:prstGeom>
+          <a:ln w="19050">
+            <a:solidFill>
+              <a:srgbClr val="FF0000"/>
+            </a:solidFill>
+            <a:prstDash val="dash"/>
+          </a:ln>
+        </p:spPr>
+        <p:style>
+          <a:lnRef idx="1">
+            <a:schemeClr val="accent1"/>
+          </a:lnRef>
+          <a:fillRef idx="0">
+            <a:schemeClr val="accent1"/>
+          </a:fillRef>
+          <a:effectRef idx="0">
+            <a:schemeClr val="accent1"/>
+          </a:effectRef>
+          <a:fontRef idx="minor">
+            <a:schemeClr val="tx1"/>
+          </a:fontRef>
+        </p:style>
+      </p:cxnSp>
+      <p:cxnSp>
+        <p:nvCxnSpPr>
+          <p:cNvPr id="68" name="Straight Connector 67"/>
+          <p:cNvCxnSpPr>
+            <a:stCxn id="41" idx="6"/>
+            <a:endCxn id="46" idx="2"/>
+          </p:cNvCxnSpPr>
+          <p:nvPr/>
+        </p:nvCxnSpPr>
+        <p:spPr>
+          <a:xfrm>
+            <a:off x="7630475" y="1827311"/>
+            <a:ext cx="1337737" cy="0"/>
+          </a:xfrm>
+          <a:prstGeom prst="line">
+            <a:avLst/>
+          </a:prstGeom>
+          <a:ln w="38100">
+            <a:solidFill>
+              <a:schemeClr val="tx1"/>
+            </a:solidFill>
+          </a:ln>
+        </p:spPr>
+        <p:style>
+          <a:lnRef idx="1">
+            <a:schemeClr val="accent1"/>
+          </a:lnRef>
+          <a:fillRef idx="0">
+            <a:schemeClr val="accent1"/>
+          </a:fillRef>
+          <a:effectRef idx="0">
+            <a:schemeClr val="accent1"/>
+          </a:effectRef>
+          <a:fontRef idx="minor">
+            <a:schemeClr val="tx1"/>
+          </a:fontRef>
+        </p:style>
+      </p:cxnSp>
+      <p:cxnSp>
+        <p:nvCxnSpPr>
+          <p:cNvPr id="70" name="Straight Connector 69"/>
+          <p:cNvCxnSpPr>
+            <a:stCxn id="43" idx="6"/>
+            <a:endCxn id="48" idx="2"/>
+          </p:cNvCxnSpPr>
+          <p:nvPr/>
+        </p:nvCxnSpPr>
+        <p:spPr>
+          <a:xfrm>
+            <a:off x="7630475" y="2326844"/>
+            <a:ext cx="1337737" cy="499533"/>
+          </a:xfrm>
+          <a:prstGeom prst="line">
+            <a:avLst/>
+          </a:prstGeom>
+          <a:ln w="38100">
+            <a:solidFill>
+              <a:schemeClr val="tx1"/>
+            </a:solidFill>
+          </a:ln>
+        </p:spPr>
+        <p:style>
+          <a:lnRef idx="1">
+            <a:schemeClr val="accent1"/>
+          </a:lnRef>
+          <a:fillRef idx="0">
+            <a:schemeClr val="accent1"/>
+          </a:fillRef>
+          <a:effectRef idx="0">
+            <a:schemeClr val="accent1"/>
+          </a:effectRef>
+          <a:fontRef idx="minor">
+            <a:schemeClr val="tx1"/>
+          </a:fontRef>
+        </p:style>
+      </p:cxnSp>
+      <p:cxnSp>
+        <p:nvCxnSpPr>
+          <p:cNvPr id="71" name="Straight Connector 70"/>
+          <p:cNvCxnSpPr>
+            <a:stCxn id="40" idx="6"/>
+            <a:endCxn id="44" idx="2"/>
+          </p:cNvCxnSpPr>
+          <p:nvPr/>
+        </p:nvCxnSpPr>
+        <p:spPr>
+          <a:xfrm flipV="1">
+            <a:off x="7630475" y="828245"/>
+            <a:ext cx="1337737" cy="499533"/>
+          </a:xfrm>
+          <a:prstGeom prst="line">
+            <a:avLst/>
+          </a:prstGeom>
+          <a:ln w="38100">
+            <a:solidFill>
+              <a:schemeClr val="tx1"/>
+            </a:solidFill>
+          </a:ln>
+        </p:spPr>
+        <p:style>
+          <a:lnRef idx="1">
+            <a:schemeClr val="accent1"/>
+          </a:lnRef>
+          <a:fillRef idx="0">
+            <a:schemeClr val="accent1"/>
+          </a:fillRef>
+          <a:effectRef idx="0">
+            <a:schemeClr val="accent1"/>
+          </a:effectRef>
+          <a:fontRef idx="minor">
+            <a:schemeClr val="tx1"/>
+          </a:fontRef>
+        </p:style>
+      </p:cxnSp>
+      <p:cxnSp>
+        <p:nvCxnSpPr>
+          <p:cNvPr id="72" name="Straight Connector 71"/>
+          <p:cNvCxnSpPr>
+            <a:stCxn id="43" idx="6"/>
+            <a:endCxn id="46" idx="2"/>
+          </p:cNvCxnSpPr>
+          <p:nvPr/>
+        </p:nvCxnSpPr>
+        <p:spPr>
+          <a:xfrm flipV="1">
+            <a:off x="7630475" y="1827311"/>
+            <a:ext cx="1337737" cy="499533"/>
+          </a:xfrm>
+          <a:prstGeom prst="line">
+            <a:avLst/>
+          </a:prstGeom>
+          <a:ln w="19050">
+            <a:solidFill>
+              <a:srgbClr val="FF0000"/>
+            </a:solidFill>
+            <a:prstDash val="dash"/>
+          </a:ln>
+        </p:spPr>
+        <p:style>
+          <a:lnRef idx="1">
+            <a:schemeClr val="accent1"/>
+          </a:lnRef>
+          <a:fillRef idx="0">
+            <a:schemeClr val="accent1"/>
+          </a:fillRef>
+          <a:effectRef idx="0">
+            <a:schemeClr val="accent1"/>
+          </a:effectRef>
+          <a:fontRef idx="minor">
+            <a:schemeClr val="tx1"/>
+          </a:fontRef>
+        </p:style>
+      </p:cxnSp>
+      <p:cxnSp>
+        <p:nvCxnSpPr>
+          <p:cNvPr id="73" name="Straight Connector 72"/>
+          <p:cNvCxnSpPr>
+            <a:stCxn id="41" idx="6"/>
+            <a:endCxn id="47" idx="2"/>
+          </p:cNvCxnSpPr>
+          <p:nvPr/>
+        </p:nvCxnSpPr>
+        <p:spPr>
+          <a:xfrm>
+            <a:off x="7630475" y="1827311"/>
+            <a:ext cx="1337737" cy="499533"/>
+          </a:xfrm>
+          <a:prstGeom prst="line">
+            <a:avLst/>
+          </a:prstGeom>
+          <a:ln w="19050">
+            <a:solidFill>
+              <a:schemeClr val="tx1"/>
+            </a:solidFill>
+            <a:prstDash val="dash"/>
+          </a:ln>
+        </p:spPr>
+        <p:style>
+          <a:lnRef idx="1">
+            <a:schemeClr val="accent1"/>
+          </a:lnRef>
+          <a:fillRef idx="0">
+            <a:schemeClr val="accent1"/>
+          </a:fillRef>
+          <a:effectRef idx="0">
+            <a:schemeClr val="accent1"/>
+          </a:effectRef>
+          <a:fontRef idx="minor">
+            <a:schemeClr val="tx1"/>
+          </a:fontRef>
+        </p:style>
+      </p:cxnSp>
+      <p:cxnSp>
+        <p:nvCxnSpPr>
+          <p:cNvPr id="74" name="Straight Connector 73"/>
+          <p:cNvCxnSpPr>
+            <a:stCxn id="43" idx="6"/>
+            <a:endCxn id="47" idx="2"/>
+          </p:cNvCxnSpPr>
+          <p:nvPr/>
+        </p:nvCxnSpPr>
+        <p:spPr>
+          <a:xfrm>
+            <a:off x="7630475" y="2326844"/>
+            <a:ext cx="1337737" cy="0"/>
+          </a:xfrm>
+          <a:prstGeom prst="line">
+            <a:avLst/>
+          </a:prstGeom>
+          <a:ln w="38100">
+            <a:solidFill>
+              <a:schemeClr val="tx1"/>
+            </a:solidFill>
+          </a:ln>
+        </p:spPr>
+        <p:style>
+          <a:lnRef idx="1">
+            <a:schemeClr val="accent1"/>
+          </a:lnRef>
+          <a:fillRef idx="0">
+            <a:schemeClr val="accent1"/>
+          </a:fillRef>
+          <a:effectRef idx="0">
+            <a:schemeClr val="accent1"/>
+          </a:effectRef>
+          <a:fontRef idx="minor">
+            <a:schemeClr val="tx1"/>
+          </a:fontRef>
+        </p:style>
+      </p:cxnSp>
+      <mc:AlternateContent xmlns:mc="http://schemas.openxmlformats.org/markup-compatibility/2006">
+        <mc:Choice xmlns:a14="http://schemas.microsoft.com/office/drawing/2010/main" Requires="a14">
+          <p:sp>
+            <p:nvSpPr>
+              <p:cNvPr id="76" name="TextBox 75"/>
+              <p:cNvSpPr txBox="1"/>
+              <p:nvPr/>
+            </p:nvSpPr>
+            <p:spPr>
+              <a:xfrm rot="19837181">
+                <a:off x="6673502" y="1333212"/>
+                <a:ext cx="673839" cy="276999"/>
+              </a:xfrm>
+              <a:prstGeom prst="rect">
+                <a:avLst/>
+              </a:prstGeom>
+              <a:noFill/>
+            </p:spPr>
+            <p:txBody>
+              <a:bodyPr wrap="none" rtlCol="0">
+                <a:spAutoFit/>
+              </a:bodyPr>
+              <a:lstStyle/>
+              <a:p>
+                <a:pPr/>
+                <a14:m>
+                  <m:oMathPara xmlns:m="http://schemas.openxmlformats.org/officeDocument/2006/math">
+                    <m:oMathParaPr>
+                      <m:jc m:val="centerGroup"/>
+                    </m:oMathParaPr>
+                    <m:oMath xmlns:m="http://schemas.openxmlformats.org/officeDocument/2006/math">
+                      <m:sSub>
+                        <m:sSubPr>
+                          <m:ctrlPr>
+                            <a:rPr lang="en-US" sz="1200" b="0" i="1" smtClean="0">
+                              <a:latin typeface="Cambria Math" panose="02040503050406030204" pitchFamily="18" charset="0"/>
+                            </a:rPr>
+                          </m:ctrlPr>
+                        </m:sSubPr>
+                        <m:e>
+                          <m:r>
+                            <a:rPr lang="en-US" sz="1200" b="0" i="1" smtClean="0">
+                              <a:latin typeface="Cambria Math" panose="02040503050406030204" pitchFamily="18" charset="0"/>
+                            </a:rPr>
+                            <m:t>𝑁</m:t>
+                          </m:r>
+                        </m:e>
+                        <m:sub>
+                          <m:r>
+                            <a:rPr lang="en-US" sz="1200" b="0" i="1" smtClean="0">
+                              <a:latin typeface="Cambria Math" panose="02040503050406030204" pitchFamily="18" charset="0"/>
+                            </a:rPr>
+                            <m:t>1</m:t>
+                          </m:r>
+                        </m:sub>
+                      </m:sSub>
+                      <m:r>
+                        <a:rPr lang="en-US" sz="1200" b="0" i="1" smtClean="0">
+                          <a:latin typeface="Cambria Math" panose="02040503050406030204" pitchFamily="18" charset="0"/>
+                        </a:rPr>
+                        <m:t>=2</m:t>
+                      </m:r>
+                    </m:oMath>
+                  </m:oMathPara>
+                </a14:m>
+                <a:endParaRPr lang="en-US" sz="1200" dirty="0"/>
+              </a:p>
+            </p:txBody>
+          </p:sp>
+        </mc:Choice>
+        <mc:Fallback>
+          <p:sp>
+            <p:nvSpPr>
+              <p:cNvPr id="76" name="TextBox 75"/>
+              <p:cNvSpPr txBox="1">
+                <a:spLocks noRot="1" noChangeAspect="1" noMove="1" noResize="1" noEditPoints="1" noAdjustHandles="1" noChangeArrowheads="1" noChangeShapeType="1" noTextEdit="1"/>
+              </p:cNvSpPr>
+              <p:nvPr/>
+            </p:nvSpPr>
+            <p:spPr>
+              <a:xfrm rot="19837181">
+                <a:off x="6673502" y="1333212"/>
+                <a:ext cx="673839" cy="276999"/>
+              </a:xfrm>
+              <a:prstGeom prst="rect">
+                <a:avLst/>
+              </a:prstGeom>
+              <a:blipFill rotWithShape="0">
+                <a:blip r:embed="rId8"/>
+                <a:stretch>
+                  <a:fillRect/>
+                </a:stretch>
+              </a:blipFill>
+            </p:spPr>
+            <p:txBody>
+              <a:bodyPr/>
+              <a:lstStyle/>
+              <a:p>
+                <a:r>
+                  <a:rPr lang="en-US">
+                    <a:noFill/>
+                  </a:rPr>
+                  <a:t> </a:t>
+                </a:r>
+              </a:p>
+            </p:txBody>
+          </p:sp>
+        </mc:Fallback>
+      </mc:AlternateContent>
+      <p:sp>
+        <p:nvSpPr>
+          <p:cNvPr id="77" name="Rectangle 76"/>
+          <p:cNvSpPr/>
+          <p:nvPr/>
+        </p:nvSpPr>
+        <p:spPr>
+          <a:xfrm>
+            <a:off x="7418810" y="1116112"/>
+            <a:ext cx="304801" cy="1447799"/>
+          </a:xfrm>
+          <a:prstGeom prst="rect">
+            <a:avLst/>
+          </a:prstGeom>
+          <a:noFill/>
+          <a:ln w="9525">
+            <a:solidFill>
+              <a:schemeClr val="tx1"/>
+            </a:solidFill>
+            <a:prstDash val="dash"/>
+          </a:ln>
+        </p:spPr>
+        <p:style>
+          <a:lnRef idx="2">
+            <a:schemeClr val="accent1">
+              <a:shade val="50000"/>
+            </a:schemeClr>
+          </a:lnRef>
+          <a:fillRef idx="1">
+            <a:schemeClr val="accent1"/>
+          </a:fillRef>
+          <a:effectRef idx="0">
+            <a:schemeClr val="accent1"/>
+          </a:effectRef>
+          <a:fontRef idx="minor">
+            <a:schemeClr val="lt1"/>
+          </a:fontRef>
+        </p:style>
+        <p:txBody>
+          <a:bodyPr rtlCol="0" anchor="ctr"/>
+          <a:lstStyle/>
+          <a:p>
+            <a:pPr algn="ctr"/>
+            <a:endParaRPr lang="en-US"/>
+          </a:p>
+        </p:txBody>
+      </p:sp>
+      <p:sp>
+        <p:nvSpPr>
+          <p:cNvPr id="78" name="Rectangle 77"/>
+          <p:cNvSpPr/>
+          <p:nvPr/>
+        </p:nvSpPr>
+        <p:spPr>
+          <a:xfrm>
+            <a:off x="8875076" y="616576"/>
+            <a:ext cx="304801" cy="2421467"/>
+          </a:xfrm>
+          <a:prstGeom prst="rect">
+            <a:avLst/>
+          </a:prstGeom>
+          <a:noFill/>
+          <a:ln w="9525">
+            <a:solidFill>
+              <a:schemeClr val="tx1"/>
+            </a:solidFill>
+            <a:prstDash val="dash"/>
+          </a:ln>
+        </p:spPr>
+        <p:style>
+          <a:lnRef idx="2">
+            <a:schemeClr val="accent1">
+              <a:shade val="50000"/>
+            </a:schemeClr>
+          </a:lnRef>
+          <a:fillRef idx="1">
+            <a:schemeClr val="accent1"/>
+          </a:fillRef>
+          <a:effectRef idx="0">
+            <a:schemeClr val="accent1"/>
+          </a:effectRef>
+          <a:fontRef idx="minor">
+            <a:schemeClr val="lt1"/>
+          </a:fontRef>
+        </p:style>
+        <p:txBody>
+          <a:bodyPr rtlCol="0" anchor="ctr"/>
+          <a:lstStyle/>
+          <a:p>
+            <a:pPr algn="ctr"/>
+            <a:endParaRPr lang="en-US"/>
+          </a:p>
+        </p:txBody>
+      </p:sp>
+      <p:sp>
+        <p:nvSpPr>
+          <p:cNvPr id="80" name="TextBox 79"/>
+          <p:cNvSpPr txBox="1"/>
+          <p:nvPr/>
+        </p:nvSpPr>
+        <p:spPr>
+          <a:xfrm>
+            <a:off x="7301267" y="785912"/>
+            <a:ext cx="623889" cy="307777"/>
+          </a:xfrm>
+          <a:prstGeom prst="rect">
+            <a:avLst/>
+          </a:prstGeom>
+          <a:noFill/>
+        </p:spPr>
+        <p:txBody>
+          <a:bodyPr wrap="none" rtlCol="0">
+            <a:spAutoFit/>
+          </a:bodyPr>
+          <a:lstStyle/>
+          <a:p>
+            <a:r>
+              <a:rPr lang="en-US" sz="1400" dirty="0" smtClean="0"/>
+              <a:t>tutors</a:t>
+            </a:r>
+            <a:endParaRPr lang="en-US" sz="1400" dirty="0"/>
+          </a:p>
+        </p:txBody>
+      </p:sp>
+      <p:sp>
+        <p:nvSpPr>
+          <p:cNvPr id="81" name="TextBox 80"/>
+          <p:cNvSpPr txBox="1"/>
+          <p:nvPr/>
+        </p:nvSpPr>
+        <p:spPr>
+          <a:xfrm>
+            <a:off x="8627243" y="287632"/>
+            <a:ext cx="817403" cy="307777"/>
+          </a:xfrm>
+          <a:prstGeom prst="rect">
+            <a:avLst/>
+          </a:prstGeom>
+          <a:noFill/>
+        </p:spPr>
+        <p:txBody>
+          <a:bodyPr wrap="none" rtlCol="0">
+            <a:spAutoFit/>
+          </a:bodyPr>
+          <a:lstStyle/>
+          <a:p>
+            <a:r>
+              <a:rPr lang="en-US" sz="1400" dirty="0" smtClean="0"/>
+              <a:t>students</a:t>
+            </a:r>
+            <a:endParaRPr lang="en-US" sz="1400" dirty="0"/>
+          </a:p>
+        </p:txBody>
+      </p:sp>
+      <mc:AlternateContent xmlns:mc="http://schemas.openxmlformats.org/markup-compatibility/2006">
+        <mc:Choice xmlns:a14="http://schemas.microsoft.com/office/drawing/2010/main" Requires="a14">
+          <p:sp>
+            <p:nvSpPr>
+              <p:cNvPr id="83" name="TextBox 82"/>
+              <p:cNvSpPr txBox="1"/>
+              <p:nvPr/>
+            </p:nvSpPr>
+            <p:spPr>
+              <a:xfrm>
+                <a:off x="7943860" y="610210"/>
+                <a:ext cx="686342" cy="338554"/>
+              </a:xfrm>
+              <a:prstGeom prst="rect">
+                <a:avLst/>
+              </a:prstGeom>
+              <a:noFill/>
+            </p:spPr>
+            <p:txBody>
+              <a:bodyPr wrap="none" rtlCol="0">
+                <a:spAutoFit/>
+              </a:bodyPr>
+              <a:lstStyle/>
+              <a:p>
+                <a:pPr/>
+                <a14:m>
+                  <m:oMathPara xmlns:m="http://schemas.openxmlformats.org/officeDocument/2006/math">
+                    <m:oMathParaPr>
+                      <m:jc m:val="centerGroup"/>
+                    </m:oMathParaPr>
+                    <m:oMath xmlns:m="http://schemas.openxmlformats.org/officeDocument/2006/math">
+                      <m:r>
+                        <a:rPr lang="en-US" sz="1600" b="0" i="1" smtClean="0">
+                          <a:latin typeface="Cambria Math" panose="02040503050406030204" pitchFamily="18" charset="0"/>
+                        </a:rPr>
+                        <m:t>𝒫</m:t>
+                      </m:r>
+                      <m:r>
+                        <a:rPr lang="en-US" sz="1600" b="0" i="1" smtClean="0">
+                          <a:latin typeface="Cambria Math" panose="02040503050406030204" pitchFamily="18" charset="0"/>
+                        </a:rPr>
+                        <m:t>(</m:t>
+                      </m:r>
+                      <m:r>
+                        <a:rPr lang="en-US" sz="1600" b="0" i="1" smtClean="0">
+                          <a:latin typeface="Cambria Math" panose="02040503050406030204" pitchFamily="18" charset="0"/>
+                        </a:rPr>
+                        <m:t>𝛼</m:t>
+                      </m:r>
+                      <m:r>
+                        <a:rPr lang="en-US" sz="1600" b="0" i="1" smtClean="0">
+                          <a:latin typeface="Cambria Math" panose="02040503050406030204" pitchFamily="18" charset="0"/>
+                        </a:rPr>
+                        <m:t>)</m:t>
+                      </m:r>
+                    </m:oMath>
+                  </m:oMathPara>
+                </a14:m>
+                <a:endParaRPr lang="en-US" sz="1600" dirty="0"/>
+              </a:p>
+            </p:txBody>
+          </p:sp>
+        </mc:Choice>
+        <mc:Fallback>
+          <p:sp>
+            <p:nvSpPr>
+              <p:cNvPr id="83" name="TextBox 82"/>
+              <p:cNvSpPr txBox="1">
+                <a:spLocks noRot="1" noChangeAspect="1" noMove="1" noResize="1" noEditPoints="1" noAdjustHandles="1" noChangeArrowheads="1" noChangeShapeType="1" noTextEdit="1"/>
+              </p:cNvSpPr>
+              <p:nvPr/>
+            </p:nvSpPr>
+            <p:spPr>
+              <a:xfrm>
+                <a:off x="7943860" y="610210"/>
+                <a:ext cx="686342" cy="338554"/>
+              </a:xfrm>
+              <a:prstGeom prst="rect">
+                <a:avLst/>
+              </a:prstGeom>
+              <a:blipFill rotWithShape="0">
+                <a:blip r:embed="rId9"/>
+                <a:stretch>
+                  <a:fillRect b="-8929"/>
+                </a:stretch>
+              </a:blipFill>
+            </p:spPr>
+            <p:txBody>
+              <a:bodyPr/>
+              <a:lstStyle/>
+              <a:p>
+                <a:r>
+                  <a:rPr lang="en-US">
+                    <a:noFill/>
+                  </a:rPr>
+                  <a:t> </a:t>
+                </a:r>
+              </a:p>
+            </p:txBody>
+          </p:sp>
+        </mc:Fallback>
+      </mc:AlternateContent>
+      <mc:AlternateContent xmlns:mc="http://schemas.openxmlformats.org/markup-compatibility/2006">
+        <mc:Choice xmlns:a14="http://schemas.microsoft.com/office/drawing/2010/main" Requires="a14">
+          <p:sp>
+            <p:nvSpPr>
+              <p:cNvPr id="84" name="TextBox 83"/>
+              <p:cNvSpPr txBox="1"/>
+              <p:nvPr/>
+            </p:nvSpPr>
+            <p:spPr>
+              <a:xfrm>
+                <a:off x="6265421" y="1577544"/>
+                <a:ext cx="303416" cy="338554"/>
+              </a:xfrm>
+              <a:prstGeom prst="rect">
+                <a:avLst/>
+              </a:prstGeom>
+              <a:noFill/>
+            </p:spPr>
+            <p:txBody>
+              <a:bodyPr wrap="none" rtlCol="0">
+                <a:spAutoFit/>
+              </a:bodyPr>
+              <a:lstStyle/>
+              <a:p>
+                <a:pPr/>
+                <a14:m>
+                  <m:oMathPara xmlns:m="http://schemas.openxmlformats.org/officeDocument/2006/math">
+                    <m:oMathParaPr>
+                      <m:jc m:val="centerGroup"/>
+                    </m:oMathParaPr>
+                    <m:oMath xmlns:m="http://schemas.openxmlformats.org/officeDocument/2006/math">
+                      <m:r>
+                        <a:rPr lang="en-US" sz="1600" b="0" i="1" smtClean="0">
+                          <a:latin typeface="Cambria Math" panose="02040503050406030204" pitchFamily="18" charset="0"/>
+                        </a:rPr>
+                        <m:t>𝑖</m:t>
+                      </m:r>
+                    </m:oMath>
+                  </m:oMathPara>
+                </a14:m>
+                <a:endParaRPr lang="en-US" sz="1600" dirty="0"/>
+              </a:p>
+            </p:txBody>
+          </p:sp>
+        </mc:Choice>
+        <mc:Fallback>
+          <p:sp>
+            <p:nvSpPr>
+              <p:cNvPr id="84" name="TextBox 83"/>
+              <p:cNvSpPr txBox="1">
+                <a:spLocks noRot="1" noChangeAspect="1" noMove="1" noResize="1" noEditPoints="1" noAdjustHandles="1" noChangeArrowheads="1" noChangeShapeType="1" noTextEdit="1"/>
+              </p:cNvSpPr>
+              <p:nvPr/>
+            </p:nvSpPr>
+            <p:spPr>
+              <a:xfrm>
+                <a:off x="6265421" y="1577544"/>
+                <a:ext cx="303416" cy="338554"/>
+              </a:xfrm>
+              <a:prstGeom prst="rect">
+                <a:avLst/>
+              </a:prstGeom>
+              <a:blipFill rotWithShape="0">
+                <a:blip r:embed="rId10"/>
+                <a:stretch>
+                  <a:fillRect/>
+                </a:stretch>
+              </a:blipFill>
+            </p:spPr>
+            <p:txBody>
+              <a:bodyPr/>
+              <a:lstStyle/>
+              <a:p>
+                <a:r>
+                  <a:rPr lang="en-US">
+                    <a:noFill/>
+                  </a:rPr>
+                  <a:t> </a:t>
+                </a:r>
+              </a:p>
+            </p:txBody>
+          </p:sp>
+        </mc:Fallback>
+      </mc:AlternateContent>
+      <mc:AlternateContent xmlns:mc="http://schemas.openxmlformats.org/markup-compatibility/2006">
+        <mc:Choice xmlns:a14="http://schemas.microsoft.com/office/drawing/2010/main" Requires="a14">
+          <p:sp>
+            <p:nvSpPr>
+              <p:cNvPr id="86" name="TextBox 85"/>
+              <p:cNvSpPr txBox="1"/>
+              <p:nvPr/>
+            </p:nvSpPr>
+            <p:spPr>
+              <a:xfrm>
+                <a:off x="10094277" y="1586011"/>
+                <a:ext cx="308418" cy="338554"/>
+              </a:xfrm>
+              <a:prstGeom prst="rect">
+                <a:avLst/>
+              </a:prstGeom>
+              <a:noFill/>
+            </p:spPr>
+            <p:txBody>
+              <a:bodyPr wrap="none" rtlCol="0">
+                <a:spAutoFit/>
+              </a:bodyPr>
+              <a:lstStyle/>
+              <a:p>
+                <a:pPr/>
+                <a14:m>
+                  <m:oMathPara xmlns:m="http://schemas.openxmlformats.org/officeDocument/2006/math">
+                    <m:oMathParaPr>
+                      <m:jc m:val="centerGroup"/>
+                    </m:oMathParaPr>
+                    <m:oMath xmlns:m="http://schemas.openxmlformats.org/officeDocument/2006/math">
+                      <m:r>
+                        <a:rPr lang="en-US" sz="1600" b="0" i="1" smtClean="0">
+                          <a:latin typeface="Cambria Math" panose="02040503050406030204" pitchFamily="18" charset="0"/>
+                        </a:rPr>
+                        <m:t>𝑗</m:t>
+                      </m:r>
+                    </m:oMath>
+                  </m:oMathPara>
+                </a14:m>
+                <a:endParaRPr lang="en-US" sz="1600" dirty="0"/>
+              </a:p>
+            </p:txBody>
+          </p:sp>
+        </mc:Choice>
+        <mc:Fallback>
+          <p:sp>
+            <p:nvSpPr>
+              <p:cNvPr id="86" name="TextBox 85"/>
+              <p:cNvSpPr txBox="1">
+                <a:spLocks noRot="1" noChangeAspect="1" noMove="1" noResize="1" noEditPoints="1" noAdjustHandles="1" noChangeArrowheads="1" noChangeShapeType="1" noTextEdit="1"/>
+              </p:cNvSpPr>
+              <p:nvPr/>
+            </p:nvSpPr>
+            <p:spPr>
+              <a:xfrm>
+                <a:off x="10094277" y="1586011"/>
+                <a:ext cx="308418" cy="338554"/>
+              </a:xfrm>
+              <a:prstGeom prst="rect">
+                <a:avLst/>
+              </a:prstGeom>
+              <a:blipFill rotWithShape="0">
+                <a:blip r:embed="rId11"/>
+                <a:stretch>
+                  <a:fillRect b="-8929"/>
+                </a:stretch>
+              </a:blipFill>
+            </p:spPr>
+            <p:txBody>
+              <a:bodyPr/>
+              <a:lstStyle/>
+              <a:p>
+                <a:r>
+                  <a:rPr lang="en-US">
+                    <a:noFill/>
+                  </a:rPr>
+                  <a:t> </a:t>
+                </a:r>
+              </a:p>
+            </p:txBody>
+          </p:sp>
+        </mc:Fallback>
+      </mc:AlternateContent>
+      <mc:AlternateContent xmlns:mc="http://schemas.openxmlformats.org/markup-compatibility/2006">
+        <mc:Choice xmlns:a14="http://schemas.microsoft.com/office/drawing/2010/main" Requires="a14">
+          <p:sp>
+            <p:nvSpPr>
+              <p:cNvPr id="87" name="TextBox 86"/>
+              <p:cNvSpPr txBox="1"/>
+              <p:nvPr/>
+            </p:nvSpPr>
+            <p:spPr>
+              <a:xfrm>
+                <a:off x="6842411" y="1582920"/>
+                <a:ext cx="677430" cy="276999"/>
+              </a:xfrm>
+              <a:prstGeom prst="rect">
+                <a:avLst/>
+              </a:prstGeom>
+              <a:noFill/>
+            </p:spPr>
+            <p:txBody>
+              <a:bodyPr wrap="none" rtlCol="0">
+                <a:spAutoFit/>
+              </a:bodyPr>
+              <a:lstStyle/>
+              <a:p>
+                <a:pPr/>
+                <a14:m>
+                  <m:oMathPara xmlns:m="http://schemas.openxmlformats.org/officeDocument/2006/math">
+                    <m:oMathParaPr>
+                      <m:jc m:val="centerGroup"/>
+                    </m:oMathParaPr>
+                    <m:oMath xmlns:m="http://schemas.openxmlformats.org/officeDocument/2006/math">
+                      <m:sSub>
+                        <m:sSubPr>
+                          <m:ctrlPr>
+                            <a:rPr lang="en-US" sz="1200" b="0" i="1" smtClean="0">
+                              <a:latin typeface="Cambria Math" panose="02040503050406030204" pitchFamily="18" charset="0"/>
+                            </a:rPr>
+                          </m:ctrlPr>
+                        </m:sSubPr>
+                        <m:e>
+                          <m:r>
+                            <a:rPr lang="en-US" sz="1200" b="0" i="1" smtClean="0">
+                              <a:latin typeface="Cambria Math" panose="02040503050406030204" pitchFamily="18" charset="0"/>
+                            </a:rPr>
+                            <m:t>𝑁</m:t>
+                          </m:r>
+                        </m:e>
+                        <m:sub>
+                          <m:r>
+                            <a:rPr lang="en-US" sz="1200" b="0" i="1" smtClean="0">
+                              <a:latin typeface="Cambria Math" panose="02040503050406030204" pitchFamily="18" charset="0"/>
+                            </a:rPr>
+                            <m:t>2</m:t>
+                          </m:r>
+                        </m:sub>
+                      </m:sSub>
+                      <m:r>
+                        <a:rPr lang="en-US" sz="1200" b="0" i="1" smtClean="0">
+                          <a:latin typeface="Cambria Math" panose="02040503050406030204" pitchFamily="18" charset="0"/>
+                        </a:rPr>
+                        <m:t>=1</m:t>
+                      </m:r>
+                    </m:oMath>
+                  </m:oMathPara>
+                </a14:m>
+                <a:endParaRPr lang="en-US" sz="1200" dirty="0"/>
+              </a:p>
+            </p:txBody>
+          </p:sp>
+        </mc:Choice>
+        <mc:Fallback>
+          <p:sp>
+            <p:nvSpPr>
+              <p:cNvPr id="87" name="TextBox 86"/>
+              <p:cNvSpPr txBox="1">
+                <a:spLocks noRot="1" noChangeAspect="1" noMove="1" noResize="1" noEditPoints="1" noAdjustHandles="1" noChangeArrowheads="1" noChangeShapeType="1" noTextEdit="1"/>
+              </p:cNvSpPr>
+              <p:nvPr/>
+            </p:nvSpPr>
+            <p:spPr>
+              <a:xfrm>
+                <a:off x="6842411" y="1582920"/>
+                <a:ext cx="677430" cy="276999"/>
+              </a:xfrm>
+              <a:prstGeom prst="rect">
+                <a:avLst/>
+              </a:prstGeom>
+              <a:blipFill rotWithShape="0">
+                <a:blip r:embed="rId12"/>
+                <a:stretch>
+                  <a:fillRect/>
+                </a:stretch>
+              </a:blipFill>
+            </p:spPr>
+            <p:txBody>
+              <a:bodyPr/>
+              <a:lstStyle/>
+              <a:p>
+                <a:r>
+                  <a:rPr lang="en-US">
+                    <a:noFill/>
+                  </a:rPr>
+                  <a:t> </a:t>
+                </a:r>
+              </a:p>
+            </p:txBody>
+          </p:sp>
+        </mc:Fallback>
+      </mc:AlternateContent>
+      <mc:AlternateContent xmlns:mc="http://schemas.openxmlformats.org/markup-compatibility/2006">
+        <mc:Choice xmlns:a14="http://schemas.microsoft.com/office/drawing/2010/main" Requires="a14">
+          <p:sp>
+            <p:nvSpPr>
+              <p:cNvPr id="88" name="TextBox 87"/>
+              <p:cNvSpPr txBox="1"/>
+              <p:nvPr/>
+            </p:nvSpPr>
+            <p:spPr>
+              <a:xfrm rot="1819596">
+                <a:off x="6631313" y="2003226"/>
+                <a:ext cx="677429" cy="276999"/>
+              </a:xfrm>
+              <a:prstGeom prst="rect">
+                <a:avLst/>
+              </a:prstGeom>
+              <a:noFill/>
+            </p:spPr>
+            <p:txBody>
+              <a:bodyPr wrap="none" rtlCol="0">
+                <a:spAutoFit/>
+              </a:bodyPr>
+              <a:lstStyle/>
+              <a:p>
+                <a:pPr/>
+                <a14:m>
+                  <m:oMathPara xmlns:m="http://schemas.openxmlformats.org/officeDocument/2006/math">
+                    <m:oMathParaPr>
+                      <m:jc m:val="centerGroup"/>
+                    </m:oMathParaPr>
+                    <m:oMath xmlns:m="http://schemas.openxmlformats.org/officeDocument/2006/math">
+                      <m:sSub>
+                        <m:sSubPr>
+                          <m:ctrlPr>
+                            <a:rPr lang="en-US" sz="1200" b="0" i="1" smtClean="0">
+                              <a:latin typeface="Cambria Math" panose="02040503050406030204" pitchFamily="18" charset="0"/>
+                            </a:rPr>
+                          </m:ctrlPr>
+                        </m:sSubPr>
+                        <m:e>
+                          <m:r>
+                            <a:rPr lang="en-US" sz="1200" b="0" i="1" smtClean="0">
+                              <a:latin typeface="Cambria Math" panose="02040503050406030204" pitchFamily="18" charset="0"/>
+                            </a:rPr>
+                            <m:t>𝑁</m:t>
+                          </m:r>
+                        </m:e>
+                        <m:sub>
+                          <m:r>
+                            <a:rPr lang="en-US" sz="1200" b="0" i="1" smtClean="0">
+                              <a:latin typeface="Cambria Math" panose="02040503050406030204" pitchFamily="18" charset="0"/>
+                            </a:rPr>
+                            <m:t>3</m:t>
+                          </m:r>
+                        </m:sub>
+                      </m:sSub>
+                      <m:r>
+                        <a:rPr lang="en-US" sz="1200" b="0" i="1" smtClean="0">
+                          <a:latin typeface="Cambria Math" panose="02040503050406030204" pitchFamily="18" charset="0"/>
+                        </a:rPr>
+                        <m:t>=2</m:t>
+                      </m:r>
+                    </m:oMath>
+                  </m:oMathPara>
+                </a14:m>
+                <a:endParaRPr lang="en-US" sz="1200" dirty="0"/>
+              </a:p>
+            </p:txBody>
+          </p:sp>
+        </mc:Choice>
+        <mc:Fallback>
+          <p:sp>
+            <p:nvSpPr>
+              <p:cNvPr id="88" name="TextBox 87"/>
+              <p:cNvSpPr txBox="1">
+                <a:spLocks noRot="1" noChangeAspect="1" noMove="1" noResize="1" noEditPoints="1" noAdjustHandles="1" noChangeArrowheads="1" noChangeShapeType="1" noTextEdit="1"/>
+              </p:cNvSpPr>
+              <p:nvPr/>
+            </p:nvSpPr>
+            <p:spPr>
+              <a:xfrm rot="1819596">
+                <a:off x="6631313" y="2003226"/>
+                <a:ext cx="677429" cy="276999"/>
+              </a:xfrm>
+              <a:prstGeom prst="rect">
+                <a:avLst/>
+              </a:prstGeom>
+              <a:blipFill rotWithShape="0">
+                <a:blip r:embed="rId13"/>
+                <a:stretch>
+                  <a:fillRect/>
+                </a:stretch>
+              </a:blipFill>
+            </p:spPr>
+            <p:txBody>
+              <a:bodyPr/>
+              <a:lstStyle/>
+              <a:p>
+                <a:r>
+                  <a:rPr lang="en-US">
+                    <a:noFill/>
+                  </a:rPr>
+                  <a:t> </a:t>
+                </a:r>
+              </a:p>
+            </p:txBody>
+          </p:sp>
+        </mc:Fallback>
+      </mc:AlternateContent>
+      <p:cxnSp>
+        <p:nvCxnSpPr>
+          <p:cNvPr id="89" name="Straight Connector 88"/>
+          <p:cNvCxnSpPr/>
+          <p:nvPr/>
+        </p:nvCxnSpPr>
+        <p:spPr>
+          <a:xfrm>
+            <a:off x="433087" y="506059"/>
+            <a:ext cx="365760" cy="0"/>
+          </a:xfrm>
+          <a:prstGeom prst="line">
+            <a:avLst/>
+          </a:prstGeom>
+          <a:ln w="38100">
+            <a:solidFill>
+              <a:srgbClr val="FF0000"/>
+            </a:solidFill>
+          </a:ln>
+        </p:spPr>
+        <p:style>
+          <a:lnRef idx="1">
+            <a:schemeClr val="accent1"/>
+          </a:lnRef>
+          <a:fillRef idx="0">
+            <a:schemeClr val="accent1"/>
+          </a:fillRef>
+          <a:effectRef idx="0">
+            <a:schemeClr val="accent1"/>
+          </a:effectRef>
+          <a:fontRef idx="minor">
+            <a:schemeClr val="tx1"/>
+          </a:fontRef>
+        </p:style>
+      </p:cxnSp>
+      <p:cxnSp>
+        <p:nvCxnSpPr>
+          <p:cNvPr id="90" name="Straight Connector 89"/>
+          <p:cNvCxnSpPr/>
+          <p:nvPr/>
+        </p:nvCxnSpPr>
+        <p:spPr>
+          <a:xfrm>
+            <a:off x="444082" y="639605"/>
+            <a:ext cx="365760" cy="0"/>
+          </a:xfrm>
+          <a:prstGeom prst="line">
+            <a:avLst/>
+          </a:prstGeom>
+          <a:ln w="15875">
+            <a:solidFill>
+              <a:srgbClr val="FF0000"/>
+            </a:solidFill>
+            <a:prstDash val="dash"/>
+          </a:ln>
+        </p:spPr>
+        <p:style>
+          <a:lnRef idx="1">
+            <a:schemeClr val="accent1"/>
+          </a:lnRef>
+          <a:fillRef idx="0">
+            <a:schemeClr val="accent1"/>
+          </a:fillRef>
+          <a:effectRef idx="0">
+            <a:schemeClr val="accent1"/>
+          </a:effectRef>
+          <a:fontRef idx="minor">
+            <a:schemeClr val="tx1"/>
+          </a:fontRef>
+        </p:style>
+      </p:cxnSp>
+      <mc:AlternateContent xmlns:mc="http://schemas.openxmlformats.org/markup-compatibility/2006">
+        <mc:Choice xmlns:a14="http://schemas.microsoft.com/office/drawing/2010/main" Requires="a14">
+          <p:sp>
+            <p:nvSpPr>
+              <p:cNvPr id="2" name="TextBox 1"/>
+              <p:cNvSpPr txBox="1"/>
+              <p:nvPr/>
+            </p:nvSpPr>
+            <p:spPr>
+              <a:xfrm>
+                <a:off x="796066" y="379523"/>
+                <a:ext cx="728083" cy="369332"/>
+              </a:xfrm>
+              <a:prstGeom prst="rect">
+                <a:avLst/>
+              </a:prstGeom>
+              <a:noFill/>
+            </p:spPr>
+            <p:txBody>
+              <a:bodyPr wrap="none" rtlCol="0">
+                <a:spAutoFit/>
+              </a:bodyPr>
+              <a:lstStyle/>
+              <a:p>
+                <a14:m>
+                  <m:oMathPara xmlns:m="http://schemas.openxmlformats.org/officeDocument/2006/math">
+                    <m:oMathParaPr>
+                      <m:jc m:val="centerGroup"/>
+                    </m:oMathParaPr>
+                    <m:oMath xmlns:m="http://schemas.openxmlformats.org/officeDocument/2006/math">
+                      <m:r>
+                        <a:rPr lang="en-US" b="0" i="1" smtClean="0">
+                          <a:latin typeface="Cambria Math" panose="02040503050406030204" pitchFamily="18" charset="0"/>
+                        </a:rPr>
+                        <m:t>𝐸</m:t>
+                      </m:r>
+                      <m:r>
+                        <a:rPr lang="en-US" b="0" i="1" smtClean="0">
+                          <a:latin typeface="Cambria Math" panose="02040503050406030204" pitchFamily="18" charset="0"/>
+                        </a:rPr>
+                        <m:t>(</m:t>
+                      </m:r>
+                      <m:r>
+                        <a:rPr lang="en-US" b="0" i="1" smtClean="0">
+                          <a:latin typeface="Cambria Math" panose="02040503050406030204" pitchFamily="18" charset="0"/>
+                        </a:rPr>
+                        <m:t>𝛼</m:t>
+                      </m:r>
+                      <m:r>
+                        <a:rPr lang="en-US" b="0" i="1" smtClean="0">
+                          <a:latin typeface="Cambria Math" panose="02040503050406030204" pitchFamily="18" charset="0"/>
+                        </a:rPr>
+                        <m:t>)</m:t>
+                      </m:r>
+                    </m:oMath>
+                  </m:oMathPara>
+                </a14:m>
+                <a:endParaRPr lang="en-US" dirty="0"/>
+              </a:p>
+            </p:txBody>
+          </p:sp>
+        </mc:Choice>
+        <mc:Fallback>
+          <p:sp>
+            <p:nvSpPr>
+              <p:cNvPr id="2" name="TextBox 1"/>
+              <p:cNvSpPr txBox="1">
+                <a:spLocks noRot="1" noChangeAspect="1" noMove="1" noResize="1" noEditPoints="1" noAdjustHandles="1" noChangeArrowheads="1" noChangeShapeType="1" noTextEdit="1"/>
+              </p:cNvSpPr>
+              <p:nvPr/>
+            </p:nvSpPr>
+            <p:spPr>
+              <a:xfrm>
+                <a:off x="796066" y="379523"/>
+                <a:ext cx="728083" cy="369332"/>
+              </a:xfrm>
+              <a:prstGeom prst="rect">
+                <a:avLst/>
+              </a:prstGeom>
+              <a:blipFill rotWithShape="0">
+                <a:blip r:embed="rId14"/>
+                <a:stretch>
+                  <a:fillRect b="-13115"/>
+                </a:stretch>
+              </a:blipFill>
+            </p:spPr>
+            <p:txBody>
+              <a:bodyPr/>
+              <a:lstStyle/>
+              <a:p>
+                <a:r>
+                  <a:rPr lang="en-US">
+                    <a:noFill/>
+                  </a:rPr>
+                  <a:t> </a:t>
+                </a:r>
+              </a:p>
+            </p:txBody>
+          </p:sp>
+        </mc:Fallback>
+      </mc:AlternateContent>
+      <p:cxnSp>
+        <p:nvCxnSpPr>
+          <p:cNvPr id="91" name="Straight Connector 90"/>
+          <p:cNvCxnSpPr/>
+          <p:nvPr/>
+        </p:nvCxnSpPr>
+        <p:spPr>
+          <a:xfrm>
+            <a:off x="6456584" y="506059"/>
+            <a:ext cx="365760" cy="0"/>
+          </a:xfrm>
+          <a:prstGeom prst="line">
+            <a:avLst/>
+          </a:prstGeom>
+          <a:ln w="38100">
+            <a:solidFill>
+              <a:srgbClr val="FF0000"/>
+            </a:solidFill>
+          </a:ln>
+        </p:spPr>
+        <p:style>
+          <a:lnRef idx="1">
+            <a:schemeClr val="accent1"/>
+          </a:lnRef>
+          <a:fillRef idx="0">
+            <a:schemeClr val="accent1"/>
+          </a:fillRef>
+          <a:effectRef idx="0">
+            <a:schemeClr val="accent1"/>
+          </a:effectRef>
+          <a:fontRef idx="minor">
+            <a:schemeClr val="tx1"/>
+          </a:fontRef>
+        </p:style>
+      </p:cxnSp>
+      <p:cxnSp>
+        <p:nvCxnSpPr>
+          <p:cNvPr id="92" name="Straight Connector 91"/>
+          <p:cNvCxnSpPr/>
+          <p:nvPr/>
+        </p:nvCxnSpPr>
+        <p:spPr>
+          <a:xfrm>
+            <a:off x="6467579" y="639605"/>
+            <a:ext cx="365760" cy="0"/>
+          </a:xfrm>
+          <a:prstGeom prst="line">
+            <a:avLst/>
+          </a:prstGeom>
+          <a:ln w="15875">
+            <a:solidFill>
+              <a:srgbClr val="FF0000"/>
+            </a:solidFill>
+            <a:prstDash val="dash"/>
+          </a:ln>
+        </p:spPr>
+        <p:style>
+          <a:lnRef idx="1">
+            <a:schemeClr val="accent1"/>
+          </a:lnRef>
+          <a:fillRef idx="0">
+            <a:schemeClr val="accent1"/>
+          </a:fillRef>
+          <a:effectRef idx="0">
+            <a:schemeClr val="accent1"/>
+          </a:effectRef>
+          <a:fontRef idx="minor">
+            <a:schemeClr val="tx1"/>
+          </a:fontRef>
+        </p:style>
+      </p:cxnSp>
+      <mc:AlternateContent xmlns:mc="http://schemas.openxmlformats.org/markup-compatibility/2006">
+        <mc:Choice xmlns:a14="http://schemas.microsoft.com/office/drawing/2010/main" Requires="a14">
+          <p:sp>
+            <p:nvSpPr>
+              <p:cNvPr id="93" name="TextBox 92"/>
+              <p:cNvSpPr txBox="1"/>
+              <p:nvPr/>
+            </p:nvSpPr>
+            <p:spPr>
+              <a:xfrm>
+                <a:off x="6819563" y="379523"/>
+                <a:ext cx="728083" cy="369332"/>
+              </a:xfrm>
+              <a:prstGeom prst="rect">
+                <a:avLst/>
+              </a:prstGeom>
+              <a:noFill/>
+            </p:spPr>
+            <p:txBody>
+              <a:bodyPr wrap="none" rtlCol="0">
+                <a:spAutoFit/>
+              </a:bodyPr>
+              <a:lstStyle/>
+              <a:p>
+                <a14:m>
+                  <m:oMathPara xmlns:m="http://schemas.openxmlformats.org/officeDocument/2006/math">
+                    <m:oMathParaPr>
+                      <m:jc m:val="centerGroup"/>
+                    </m:oMathParaPr>
+                    <m:oMath xmlns:m="http://schemas.openxmlformats.org/officeDocument/2006/math">
+                      <m:r>
+                        <a:rPr lang="en-US" b="0" i="1" smtClean="0">
+                          <a:latin typeface="Cambria Math" panose="02040503050406030204" pitchFamily="18" charset="0"/>
+                        </a:rPr>
+                        <m:t>𝐸</m:t>
+                      </m:r>
+                      <m:r>
+                        <a:rPr lang="en-US" b="0" i="1" smtClean="0">
+                          <a:latin typeface="Cambria Math" panose="02040503050406030204" pitchFamily="18" charset="0"/>
+                        </a:rPr>
+                        <m:t>(</m:t>
+                      </m:r>
+                      <m:r>
+                        <a:rPr lang="en-US" b="0" i="1" smtClean="0">
+                          <a:latin typeface="Cambria Math" panose="02040503050406030204" pitchFamily="18" charset="0"/>
+                        </a:rPr>
+                        <m:t>𝛼</m:t>
+                      </m:r>
+                      <m:r>
+                        <a:rPr lang="en-US" b="0" i="1" smtClean="0">
+                          <a:latin typeface="Cambria Math" panose="02040503050406030204" pitchFamily="18" charset="0"/>
+                        </a:rPr>
+                        <m:t>)</m:t>
+                      </m:r>
+                    </m:oMath>
+                  </m:oMathPara>
+                </a14:m>
+                <a:endParaRPr lang="en-US" dirty="0"/>
+              </a:p>
+            </p:txBody>
+          </p:sp>
+        </mc:Choice>
+        <mc:Fallback>
+          <p:sp>
+            <p:nvSpPr>
+              <p:cNvPr id="93" name="TextBox 92"/>
+              <p:cNvSpPr txBox="1">
+                <a:spLocks noRot="1" noChangeAspect="1" noMove="1" noResize="1" noEditPoints="1" noAdjustHandles="1" noChangeArrowheads="1" noChangeShapeType="1" noTextEdit="1"/>
+              </p:cNvSpPr>
+              <p:nvPr/>
+            </p:nvSpPr>
+            <p:spPr>
+              <a:xfrm>
+                <a:off x="6819563" y="379523"/>
+                <a:ext cx="728083" cy="369332"/>
+              </a:xfrm>
+              <a:prstGeom prst="rect">
+                <a:avLst/>
+              </a:prstGeom>
+              <a:blipFill rotWithShape="0">
+                <a:blip r:embed="rId15"/>
+                <a:stretch>
+                  <a:fillRect b="-13115"/>
+                </a:stretch>
+              </a:blipFill>
+            </p:spPr>
+            <p:txBody>
+              <a:bodyPr/>
+              <a:lstStyle/>
+              <a:p>
+                <a:r>
+                  <a:rPr lang="en-US">
+                    <a:noFill/>
+                  </a:rPr>
+                  <a:t> </a:t>
+                </a:r>
+              </a:p>
+            </p:txBody>
+          </p:sp>
+        </mc:Fallback>
+      </mc:AlternateContent>
+      <p:sp>
+        <p:nvSpPr>
+          <p:cNvPr id="94" name="Oval 93"/>
+          <p:cNvSpPr/>
+          <p:nvPr/>
+        </p:nvSpPr>
+        <p:spPr>
+          <a:xfrm>
+            <a:off x="1471827" y="4890470"/>
+            <a:ext cx="135466" cy="135467"/>
+          </a:xfrm>
+          <a:prstGeom prst="ellipse">
+            <a:avLst/>
+          </a:prstGeom>
+          <a:solidFill>
+            <a:schemeClr val="accent6">
+              <a:lumMod val="40000"/>
+              <a:lumOff val="60000"/>
+            </a:schemeClr>
+          </a:solidFill>
+          <a:ln>
+            <a:solidFill>
+              <a:schemeClr val="tx1"/>
+            </a:solidFill>
+          </a:ln>
+        </p:spPr>
+        <p:style>
+          <a:lnRef idx="2">
+            <a:schemeClr val="accent1">
+              <a:shade val="50000"/>
+            </a:schemeClr>
+          </a:lnRef>
+          <a:fillRef idx="1">
+            <a:schemeClr val="accent1"/>
+          </a:fillRef>
+          <a:effectRef idx="0">
+            <a:schemeClr val="accent1"/>
+          </a:effectRef>
+          <a:fontRef idx="minor">
+            <a:schemeClr val="lt1"/>
+          </a:fontRef>
+        </p:style>
+        <p:txBody>
+          <a:bodyPr rtlCol="0" anchor="ctr"/>
+          <a:lstStyle/>
+          <a:p>
+            <a:pPr algn="ctr"/>
+            <a:endParaRPr lang="en-US"/>
+          </a:p>
+        </p:txBody>
+      </p:sp>
+      <p:sp>
+        <p:nvSpPr>
+          <p:cNvPr id="95" name="Oval 94"/>
+          <p:cNvSpPr/>
+          <p:nvPr/>
+        </p:nvSpPr>
+        <p:spPr>
+          <a:xfrm>
+            <a:off x="1471827" y="5710517"/>
+            <a:ext cx="135466" cy="135467"/>
+          </a:xfrm>
+          <a:prstGeom prst="ellipse">
+            <a:avLst/>
+          </a:prstGeom>
+          <a:solidFill>
+            <a:schemeClr val="accent6">
+              <a:lumMod val="40000"/>
+              <a:lumOff val="60000"/>
+            </a:schemeClr>
+          </a:solidFill>
+          <a:ln>
+            <a:solidFill>
+              <a:schemeClr val="tx1"/>
+            </a:solidFill>
+          </a:ln>
+        </p:spPr>
+        <p:style>
+          <a:lnRef idx="2">
+            <a:schemeClr val="accent1">
+              <a:shade val="50000"/>
+            </a:schemeClr>
+          </a:lnRef>
+          <a:fillRef idx="1">
+            <a:schemeClr val="accent1"/>
+          </a:fillRef>
+          <a:effectRef idx="0">
+            <a:schemeClr val="accent1"/>
+          </a:effectRef>
+          <a:fontRef idx="minor">
+            <a:schemeClr val="lt1"/>
+          </a:fontRef>
+        </p:style>
+        <p:txBody>
+          <a:bodyPr rtlCol="0" anchor="ctr"/>
+          <a:lstStyle/>
+          <a:p>
+            <a:pPr algn="ctr"/>
+            <a:endParaRPr lang="en-US"/>
+          </a:p>
+        </p:txBody>
+      </p:sp>
+      <p:sp>
+        <p:nvSpPr>
+          <p:cNvPr id="97" name="Oval 96"/>
+          <p:cNvSpPr/>
+          <p:nvPr/>
+        </p:nvSpPr>
+        <p:spPr>
+          <a:xfrm>
+            <a:off x="2945030" y="4890470"/>
+            <a:ext cx="135466" cy="135467"/>
+          </a:xfrm>
+          <a:prstGeom prst="ellipse">
+            <a:avLst/>
+          </a:prstGeom>
+          <a:solidFill>
+            <a:schemeClr val="accent1">
+              <a:lumMod val="60000"/>
+              <a:lumOff val="40000"/>
+            </a:schemeClr>
+          </a:solidFill>
+          <a:ln>
+            <a:solidFill>
+              <a:schemeClr val="tx1"/>
+            </a:solidFill>
+          </a:ln>
+        </p:spPr>
+        <p:style>
+          <a:lnRef idx="2">
+            <a:schemeClr val="accent1">
+              <a:shade val="50000"/>
+            </a:schemeClr>
+          </a:lnRef>
+          <a:fillRef idx="1">
+            <a:schemeClr val="accent1"/>
+          </a:fillRef>
+          <a:effectRef idx="0">
+            <a:schemeClr val="accent1"/>
+          </a:effectRef>
+          <a:fontRef idx="minor">
+            <a:schemeClr val="lt1"/>
+          </a:fontRef>
+        </p:style>
+        <p:txBody>
+          <a:bodyPr rtlCol="0" anchor="ctr"/>
+          <a:lstStyle/>
+          <a:p>
+            <a:pPr algn="ctr"/>
+            <a:endParaRPr lang="en-US"/>
+          </a:p>
+        </p:txBody>
+      </p:sp>
+      <p:sp>
+        <p:nvSpPr>
+          <p:cNvPr id="98" name="Oval 97"/>
+          <p:cNvSpPr/>
+          <p:nvPr/>
+        </p:nvSpPr>
+        <p:spPr>
+          <a:xfrm>
+            <a:off x="2945030" y="5710517"/>
+            <a:ext cx="135466" cy="135467"/>
+          </a:xfrm>
+          <a:prstGeom prst="ellipse">
+            <a:avLst/>
+          </a:prstGeom>
+          <a:solidFill>
+            <a:schemeClr val="accent1">
+              <a:lumMod val="60000"/>
+              <a:lumOff val="40000"/>
+            </a:schemeClr>
+          </a:solidFill>
+          <a:ln>
+            <a:solidFill>
+              <a:schemeClr val="tx1"/>
+            </a:solidFill>
+          </a:ln>
+        </p:spPr>
+        <p:style>
+          <a:lnRef idx="2">
+            <a:schemeClr val="accent1">
+              <a:shade val="50000"/>
+            </a:schemeClr>
+          </a:lnRef>
+          <a:fillRef idx="1">
+            <a:schemeClr val="accent1"/>
+          </a:fillRef>
+          <a:effectRef idx="0">
+            <a:schemeClr val="accent1"/>
+          </a:effectRef>
+          <a:fontRef idx="minor">
+            <a:schemeClr val="lt1"/>
+          </a:fontRef>
+        </p:style>
+        <p:txBody>
+          <a:bodyPr rtlCol="0" anchor="ctr"/>
+          <a:lstStyle/>
+          <a:p>
+            <a:pPr algn="ctr"/>
+            <a:endParaRPr lang="en-US"/>
+          </a:p>
+        </p:txBody>
+      </p:sp>
+      <p:cxnSp>
+        <p:nvCxnSpPr>
+          <p:cNvPr id="108" name="Straight Connector 107"/>
+          <p:cNvCxnSpPr>
+            <a:stCxn id="97" idx="2"/>
+            <a:endCxn id="94" idx="6"/>
+          </p:cNvCxnSpPr>
+          <p:nvPr/>
+        </p:nvCxnSpPr>
+        <p:spPr>
+          <a:xfrm flipH="1">
+            <a:off x="1607293" y="4958204"/>
+            <a:ext cx="1337737" cy="0"/>
+          </a:xfrm>
+          <a:prstGeom prst="line">
+            <a:avLst/>
+          </a:prstGeom>
+          <a:ln w="19050">
+            <a:solidFill>
+              <a:schemeClr val="tx1"/>
+            </a:solidFill>
+          </a:ln>
+        </p:spPr>
+        <p:style>
+          <a:lnRef idx="1">
+            <a:schemeClr val="accent1"/>
+          </a:lnRef>
+          <a:fillRef idx="0">
+            <a:schemeClr val="accent1"/>
+          </a:fillRef>
+          <a:effectRef idx="0">
+            <a:schemeClr val="accent1"/>
+          </a:effectRef>
+          <a:fontRef idx="minor">
+            <a:schemeClr val="tx1"/>
+          </a:fontRef>
+        </p:style>
+      </p:cxnSp>
+      <p:cxnSp>
+        <p:nvCxnSpPr>
+          <p:cNvPr id="109" name="Straight Connector 108"/>
+          <p:cNvCxnSpPr>
+            <a:stCxn id="98" idx="2"/>
+            <a:endCxn id="95" idx="6"/>
+          </p:cNvCxnSpPr>
+          <p:nvPr/>
+        </p:nvCxnSpPr>
+        <p:spPr>
+          <a:xfrm flipH="1">
+            <a:off x="1607293" y="5778251"/>
+            <a:ext cx="1337737" cy="0"/>
+          </a:xfrm>
+          <a:prstGeom prst="line">
+            <a:avLst/>
+          </a:prstGeom>
+          <a:ln w="19050">
+            <a:solidFill>
+              <a:schemeClr val="tx1"/>
+            </a:solidFill>
+          </a:ln>
+        </p:spPr>
+        <p:style>
+          <a:lnRef idx="1">
+            <a:schemeClr val="accent1"/>
+          </a:lnRef>
+          <a:fillRef idx="0">
+            <a:schemeClr val="accent1"/>
+          </a:fillRef>
+          <a:effectRef idx="0">
+            <a:schemeClr val="accent1"/>
+          </a:effectRef>
+          <a:fontRef idx="minor">
+            <a:schemeClr val="tx1"/>
+          </a:fontRef>
+        </p:style>
+      </p:cxnSp>
+      <p:cxnSp>
+        <p:nvCxnSpPr>
+          <p:cNvPr id="110" name="Straight Connector 109"/>
+          <p:cNvCxnSpPr>
+            <a:stCxn id="98" idx="1"/>
+            <a:endCxn id="94" idx="5"/>
+          </p:cNvCxnSpPr>
+          <p:nvPr/>
+        </p:nvCxnSpPr>
+        <p:spPr>
+          <a:xfrm flipH="1" flipV="1">
+            <a:off x="1587454" y="5006098"/>
+            <a:ext cx="1377415" cy="724258"/>
+          </a:xfrm>
+          <a:prstGeom prst="line">
+            <a:avLst/>
+          </a:prstGeom>
+          <a:ln w="19050">
+            <a:solidFill>
+              <a:schemeClr val="tx1"/>
+            </a:solidFill>
+          </a:ln>
+        </p:spPr>
+        <p:style>
+          <a:lnRef idx="1">
+            <a:schemeClr val="accent1"/>
+          </a:lnRef>
+          <a:fillRef idx="0">
+            <a:schemeClr val="accent1"/>
+          </a:fillRef>
+          <a:effectRef idx="0">
+            <a:schemeClr val="accent1"/>
+          </a:effectRef>
+          <a:fontRef idx="minor">
+            <a:schemeClr val="tx1"/>
+          </a:fontRef>
+        </p:style>
+      </p:cxnSp>
+      <p:cxnSp>
+        <p:nvCxnSpPr>
+          <p:cNvPr id="111" name="Straight Connector 110"/>
+          <p:cNvCxnSpPr>
+            <a:stCxn id="97" idx="3"/>
+            <a:endCxn id="95" idx="7"/>
+          </p:cNvCxnSpPr>
+          <p:nvPr/>
+        </p:nvCxnSpPr>
+        <p:spPr>
+          <a:xfrm flipH="1">
+            <a:off x="1587454" y="5006098"/>
+            <a:ext cx="1377415" cy="724258"/>
+          </a:xfrm>
+          <a:prstGeom prst="line">
+            <a:avLst/>
+          </a:prstGeom>
+          <a:ln w="19050">
+            <a:solidFill>
+              <a:schemeClr val="tx1"/>
+            </a:solidFill>
+          </a:ln>
+        </p:spPr>
+        <p:style>
+          <a:lnRef idx="1">
+            <a:schemeClr val="accent1"/>
+          </a:lnRef>
+          <a:fillRef idx="0">
+            <a:schemeClr val="accent1"/>
+          </a:fillRef>
+          <a:effectRef idx="0">
+            <a:schemeClr val="accent1"/>
+          </a:effectRef>
+          <a:fontRef idx="minor">
+            <a:schemeClr val="tx1"/>
+          </a:fontRef>
+        </p:style>
+      </p:cxnSp>
+      <p:sp>
+        <p:nvSpPr>
+          <p:cNvPr id="113" name="TextBox 112"/>
+          <p:cNvSpPr txBox="1"/>
+          <p:nvPr/>
+        </p:nvSpPr>
+        <p:spPr>
+          <a:xfrm>
+            <a:off x="1230191" y="4557449"/>
+            <a:ext cx="623889" cy="307777"/>
+          </a:xfrm>
+          <a:prstGeom prst="rect">
+            <a:avLst/>
+          </a:prstGeom>
+          <a:noFill/>
+        </p:spPr>
+        <p:txBody>
+          <a:bodyPr wrap="none" rtlCol="0">
+            <a:spAutoFit/>
+          </a:bodyPr>
+          <a:lstStyle/>
+          <a:p>
+            <a:r>
+              <a:rPr lang="en-US" sz="1400" dirty="0" smtClean="0"/>
+              <a:t>tutors</a:t>
+            </a:r>
+            <a:endParaRPr lang="en-US" sz="1400" dirty="0"/>
+          </a:p>
+        </p:txBody>
+      </p:sp>
+      <p:sp>
+        <p:nvSpPr>
+          <p:cNvPr id="114" name="TextBox 113"/>
+          <p:cNvSpPr txBox="1"/>
+          <p:nvPr/>
+        </p:nvSpPr>
+        <p:spPr>
+          <a:xfrm>
+            <a:off x="2642846" y="4565629"/>
+            <a:ext cx="817403" cy="307777"/>
+          </a:xfrm>
+          <a:prstGeom prst="rect">
+            <a:avLst/>
+          </a:prstGeom>
+          <a:noFill/>
+        </p:spPr>
+        <p:txBody>
+          <a:bodyPr wrap="none" rtlCol="0">
+            <a:spAutoFit/>
+          </a:bodyPr>
+          <a:lstStyle/>
+          <a:p>
+            <a:r>
+              <a:rPr lang="en-US" sz="1400" dirty="0" smtClean="0"/>
+              <a:t>students</a:t>
+            </a:r>
+            <a:endParaRPr lang="en-US" sz="1400" dirty="0"/>
+          </a:p>
+        </p:txBody>
+      </p:sp>
+      <mc:AlternateContent xmlns:mc="http://schemas.openxmlformats.org/markup-compatibility/2006">
+        <mc:Choice xmlns:a14="http://schemas.microsoft.com/office/drawing/2010/main" Requires="a14">
+          <p:sp>
+            <p:nvSpPr>
+              <p:cNvPr id="116" name="TextBox 115"/>
+              <p:cNvSpPr txBox="1"/>
+              <p:nvPr/>
+            </p:nvSpPr>
+            <p:spPr>
+              <a:xfrm>
+                <a:off x="802802" y="4818743"/>
+                <a:ext cx="664413" cy="276999"/>
+              </a:xfrm>
+              <a:prstGeom prst="rect">
+                <a:avLst/>
+              </a:prstGeom>
+              <a:noFill/>
+            </p:spPr>
+            <p:txBody>
+              <a:bodyPr wrap="none" rtlCol="0">
+                <a:spAutoFit/>
+              </a:bodyPr>
+              <a:lstStyle/>
+              <a:p>
+                <a:pPr/>
+                <a14:m>
+                  <m:oMathPara xmlns:m="http://schemas.openxmlformats.org/officeDocument/2006/math">
+                    <m:oMathParaPr>
+                      <m:jc m:val="centerGroup"/>
+                    </m:oMathParaPr>
+                    <m:oMath xmlns:m="http://schemas.openxmlformats.org/officeDocument/2006/math">
+                      <m:sSub>
+                        <m:sSubPr>
+                          <m:ctrlPr>
+                            <a:rPr lang="en-US" sz="1200" b="0" i="1" smtClean="0">
+                              <a:latin typeface="Cambria Math" panose="02040503050406030204" pitchFamily="18" charset="0"/>
+                            </a:rPr>
+                          </m:ctrlPr>
+                        </m:sSubPr>
+                        <m:e>
+                          <m:r>
+                            <a:rPr lang="en-US" sz="1200" b="0" i="1" smtClean="0">
+                              <a:latin typeface="Cambria Math" panose="02040503050406030204" pitchFamily="18" charset="0"/>
+                            </a:rPr>
+                            <m:t>𝑁</m:t>
+                          </m:r>
+                        </m:e>
+                        <m:sub>
+                          <m:r>
+                            <a:rPr lang="en-US" sz="1200" b="0" i="1" smtClean="0">
+                              <a:latin typeface="Cambria Math" panose="02040503050406030204" pitchFamily="18" charset="0"/>
+                            </a:rPr>
+                            <m:t>𝑡</m:t>
+                          </m:r>
+                        </m:sub>
+                      </m:sSub>
+                      <m:r>
+                        <a:rPr lang="en-US" sz="1200" b="0" i="1" smtClean="0">
+                          <a:latin typeface="Cambria Math" panose="02040503050406030204" pitchFamily="18" charset="0"/>
+                        </a:rPr>
+                        <m:t>=</m:t>
+                      </m:r>
+                      <m:r>
+                        <a:rPr lang="en-US" sz="1200" b="0" i="0" smtClean="0">
+                          <a:latin typeface="Cambria Math" panose="02040503050406030204" pitchFamily="18" charset="0"/>
+                        </a:rPr>
+                        <m:t>1</m:t>
+                      </m:r>
+                    </m:oMath>
+                  </m:oMathPara>
+                </a14:m>
+                <a:endParaRPr lang="en-US" sz="1200" dirty="0"/>
+              </a:p>
+            </p:txBody>
+          </p:sp>
+        </mc:Choice>
+        <mc:Fallback>
+          <p:sp>
+            <p:nvSpPr>
+              <p:cNvPr id="116" name="TextBox 115"/>
+              <p:cNvSpPr txBox="1">
+                <a:spLocks noRot="1" noChangeAspect="1" noMove="1" noResize="1" noEditPoints="1" noAdjustHandles="1" noChangeArrowheads="1" noChangeShapeType="1" noTextEdit="1"/>
+              </p:cNvSpPr>
+              <p:nvPr/>
+            </p:nvSpPr>
+            <p:spPr>
+              <a:xfrm>
+                <a:off x="802802" y="4818743"/>
+                <a:ext cx="664413" cy="276999"/>
+              </a:xfrm>
+              <a:prstGeom prst="rect">
+                <a:avLst/>
+              </a:prstGeom>
+              <a:blipFill rotWithShape="0">
+                <a:blip r:embed="rId16"/>
+                <a:stretch>
+                  <a:fillRect/>
+                </a:stretch>
+              </a:blipFill>
+            </p:spPr>
+            <p:txBody>
+              <a:bodyPr/>
+              <a:lstStyle/>
+              <a:p>
+                <a:r>
+                  <a:rPr lang="en-US">
+                    <a:noFill/>
+                  </a:rPr>
+                  <a:t> </a:t>
+                </a:r>
+              </a:p>
+            </p:txBody>
+          </p:sp>
+        </mc:Fallback>
+      </mc:AlternateContent>
+      <mc:AlternateContent xmlns:mc="http://schemas.openxmlformats.org/markup-compatibility/2006">
+        <mc:Choice xmlns:a14="http://schemas.microsoft.com/office/drawing/2010/main" Requires="a14">
+          <p:sp>
+            <p:nvSpPr>
+              <p:cNvPr id="117" name="TextBox 116"/>
+              <p:cNvSpPr txBox="1"/>
+              <p:nvPr/>
+            </p:nvSpPr>
+            <p:spPr>
+              <a:xfrm>
+                <a:off x="813798" y="5631022"/>
+                <a:ext cx="701474" cy="276999"/>
+              </a:xfrm>
+              <a:prstGeom prst="rect">
+                <a:avLst/>
+              </a:prstGeom>
+              <a:noFill/>
+            </p:spPr>
+            <p:txBody>
+              <a:bodyPr wrap="none" rtlCol="0">
+                <a:spAutoFit/>
+              </a:bodyPr>
+              <a:lstStyle/>
+              <a:p>
+                <a:pPr/>
+                <a14:m>
+                  <m:oMathPara xmlns:m="http://schemas.openxmlformats.org/officeDocument/2006/math">
+                    <m:oMathParaPr>
+                      <m:jc m:val="centerGroup"/>
+                    </m:oMathParaPr>
+                    <m:oMath xmlns:m="http://schemas.openxmlformats.org/officeDocument/2006/math">
+                      <m:sSub>
+                        <m:sSubPr>
+                          <m:ctrlPr>
+                            <a:rPr lang="en-US" sz="1200" b="0" i="1" smtClean="0">
+                              <a:latin typeface="Cambria Math" panose="02040503050406030204" pitchFamily="18" charset="0"/>
+                            </a:rPr>
+                          </m:ctrlPr>
+                        </m:sSubPr>
+                        <m:e>
+                          <m:r>
+                            <a:rPr lang="en-US" sz="1200" b="0" i="1" smtClean="0">
+                              <a:latin typeface="Cambria Math" panose="02040503050406030204" pitchFamily="18" charset="0"/>
+                            </a:rPr>
+                            <m:t>𝑁</m:t>
+                          </m:r>
+                        </m:e>
+                        <m:sub>
+                          <m:r>
+                            <a:rPr lang="en-US" sz="1200" b="0" i="1" smtClean="0">
+                              <a:latin typeface="Cambria Math" panose="02040503050406030204" pitchFamily="18" charset="0"/>
+                            </a:rPr>
+                            <m:t>𝑡</m:t>
+                          </m:r>
+                          <m:r>
+                            <a:rPr lang="en-US" sz="1200" b="0" i="1" smtClean="0">
+                              <a:latin typeface="Cambria Math" panose="02040503050406030204" pitchFamily="18" charset="0"/>
+                            </a:rPr>
+                            <m:t>′</m:t>
+                          </m:r>
+                        </m:sub>
+                      </m:sSub>
+                      <m:r>
+                        <a:rPr lang="en-US" sz="1200" b="0" i="1" smtClean="0">
+                          <a:latin typeface="Cambria Math" panose="02040503050406030204" pitchFamily="18" charset="0"/>
+                        </a:rPr>
+                        <m:t>=</m:t>
+                      </m:r>
+                      <m:r>
+                        <a:rPr lang="en-US" sz="1200" b="0" i="0" smtClean="0">
+                          <a:latin typeface="Cambria Math" panose="02040503050406030204" pitchFamily="18" charset="0"/>
+                        </a:rPr>
+                        <m:t>1</m:t>
+                      </m:r>
+                    </m:oMath>
+                  </m:oMathPara>
+                </a14:m>
+                <a:endParaRPr lang="en-US" sz="1200" dirty="0"/>
+              </a:p>
+            </p:txBody>
+          </p:sp>
+        </mc:Choice>
+        <mc:Fallback>
+          <p:sp>
+            <p:nvSpPr>
+              <p:cNvPr id="117" name="TextBox 116"/>
+              <p:cNvSpPr txBox="1">
+                <a:spLocks noRot="1" noChangeAspect="1" noMove="1" noResize="1" noEditPoints="1" noAdjustHandles="1" noChangeArrowheads="1" noChangeShapeType="1" noTextEdit="1"/>
+              </p:cNvSpPr>
+              <p:nvPr/>
+            </p:nvSpPr>
+            <p:spPr>
+              <a:xfrm>
+                <a:off x="813798" y="5631022"/>
+                <a:ext cx="701474" cy="276999"/>
+              </a:xfrm>
+              <a:prstGeom prst="rect">
+                <a:avLst/>
+              </a:prstGeom>
+              <a:blipFill rotWithShape="0">
+                <a:blip r:embed="rId17"/>
+                <a:stretch>
+                  <a:fillRect/>
+                </a:stretch>
+              </a:blipFill>
+            </p:spPr>
+            <p:txBody>
+              <a:bodyPr/>
+              <a:lstStyle/>
+              <a:p>
+                <a:r>
+                  <a:rPr lang="en-US">
+                    <a:noFill/>
+                  </a:rPr>
+                  <a:t> </a:t>
+                </a:r>
+              </a:p>
+            </p:txBody>
+          </p:sp>
+        </mc:Fallback>
+      </mc:AlternateContent>
+      <p:sp>
+        <p:nvSpPr>
+          <p:cNvPr id="25" name="Oval 24"/>
+          <p:cNvSpPr/>
+          <p:nvPr/>
+        </p:nvSpPr>
+        <p:spPr>
+          <a:xfrm>
+            <a:off x="2170231" y="4751111"/>
+            <a:ext cx="225827" cy="173226"/>
+          </a:xfrm>
+          <a:prstGeom prst="ellipse">
+            <a:avLst/>
+          </a:prstGeom>
+          <a:noFill/>
+          <a:ln>
+            <a:solidFill>
+              <a:schemeClr val="tx1"/>
+            </a:solidFill>
+          </a:ln>
+        </p:spPr>
+        <p:style>
+          <a:lnRef idx="2">
+            <a:schemeClr val="accent1">
+              <a:shade val="50000"/>
+            </a:schemeClr>
+          </a:lnRef>
+          <a:fillRef idx="1">
+            <a:schemeClr val="accent1"/>
+          </a:fillRef>
+          <a:effectRef idx="0">
+            <a:schemeClr val="accent1"/>
+          </a:effectRef>
+          <a:fontRef idx="minor">
+            <a:schemeClr val="lt1"/>
+          </a:fontRef>
+        </p:style>
+        <p:txBody>
+          <a:bodyPr rtlCol="0" anchor="ctr"/>
+          <a:lstStyle/>
+          <a:p>
+            <a:pPr algn="ctr"/>
+            <a:r>
+              <a:rPr lang="en-US" sz="1200" dirty="0">
+                <a:solidFill>
+                  <a:schemeClr val="tx1"/>
+                </a:solidFill>
+              </a:rPr>
+              <a:t>6</a:t>
+            </a:r>
+            <a:endParaRPr lang="en-US" sz="1200" dirty="0">
+              <a:solidFill>
+                <a:schemeClr val="tx1"/>
+              </a:solidFill>
+            </a:endParaRPr>
+          </a:p>
+        </p:txBody>
+      </p:sp>
+      <p:sp>
+        <p:nvSpPr>
+          <p:cNvPr id="119" name="Oval 118"/>
+          <p:cNvSpPr/>
+          <p:nvPr/>
+        </p:nvSpPr>
+        <p:spPr>
+          <a:xfrm>
+            <a:off x="2172558" y="5824702"/>
+            <a:ext cx="225827" cy="173226"/>
+          </a:xfrm>
+          <a:prstGeom prst="ellipse">
+            <a:avLst/>
+          </a:prstGeom>
+          <a:noFill/>
+          <a:ln>
+            <a:solidFill>
+              <a:schemeClr val="tx1"/>
+            </a:solidFill>
+          </a:ln>
+        </p:spPr>
+        <p:style>
+          <a:lnRef idx="2">
+            <a:schemeClr val="accent1">
+              <a:shade val="50000"/>
+            </a:schemeClr>
+          </a:lnRef>
+          <a:fillRef idx="1">
+            <a:schemeClr val="accent1"/>
+          </a:fillRef>
+          <a:effectRef idx="0">
+            <a:schemeClr val="accent1"/>
+          </a:effectRef>
+          <a:fontRef idx="minor">
+            <a:schemeClr val="lt1"/>
+          </a:fontRef>
+        </p:style>
+        <p:txBody>
+          <a:bodyPr rtlCol="0" anchor="ctr"/>
+          <a:lstStyle/>
+          <a:p>
+            <a:pPr algn="ctr"/>
+            <a:r>
+              <a:rPr lang="en-US" sz="1200" dirty="0" smtClean="0">
+                <a:solidFill>
+                  <a:schemeClr val="tx1"/>
+                </a:solidFill>
+              </a:rPr>
+              <a:t>1</a:t>
+            </a:r>
+            <a:endParaRPr lang="en-US" sz="1200" dirty="0">
+              <a:solidFill>
+                <a:schemeClr val="tx1"/>
+              </a:solidFill>
+            </a:endParaRPr>
+          </a:p>
+        </p:txBody>
+      </p:sp>
+      <p:sp>
+        <p:nvSpPr>
+          <p:cNvPr id="120" name="Oval 119"/>
+          <p:cNvSpPr/>
+          <p:nvPr/>
+        </p:nvSpPr>
+        <p:spPr>
+          <a:xfrm>
+            <a:off x="1673103" y="5147866"/>
+            <a:ext cx="225827" cy="173226"/>
+          </a:xfrm>
+          <a:prstGeom prst="ellipse">
+            <a:avLst/>
+          </a:prstGeom>
+          <a:noFill/>
+          <a:ln>
+            <a:solidFill>
+              <a:schemeClr val="tx1"/>
+            </a:solidFill>
+          </a:ln>
+        </p:spPr>
+        <p:style>
+          <a:lnRef idx="2">
+            <a:schemeClr val="accent1">
+              <a:shade val="50000"/>
+            </a:schemeClr>
+          </a:lnRef>
+          <a:fillRef idx="1">
+            <a:schemeClr val="accent1"/>
+          </a:fillRef>
+          <a:effectRef idx="0">
+            <a:schemeClr val="accent1"/>
+          </a:effectRef>
+          <a:fontRef idx="minor">
+            <a:schemeClr val="lt1"/>
+          </a:fontRef>
+        </p:style>
+        <p:txBody>
+          <a:bodyPr rtlCol="0" anchor="ctr"/>
+          <a:lstStyle/>
+          <a:p>
+            <a:pPr algn="ctr"/>
+            <a:r>
+              <a:rPr lang="en-US" sz="1200" dirty="0" smtClean="0">
+                <a:solidFill>
+                  <a:schemeClr val="tx1"/>
+                </a:solidFill>
+              </a:rPr>
+              <a:t>2</a:t>
+            </a:r>
+            <a:endParaRPr lang="en-US" sz="1200" dirty="0">
+              <a:solidFill>
+                <a:schemeClr val="tx1"/>
+              </a:solidFill>
+            </a:endParaRPr>
+          </a:p>
+        </p:txBody>
+      </p:sp>
+      <p:sp>
+        <p:nvSpPr>
+          <p:cNvPr id="121" name="Oval 120"/>
+          <p:cNvSpPr/>
+          <p:nvPr/>
+        </p:nvSpPr>
+        <p:spPr>
+          <a:xfrm>
+            <a:off x="1976332" y="5526513"/>
+            <a:ext cx="225827" cy="173226"/>
+          </a:xfrm>
+          <a:prstGeom prst="ellipse">
+            <a:avLst/>
+          </a:prstGeom>
+          <a:noFill/>
+          <a:ln>
+            <a:solidFill>
+              <a:schemeClr val="tx1"/>
+            </a:solidFill>
+          </a:ln>
+        </p:spPr>
+        <p:style>
+          <a:lnRef idx="2">
+            <a:schemeClr val="accent1">
+              <a:shade val="50000"/>
+            </a:schemeClr>
+          </a:lnRef>
+          <a:fillRef idx="1">
+            <a:schemeClr val="accent1"/>
+          </a:fillRef>
+          <a:effectRef idx="0">
+            <a:schemeClr val="accent1"/>
+          </a:effectRef>
+          <a:fontRef idx="minor">
+            <a:schemeClr val="lt1"/>
+          </a:fontRef>
+        </p:style>
+        <p:txBody>
+          <a:bodyPr rtlCol="0" anchor="ctr"/>
+          <a:lstStyle/>
+          <a:p>
+            <a:pPr algn="ctr"/>
+            <a:r>
+              <a:rPr lang="en-US" sz="1200" dirty="0">
+                <a:solidFill>
+                  <a:schemeClr val="tx1"/>
+                </a:solidFill>
+              </a:rPr>
+              <a:t>5</a:t>
+            </a:r>
+            <a:endParaRPr lang="en-US" sz="1200" dirty="0">
+              <a:solidFill>
+                <a:schemeClr val="tx1"/>
+              </a:solidFill>
+            </a:endParaRPr>
+          </a:p>
+        </p:txBody>
+      </p:sp>
+      <p:sp>
+        <p:nvSpPr>
+          <p:cNvPr id="122" name="Oval 121"/>
+          <p:cNvSpPr/>
+          <p:nvPr/>
+        </p:nvSpPr>
+        <p:spPr>
+          <a:xfrm>
+            <a:off x="4178885" y="4892038"/>
+            <a:ext cx="135466" cy="135467"/>
+          </a:xfrm>
+          <a:prstGeom prst="ellipse">
+            <a:avLst/>
+          </a:prstGeom>
+          <a:solidFill>
+            <a:schemeClr val="accent6">
+              <a:lumMod val="40000"/>
+              <a:lumOff val="60000"/>
+            </a:schemeClr>
+          </a:solidFill>
+          <a:ln>
+            <a:solidFill>
+              <a:schemeClr val="tx1"/>
+            </a:solidFill>
+          </a:ln>
+        </p:spPr>
+        <p:style>
+          <a:lnRef idx="2">
+            <a:schemeClr val="accent1">
+              <a:shade val="50000"/>
+            </a:schemeClr>
+          </a:lnRef>
+          <a:fillRef idx="1">
+            <a:schemeClr val="accent1"/>
+          </a:fillRef>
+          <a:effectRef idx="0">
+            <a:schemeClr val="accent1"/>
+          </a:effectRef>
+          <a:fontRef idx="minor">
+            <a:schemeClr val="lt1"/>
+          </a:fontRef>
+        </p:style>
+        <p:txBody>
+          <a:bodyPr rtlCol="0" anchor="ctr"/>
+          <a:lstStyle/>
+          <a:p>
+            <a:pPr algn="ctr"/>
+            <a:endParaRPr lang="en-US"/>
+          </a:p>
+        </p:txBody>
+      </p:sp>
+      <p:sp>
+        <p:nvSpPr>
+          <p:cNvPr id="123" name="Oval 122"/>
+          <p:cNvSpPr/>
+          <p:nvPr/>
+        </p:nvSpPr>
+        <p:spPr>
+          <a:xfrm>
+            <a:off x="4178885" y="5712085"/>
+            <a:ext cx="135466" cy="135467"/>
+          </a:xfrm>
+          <a:prstGeom prst="ellipse">
+            <a:avLst/>
+          </a:prstGeom>
+          <a:solidFill>
+            <a:schemeClr val="accent6">
+              <a:lumMod val="40000"/>
+              <a:lumOff val="60000"/>
+            </a:schemeClr>
+          </a:solidFill>
+          <a:ln>
+            <a:solidFill>
+              <a:schemeClr val="tx1"/>
+            </a:solidFill>
+          </a:ln>
+        </p:spPr>
+        <p:style>
+          <a:lnRef idx="2">
+            <a:schemeClr val="accent1">
+              <a:shade val="50000"/>
+            </a:schemeClr>
+          </a:lnRef>
+          <a:fillRef idx="1">
+            <a:schemeClr val="accent1"/>
+          </a:fillRef>
+          <a:effectRef idx="0">
+            <a:schemeClr val="accent1"/>
+          </a:effectRef>
+          <a:fontRef idx="minor">
+            <a:schemeClr val="lt1"/>
+          </a:fontRef>
+        </p:style>
+        <p:txBody>
+          <a:bodyPr rtlCol="0" anchor="ctr"/>
+          <a:lstStyle/>
+          <a:p>
+            <a:pPr algn="ctr"/>
+            <a:endParaRPr lang="en-US"/>
+          </a:p>
+        </p:txBody>
+      </p:sp>
+      <p:sp>
+        <p:nvSpPr>
+          <p:cNvPr id="124" name="Oval 123"/>
+          <p:cNvSpPr/>
+          <p:nvPr/>
+        </p:nvSpPr>
+        <p:spPr>
+          <a:xfrm>
+            <a:off x="5652088" y="4892038"/>
+            <a:ext cx="135466" cy="135467"/>
+          </a:xfrm>
+          <a:prstGeom prst="ellipse">
+            <a:avLst/>
+          </a:prstGeom>
+          <a:solidFill>
+            <a:schemeClr val="accent1">
+              <a:lumMod val="60000"/>
+              <a:lumOff val="40000"/>
+            </a:schemeClr>
+          </a:solidFill>
+          <a:ln>
+            <a:solidFill>
+              <a:schemeClr val="tx1"/>
+            </a:solidFill>
+          </a:ln>
+        </p:spPr>
+        <p:style>
+          <a:lnRef idx="2">
+            <a:schemeClr val="accent1">
+              <a:shade val="50000"/>
+            </a:schemeClr>
+          </a:lnRef>
+          <a:fillRef idx="1">
+            <a:schemeClr val="accent1"/>
+          </a:fillRef>
+          <a:effectRef idx="0">
+            <a:schemeClr val="accent1"/>
+          </a:effectRef>
+          <a:fontRef idx="minor">
+            <a:schemeClr val="lt1"/>
+          </a:fontRef>
+        </p:style>
+        <p:txBody>
+          <a:bodyPr rtlCol="0" anchor="ctr"/>
+          <a:lstStyle/>
+          <a:p>
+            <a:pPr algn="ctr"/>
+            <a:endParaRPr lang="en-US"/>
+          </a:p>
+        </p:txBody>
+      </p:sp>
+      <p:sp>
+        <p:nvSpPr>
+          <p:cNvPr id="125" name="Oval 124"/>
+          <p:cNvSpPr/>
+          <p:nvPr/>
+        </p:nvSpPr>
+        <p:spPr>
+          <a:xfrm>
+            <a:off x="5652088" y="5712085"/>
+            <a:ext cx="135466" cy="135467"/>
+          </a:xfrm>
+          <a:prstGeom prst="ellipse">
+            <a:avLst/>
+          </a:prstGeom>
+          <a:solidFill>
+            <a:schemeClr val="accent1">
+              <a:lumMod val="60000"/>
+              <a:lumOff val="40000"/>
+            </a:schemeClr>
+          </a:solidFill>
+          <a:ln>
+            <a:solidFill>
+              <a:schemeClr val="tx1"/>
+            </a:solidFill>
+          </a:ln>
+        </p:spPr>
+        <p:style>
+          <a:lnRef idx="2">
+            <a:schemeClr val="accent1">
+              <a:shade val="50000"/>
+            </a:schemeClr>
+          </a:lnRef>
+          <a:fillRef idx="1">
+            <a:schemeClr val="accent1"/>
+          </a:fillRef>
+          <a:effectRef idx="0">
+            <a:schemeClr val="accent1"/>
+          </a:effectRef>
+          <a:fontRef idx="minor">
+            <a:schemeClr val="lt1"/>
+          </a:fontRef>
+        </p:style>
+        <p:txBody>
+          <a:bodyPr rtlCol="0" anchor="ctr"/>
+          <a:lstStyle/>
+          <a:p>
+            <a:pPr algn="ctr"/>
+            <a:endParaRPr lang="en-US"/>
+          </a:p>
+        </p:txBody>
+      </p:sp>
+      <p:cxnSp>
+        <p:nvCxnSpPr>
+          <p:cNvPr id="126" name="Straight Connector 125"/>
+          <p:cNvCxnSpPr>
+            <a:stCxn id="124" idx="2"/>
+            <a:endCxn id="122" idx="6"/>
+          </p:cNvCxnSpPr>
+          <p:nvPr/>
+        </p:nvCxnSpPr>
+        <p:spPr>
+          <a:xfrm flipH="1">
+            <a:off x="4314351" y="4959772"/>
+            <a:ext cx="1337737" cy="0"/>
+          </a:xfrm>
+          <a:prstGeom prst="line">
+            <a:avLst/>
+          </a:prstGeom>
+          <a:ln w="38100">
+            <a:solidFill>
+              <a:schemeClr val="tx1"/>
+            </a:solidFill>
+          </a:ln>
+        </p:spPr>
+        <p:style>
+          <a:lnRef idx="1">
+            <a:schemeClr val="accent1"/>
+          </a:lnRef>
+          <a:fillRef idx="0">
+            <a:schemeClr val="accent1"/>
+          </a:fillRef>
+          <a:effectRef idx="0">
+            <a:schemeClr val="accent1"/>
+          </a:effectRef>
+          <a:fontRef idx="minor">
+            <a:schemeClr val="tx1"/>
+          </a:fontRef>
+        </p:style>
+      </p:cxnSp>
+      <p:cxnSp>
+        <p:nvCxnSpPr>
+          <p:cNvPr id="127" name="Straight Connector 126"/>
+          <p:cNvCxnSpPr>
+            <a:stCxn id="125" idx="2"/>
+            <a:endCxn id="123" idx="6"/>
+          </p:cNvCxnSpPr>
+          <p:nvPr/>
+        </p:nvCxnSpPr>
+        <p:spPr>
+          <a:xfrm flipH="1">
+            <a:off x="4314351" y="5779819"/>
+            <a:ext cx="1337737" cy="0"/>
+          </a:xfrm>
+          <a:prstGeom prst="line">
+            <a:avLst/>
+          </a:prstGeom>
+          <a:ln w="15875">
+            <a:solidFill>
+              <a:schemeClr val="tx1"/>
+            </a:solidFill>
+            <a:prstDash val="dash"/>
+          </a:ln>
+        </p:spPr>
+        <p:style>
+          <a:lnRef idx="1">
+            <a:schemeClr val="accent1"/>
+          </a:lnRef>
+          <a:fillRef idx="0">
+            <a:schemeClr val="accent1"/>
+          </a:fillRef>
+          <a:effectRef idx="0">
+            <a:schemeClr val="accent1"/>
+          </a:effectRef>
+          <a:fontRef idx="minor">
+            <a:schemeClr val="tx1"/>
+          </a:fontRef>
+        </p:style>
+      </p:cxnSp>
+      <p:cxnSp>
+        <p:nvCxnSpPr>
+          <p:cNvPr id="128" name="Straight Connector 127"/>
+          <p:cNvCxnSpPr>
+            <a:stCxn id="125" idx="1"/>
+            <a:endCxn id="122" idx="5"/>
+          </p:cNvCxnSpPr>
+          <p:nvPr/>
+        </p:nvCxnSpPr>
+        <p:spPr>
+          <a:xfrm flipH="1" flipV="1">
+            <a:off x="4294512" y="5007666"/>
+            <a:ext cx="1377415" cy="724258"/>
+          </a:xfrm>
+          <a:prstGeom prst="line">
+            <a:avLst/>
+          </a:prstGeom>
+          <a:ln w="15875">
+            <a:solidFill>
+              <a:schemeClr val="tx1"/>
+            </a:solidFill>
+            <a:prstDash val="dash"/>
+          </a:ln>
+        </p:spPr>
+        <p:style>
+          <a:lnRef idx="1">
+            <a:schemeClr val="accent1"/>
+          </a:lnRef>
+          <a:fillRef idx="0">
+            <a:schemeClr val="accent1"/>
+          </a:fillRef>
+          <a:effectRef idx="0">
+            <a:schemeClr val="accent1"/>
+          </a:effectRef>
+          <a:fontRef idx="minor">
+            <a:schemeClr val="tx1"/>
+          </a:fontRef>
+        </p:style>
+      </p:cxnSp>
+      <p:cxnSp>
+        <p:nvCxnSpPr>
+          <p:cNvPr id="129" name="Straight Connector 128"/>
+          <p:cNvCxnSpPr>
+            <a:stCxn id="124" idx="3"/>
+            <a:endCxn id="123" idx="7"/>
+          </p:cNvCxnSpPr>
+          <p:nvPr/>
+        </p:nvCxnSpPr>
+        <p:spPr>
+          <a:xfrm flipH="1">
+            <a:off x="4294512" y="5007666"/>
+            <a:ext cx="1377415" cy="724258"/>
+          </a:xfrm>
+          <a:prstGeom prst="line">
+            <a:avLst/>
+          </a:prstGeom>
+          <a:ln w="38100">
+            <a:solidFill>
+              <a:schemeClr val="tx1"/>
+            </a:solidFill>
+          </a:ln>
+        </p:spPr>
+        <p:style>
+          <a:lnRef idx="1">
+            <a:schemeClr val="accent1"/>
+          </a:lnRef>
+          <a:fillRef idx="0">
+            <a:schemeClr val="accent1"/>
+          </a:fillRef>
+          <a:effectRef idx="0">
+            <a:schemeClr val="accent1"/>
+          </a:effectRef>
+          <a:fontRef idx="minor">
+            <a:schemeClr val="tx1"/>
+          </a:fontRef>
+        </p:style>
+      </p:cxnSp>
+      <p:sp>
+        <p:nvSpPr>
+          <p:cNvPr id="134" name="Oval 133"/>
+          <p:cNvSpPr/>
+          <p:nvPr/>
+        </p:nvSpPr>
+        <p:spPr>
+          <a:xfrm>
+            <a:off x="4877289" y="4752679"/>
+            <a:ext cx="225827" cy="173226"/>
+          </a:xfrm>
+          <a:prstGeom prst="ellipse">
+            <a:avLst/>
+          </a:prstGeom>
+          <a:noFill/>
+          <a:ln>
+            <a:solidFill>
+              <a:schemeClr val="tx1"/>
+            </a:solidFill>
+          </a:ln>
+        </p:spPr>
+        <p:style>
+          <a:lnRef idx="2">
+            <a:schemeClr val="accent1">
+              <a:shade val="50000"/>
+            </a:schemeClr>
+          </a:lnRef>
+          <a:fillRef idx="1">
+            <a:schemeClr val="accent1"/>
+          </a:fillRef>
+          <a:effectRef idx="0">
+            <a:schemeClr val="accent1"/>
+          </a:effectRef>
+          <a:fontRef idx="minor">
+            <a:schemeClr val="lt1"/>
+          </a:fontRef>
+        </p:style>
+        <p:txBody>
+          <a:bodyPr rtlCol="0" anchor="ctr"/>
+          <a:lstStyle/>
+          <a:p>
+            <a:pPr algn="ctr"/>
+            <a:r>
+              <a:rPr lang="en-US" sz="1200" dirty="0">
+                <a:solidFill>
+                  <a:schemeClr val="tx1"/>
+                </a:solidFill>
+              </a:rPr>
+              <a:t>6</a:t>
+            </a:r>
+            <a:endParaRPr lang="en-US" sz="1200" dirty="0">
+              <a:solidFill>
+                <a:schemeClr val="tx1"/>
+              </a:solidFill>
+            </a:endParaRPr>
+          </a:p>
+        </p:txBody>
+      </p:sp>
+      <p:sp>
+        <p:nvSpPr>
+          <p:cNvPr id="135" name="Oval 134"/>
+          <p:cNvSpPr/>
+          <p:nvPr/>
+        </p:nvSpPr>
+        <p:spPr>
+          <a:xfrm>
+            <a:off x="4879616" y="5826270"/>
+            <a:ext cx="225827" cy="173226"/>
+          </a:xfrm>
+          <a:prstGeom prst="ellipse">
+            <a:avLst/>
+          </a:prstGeom>
+          <a:noFill/>
+          <a:ln>
+            <a:solidFill>
+              <a:schemeClr val="tx1"/>
+            </a:solidFill>
+          </a:ln>
+        </p:spPr>
+        <p:style>
+          <a:lnRef idx="2">
+            <a:schemeClr val="accent1">
+              <a:shade val="50000"/>
+            </a:schemeClr>
+          </a:lnRef>
+          <a:fillRef idx="1">
+            <a:schemeClr val="accent1"/>
+          </a:fillRef>
+          <a:effectRef idx="0">
+            <a:schemeClr val="accent1"/>
+          </a:effectRef>
+          <a:fontRef idx="minor">
+            <a:schemeClr val="lt1"/>
+          </a:fontRef>
+        </p:style>
+        <p:txBody>
+          <a:bodyPr rtlCol="0" anchor="ctr"/>
+          <a:lstStyle/>
+          <a:p>
+            <a:pPr algn="ctr"/>
+            <a:r>
+              <a:rPr lang="en-US" sz="1200" dirty="0" smtClean="0">
+                <a:solidFill>
+                  <a:schemeClr val="tx1"/>
+                </a:solidFill>
+              </a:rPr>
+              <a:t>1</a:t>
+            </a:r>
+            <a:endParaRPr lang="en-US" sz="1200" dirty="0">
+              <a:solidFill>
+                <a:schemeClr val="tx1"/>
+              </a:solidFill>
+            </a:endParaRPr>
+          </a:p>
+        </p:txBody>
+      </p:sp>
+      <p:sp>
+        <p:nvSpPr>
+          <p:cNvPr id="136" name="Oval 135"/>
+          <p:cNvSpPr/>
+          <p:nvPr/>
+        </p:nvSpPr>
+        <p:spPr>
+          <a:xfrm>
+            <a:off x="4380161" y="5149434"/>
+            <a:ext cx="225827" cy="173226"/>
+          </a:xfrm>
+          <a:prstGeom prst="ellipse">
+            <a:avLst/>
+          </a:prstGeom>
+          <a:noFill/>
+          <a:ln>
+            <a:solidFill>
+              <a:schemeClr val="tx1"/>
+            </a:solidFill>
+          </a:ln>
+        </p:spPr>
+        <p:style>
+          <a:lnRef idx="2">
+            <a:schemeClr val="accent1">
+              <a:shade val="50000"/>
+            </a:schemeClr>
+          </a:lnRef>
+          <a:fillRef idx="1">
+            <a:schemeClr val="accent1"/>
+          </a:fillRef>
+          <a:effectRef idx="0">
+            <a:schemeClr val="accent1"/>
+          </a:effectRef>
+          <a:fontRef idx="minor">
+            <a:schemeClr val="lt1"/>
+          </a:fontRef>
+        </p:style>
+        <p:txBody>
+          <a:bodyPr rtlCol="0" anchor="ctr"/>
+          <a:lstStyle/>
+          <a:p>
+            <a:pPr algn="ctr"/>
+            <a:r>
+              <a:rPr lang="en-US" sz="1200" dirty="0" smtClean="0">
+                <a:solidFill>
+                  <a:schemeClr val="tx1"/>
+                </a:solidFill>
+              </a:rPr>
+              <a:t>2</a:t>
+            </a:r>
+            <a:endParaRPr lang="en-US" sz="1200" dirty="0">
+              <a:solidFill>
+                <a:schemeClr val="tx1"/>
+              </a:solidFill>
+            </a:endParaRPr>
+          </a:p>
+        </p:txBody>
+      </p:sp>
+      <p:sp>
+        <p:nvSpPr>
+          <p:cNvPr id="137" name="Oval 136"/>
+          <p:cNvSpPr/>
+          <p:nvPr/>
+        </p:nvSpPr>
+        <p:spPr>
+          <a:xfrm>
+            <a:off x="4683390" y="5528081"/>
+            <a:ext cx="225827" cy="173226"/>
+          </a:xfrm>
+          <a:prstGeom prst="ellipse">
+            <a:avLst/>
+          </a:prstGeom>
+          <a:noFill/>
+          <a:ln>
+            <a:solidFill>
+              <a:schemeClr val="tx1"/>
+            </a:solidFill>
+          </a:ln>
+        </p:spPr>
+        <p:style>
+          <a:lnRef idx="2">
+            <a:schemeClr val="accent1">
+              <a:shade val="50000"/>
+            </a:schemeClr>
+          </a:lnRef>
+          <a:fillRef idx="1">
+            <a:schemeClr val="accent1"/>
+          </a:fillRef>
+          <a:effectRef idx="0">
+            <a:schemeClr val="accent1"/>
+          </a:effectRef>
+          <a:fontRef idx="minor">
+            <a:schemeClr val="lt1"/>
+          </a:fontRef>
+        </p:style>
+        <p:txBody>
+          <a:bodyPr rtlCol="0" anchor="ctr"/>
+          <a:lstStyle/>
+          <a:p>
+            <a:pPr algn="ctr"/>
+            <a:r>
+              <a:rPr lang="en-US" sz="1200" dirty="0">
+                <a:solidFill>
+                  <a:schemeClr val="tx1"/>
+                </a:solidFill>
+              </a:rPr>
+              <a:t>5</a:t>
+            </a:r>
+            <a:endParaRPr lang="en-US" sz="1200" dirty="0">
+              <a:solidFill>
+                <a:schemeClr val="tx1"/>
+              </a:solidFill>
+            </a:endParaRPr>
+          </a:p>
+        </p:txBody>
+      </p:sp>
+      <p:sp>
+        <p:nvSpPr>
+          <p:cNvPr id="138" name="Oval 137"/>
+          <p:cNvSpPr/>
+          <p:nvPr/>
+        </p:nvSpPr>
+        <p:spPr>
+          <a:xfrm>
+            <a:off x="6904808" y="4893606"/>
+            <a:ext cx="135466" cy="135467"/>
+          </a:xfrm>
+          <a:prstGeom prst="ellipse">
+            <a:avLst/>
+          </a:prstGeom>
+          <a:solidFill>
+            <a:schemeClr val="accent6">
+              <a:lumMod val="40000"/>
+              <a:lumOff val="60000"/>
+            </a:schemeClr>
+          </a:solidFill>
+          <a:ln>
+            <a:solidFill>
+              <a:schemeClr val="tx1"/>
+            </a:solidFill>
+          </a:ln>
+        </p:spPr>
+        <p:style>
+          <a:lnRef idx="2">
+            <a:schemeClr val="accent1">
+              <a:shade val="50000"/>
+            </a:schemeClr>
+          </a:lnRef>
+          <a:fillRef idx="1">
+            <a:schemeClr val="accent1"/>
+          </a:fillRef>
+          <a:effectRef idx="0">
+            <a:schemeClr val="accent1"/>
+          </a:effectRef>
+          <a:fontRef idx="minor">
+            <a:schemeClr val="lt1"/>
+          </a:fontRef>
+        </p:style>
+        <p:txBody>
+          <a:bodyPr rtlCol="0" anchor="ctr"/>
+          <a:lstStyle/>
+          <a:p>
+            <a:pPr algn="ctr"/>
+            <a:endParaRPr lang="en-US"/>
+          </a:p>
+        </p:txBody>
+      </p:sp>
+      <p:sp>
+        <p:nvSpPr>
+          <p:cNvPr id="139" name="Oval 138"/>
+          <p:cNvSpPr/>
+          <p:nvPr/>
+        </p:nvSpPr>
+        <p:spPr>
+          <a:xfrm>
+            <a:off x="6904808" y="5713653"/>
+            <a:ext cx="135466" cy="135467"/>
+          </a:xfrm>
+          <a:prstGeom prst="ellipse">
+            <a:avLst/>
+          </a:prstGeom>
+          <a:solidFill>
+            <a:schemeClr val="accent6">
+              <a:lumMod val="40000"/>
+              <a:lumOff val="60000"/>
+            </a:schemeClr>
+          </a:solidFill>
+          <a:ln>
+            <a:solidFill>
+              <a:schemeClr val="tx1"/>
+            </a:solidFill>
+          </a:ln>
+        </p:spPr>
+        <p:style>
+          <a:lnRef idx="2">
+            <a:schemeClr val="accent1">
+              <a:shade val="50000"/>
+            </a:schemeClr>
+          </a:lnRef>
+          <a:fillRef idx="1">
+            <a:schemeClr val="accent1"/>
+          </a:fillRef>
+          <a:effectRef idx="0">
+            <a:schemeClr val="accent1"/>
+          </a:effectRef>
+          <a:fontRef idx="minor">
+            <a:schemeClr val="lt1"/>
+          </a:fontRef>
+        </p:style>
+        <p:txBody>
+          <a:bodyPr rtlCol="0" anchor="ctr"/>
+          <a:lstStyle/>
+          <a:p>
+            <a:pPr algn="ctr"/>
+            <a:endParaRPr lang="en-US"/>
+          </a:p>
+        </p:txBody>
+      </p:sp>
+      <p:sp>
+        <p:nvSpPr>
+          <p:cNvPr id="140" name="Oval 139"/>
+          <p:cNvSpPr/>
+          <p:nvPr/>
+        </p:nvSpPr>
+        <p:spPr>
+          <a:xfrm>
+            <a:off x="8378011" y="4893606"/>
+            <a:ext cx="135466" cy="135467"/>
+          </a:xfrm>
+          <a:prstGeom prst="ellipse">
+            <a:avLst/>
+          </a:prstGeom>
+          <a:solidFill>
+            <a:schemeClr val="accent1">
+              <a:lumMod val="60000"/>
+              <a:lumOff val="40000"/>
+            </a:schemeClr>
+          </a:solidFill>
+          <a:ln>
+            <a:solidFill>
+              <a:schemeClr val="tx1"/>
+            </a:solidFill>
+          </a:ln>
+        </p:spPr>
+        <p:style>
+          <a:lnRef idx="2">
+            <a:schemeClr val="accent1">
+              <a:shade val="50000"/>
+            </a:schemeClr>
+          </a:lnRef>
+          <a:fillRef idx="1">
+            <a:schemeClr val="accent1"/>
+          </a:fillRef>
+          <a:effectRef idx="0">
+            <a:schemeClr val="accent1"/>
+          </a:effectRef>
+          <a:fontRef idx="minor">
+            <a:schemeClr val="lt1"/>
+          </a:fontRef>
+        </p:style>
+        <p:txBody>
+          <a:bodyPr rtlCol="0" anchor="ctr"/>
+          <a:lstStyle/>
+          <a:p>
+            <a:pPr algn="ctr"/>
+            <a:endParaRPr lang="en-US"/>
+          </a:p>
+        </p:txBody>
+      </p:sp>
+      <p:sp>
+        <p:nvSpPr>
+          <p:cNvPr id="141" name="Oval 140"/>
+          <p:cNvSpPr/>
+          <p:nvPr/>
+        </p:nvSpPr>
+        <p:spPr>
+          <a:xfrm>
+            <a:off x="8378011" y="5713653"/>
+            <a:ext cx="135466" cy="135467"/>
+          </a:xfrm>
+          <a:prstGeom prst="ellipse">
+            <a:avLst/>
+          </a:prstGeom>
+          <a:solidFill>
+            <a:schemeClr val="accent1">
+              <a:lumMod val="60000"/>
+              <a:lumOff val="40000"/>
+            </a:schemeClr>
+          </a:solidFill>
+          <a:ln>
+            <a:solidFill>
+              <a:schemeClr val="tx1"/>
+            </a:solidFill>
+          </a:ln>
+        </p:spPr>
+        <p:style>
+          <a:lnRef idx="2">
+            <a:schemeClr val="accent1">
+              <a:shade val="50000"/>
+            </a:schemeClr>
+          </a:lnRef>
+          <a:fillRef idx="1">
+            <a:schemeClr val="accent1"/>
+          </a:fillRef>
+          <a:effectRef idx="0">
+            <a:schemeClr val="accent1"/>
+          </a:effectRef>
+          <a:fontRef idx="minor">
+            <a:schemeClr val="lt1"/>
+          </a:fontRef>
+        </p:style>
+        <p:txBody>
+          <a:bodyPr rtlCol="0" anchor="ctr"/>
+          <a:lstStyle/>
+          <a:p>
+            <a:pPr algn="ctr"/>
+            <a:endParaRPr lang="en-US"/>
+          </a:p>
+        </p:txBody>
+      </p:sp>
+      <p:cxnSp>
+        <p:nvCxnSpPr>
+          <p:cNvPr id="142" name="Straight Connector 141"/>
+          <p:cNvCxnSpPr>
+            <a:stCxn id="140" idx="2"/>
+            <a:endCxn id="138" idx="6"/>
+          </p:cNvCxnSpPr>
+          <p:nvPr/>
+        </p:nvCxnSpPr>
+        <p:spPr>
+          <a:xfrm flipH="1">
+            <a:off x="7040274" y="4961340"/>
+            <a:ext cx="1337737" cy="0"/>
+          </a:xfrm>
+          <a:prstGeom prst="line">
+            <a:avLst/>
+          </a:prstGeom>
+          <a:ln w="15875">
+            <a:solidFill>
+              <a:schemeClr val="tx1"/>
+            </a:solidFill>
+            <a:prstDash val="dash"/>
+          </a:ln>
+        </p:spPr>
+        <p:style>
+          <a:lnRef idx="1">
+            <a:schemeClr val="accent1"/>
+          </a:lnRef>
+          <a:fillRef idx="0">
+            <a:schemeClr val="accent1"/>
+          </a:fillRef>
+          <a:effectRef idx="0">
+            <a:schemeClr val="accent1"/>
+          </a:effectRef>
+          <a:fontRef idx="minor">
+            <a:schemeClr val="tx1"/>
+          </a:fontRef>
+        </p:style>
+      </p:cxnSp>
+      <p:cxnSp>
+        <p:nvCxnSpPr>
+          <p:cNvPr id="143" name="Straight Connector 142"/>
+          <p:cNvCxnSpPr>
+            <a:stCxn id="141" idx="2"/>
+            <a:endCxn id="139" idx="6"/>
+          </p:cNvCxnSpPr>
+          <p:nvPr/>
+        </p:nvCxnSpPr>
+        <p:spPr>
+          <a:xfrm flipH="1">
+            <a:off x="7040274" y="5781387"/>
+            <a:ext cx="1337737" cy="0"/>
+          </a:xfrm>
+          <a:prstGeom prst="line">
+            <a:avLst/>
+          </a:prstGeom>
+          <a:ln w="15875">
+            <a:solidFill>
+              <a:schemeClr val="tx1"/>
+            </a:solidFill>
+            <a:prstDash val="dash"/>
+          </a:ln>
+        </p:spPr>
+        <p:style>
+          <a:lnRef idx="1">
+            <a:schemeClr val="accent1"/>
+          </a:lnRef>
+          <a:fillRef idx="0">
+            <a:schemeClr val="accent1"/>
+          </a:fillRef>
+          <a:effectRef idx="0">
+            <a:schemeClr val="accent1"/>
+          </a:effectRef>
+          <a:fontRef idx="minor">
+            <a:schemeClr val="tx1"/>
+          </a:fontRef>
+        </p:style>
+      </p:cxnSp>
+      <p:cxnSp>
+        <p:nvCxnSpPr>
+          <p:cNvPr id="144" name="Straight Connector 143"/>
+          <p:cNvCxnSpPr>
+            <a:stCxn id="141" idx="1"/>
+            <a:endCxn id="138" idx="5"/>
+          </p:cNvCxnSpPr>
+          <p:nvPr/>
+        </p:nvCxnSpPr>
+        <p:spPr>
+          <a:xfrm flipH="1" flipV="1">
+            <a:off x="7020435" y="5009234"/>
+            <a:ext cx="1377415" cy="724258"/>
+          </a:xfrm>
+          <a:prstGeom prst="line">
+            <a:avLst/>
+          </a:prstGeom>
+          <a:ln w="38100">
+            <a:solidFill>
+              <a:schemeClr val="tx1"/>
+            </a:solidFill>
+          </a:ln>
+        </p:spPr>
+        <p:style>
+          <a:lnRef idx="1">
+            <a:schemeClr val="accent1"/>
+          </a:lnRef>
+          <a:fillRef idx="0">
+            <a:schemeClr val="accent1"/>
+          </a:fillRef>
+          <a:effectRef idx="0">
+            <a:schemeClr val="accent1"/>
+          </a:effectRef>
+          <a:fontRef idx="minor">
+            <a:schemeClr val="tx1"/>
+          </a:fontRef>
+        </p:style>
+      </p:cxnSp>
+      <p:cxnSp>
+        <p:nvCxnSpPr>
+          <p:cNvPr id="145" name="Straight Connector 144"/>
+          <p:cNvCxnSpPr>
+            <a:stCxn id="140" idx="3"/>
+            <a:endCxn id="139" idx="7"/>
+          </p:cNvCxnSpPr>
+          <p:nvPr/>
+        </p:nvCxnSpPr>
+        <p:spPr>
+          <a:xfrm flipH="1">
+            <a:off x="7020435" y="5009234"/>
+            <a:ext cx="1377415" cy="724258"/>
+          </a:xfrm>
+          <a:prstGeom prst="line">
+            <a:avLst/>
+          </a:prstGeom>
+          <a:ln w="38100">
+            <a:solidFill>
+              <a:schemeClr val="tx1"/>
+            </a:solidFill>
+          </a:ln>
+        </p:spPr>
+        <p:style>
+          <a:lnRef idx="1">
+            <a:schemeClr val="accent1"/>
+          </a:lnRef>
+          <a:fillRef idx="0">
+            <a:schemeClr val="accent1"/>
+          </a:fillRef>
+          <a:effectRef idx="0">
+            <a:schemeClr val="accent1"/>
+          </a:effectRef>
+          <a:fontRef idx="minor">
+            <a:schemeClr val="tx1"/>
+          </a:fontRef>
+        </p:style>
+      </p:cxnSp>
+      <p:sp>
+        <p:nvSpPr>
+          <p:cNvPr id="150" name="Oval 149"/>
+          <p:cNvSpPr/>
+          <p:nvPr/>
+        </p:nvSpPr>
+        <p:spPr>
+          <a:xfrm>
+            <a:off x="7603212" y="4754247"/>
+            <a:ext cx="225827" cy="173226"/>
+          </a:xfrm>
+          <a:prstGeom prst="ellipse">
+            <a:avLst/>
+          </a:prstGeom>
+          <a:noFill/>
+          <a:ln>
+            <a:solidFill>
+              <a:schemeClr val="tx1"/>
+            </a:solidFill>
+          </a:ln>
+        </p:spPr>
+        <p:style>
+          <a:lnRef idx="2">
+            <a:schemeClr val="accent1">
+              <a:shade val="50000"/>
+            </a:schemeClr>
+          </a:lnRef>
+          <a:fillRef idx="1">
+            <a:schemeClr val="accent1"/>
+          </a:fillRef>
+          <a:effectRef idx="0">
+            <a:schemeClr val="accent1"/>
+          </a:effectRef>
+          <a:fontRef idx="minor">
+            <a:schemeClr val="lt1"/>
+          </a:fontRef>
+        </p:style>
+        <p:txBody>
+          <a:bodyPr rtlCol="0" anchor="ctr"/>
+          <a:lstStyle/>
+          <a:p>
+            <a:pPr algn="ctr"/>
+            <a:r>
+              <a:rPr lang="en-US" sz="1200" dirty="0">
+                <a:solidFill>
+                  <a:schemeClr val="tx1"/>
+                </a:solidFill>
+              </a:rPr>
+              <a:t>6</a:t>
+            </a:r>
+            <a:endParaRPr lang="en-US" sz="1200" dirty="0">
+              <a:solidFill>
+                <a:schemeClr val="tx1"/>
+              </a:solidFill>
+            </a:endParaRPr>
+          </a:p>
+        </p:txBody>
+      </p:sp>
+      <p:sp>
+        <p:nvSpPr>
+          <p:cNvPr id="151" name="Oval 150"/>
+          <p:cNvSpPr/>
+          <p:nvPr/>
+        </p:nvSpPr>
+        <p:spPr>
+          <a:xfrm>
+            <a:off x="7605539" y="5827838"/>
+            <a:ext cx="225827" cy="173226"/>
+          </a:xfrm>
+          <a:prstGeom prst="ellipse">
+            <a:avLst/>
+          </a:prstGeom>
+          <a:noFill/>
+          <a:ln>
+            <a:solidFill>
+              <a:schemeClr val="tx1"/>
+            </a:solidFill>
+          </a:ln>
+        </p:spPr>
+        <p:style>
+          <a:lnRef idx="2">
+            <a:schemeClr val="accent1">
+              <a:shade val="50000"/>
+            </a:schemeClr>
+          </a:lnRef>
+          <a:fillRef idx="1">
+            <a:schemeClr val="accent1"/>
+          </a:fillRef>
+          <a:effectRef idx="0">
+            <a:schemeClr val="accent1"/>
+          </a:effectRef>
+          <a:fontRef idx="minor">
+            <a:schemeClr val="lt1"/>
+          </a:fontRef>
+        </p:style>
+        <p:txBody>
+          <a:bodyPr rtlCol="0" anchor="ctr"/>
+          <a:lstStyle/>
+          <a:p>
+            <a:pPr algn="ctr"/>
+            <a:r>
+              <a:rPr lang="en-US" sz="1200" dirty="0" smtClean="0">
+                <a:solidFill>
+                  <a:schemeClr val="tx1"/>
+                </a:solidFill>
+              </a:rPr>
+              <a:t>1</a:t>
+            </a:r>
+            <a:endParaRPr lang="en-US" sz="1200" dirty="0">
+              <a:solidFill>
+                <a:schemeClr val="tx1"/>
+              </a:solidFill>
+            </a:endParaRPr>
+          </a:p>
+        </p:txBody>
+      </p:sp>
+      <p:sp>
+        <p:nvSpPr>
+          <p:cNvPr id="152" name="Oval 151"/>
+          <p:cNvSpPr/>
+          <p:nvPr/>
+        </p:nvSpPr>
+        <p:spPr>
+          <a:xfrm>
+            <a:off x="7106084" y="5151002"/>
+            <a:ext cx="225827" cy="173226"/>
+          </a:xfrm>
+          <a:prstGeom prst="ellipse">
+            <a:avLst/>
+          </a:prstGeom>
+          <a:noFill/>
+          <a:ln>
+            <a:solidFill>
+              <a:schemeClr val="tx1"/>
+            </a:solidFill>
+          </a:ln>
+        </p:spPr>
+        <p:style>
+          <a:lnRef idx="2">
+            <a:schemeClr val="accent1">
+              <a:shade val="50000"/>
+            </a:schemeClr>
+          </a:lnRef>
+          <a:fillRef idx="1">
+            <a:schemeClr val="accent1"/>
+          </a:fillRef>
+          <a:effectRef idx="0">
+            <a:schemeClr val="accent1"/>
+          </a:effectRef>
+          <a:fontRef idx="minor">
+            <a:schemeClr val="lt1"/>
+          </a:fontRef>
+        </p:style>
+        <p:txBody>
+          <a:bodyPr rtlCol="0" anchor="ctr"/>
+          <a:lstStyle/>
+          <a:p>
+            <a:pPr algn="ctr"/>
+            <a:r>
+              <a:rPr lang="en-US" sz="1200" dirty="0" smtClean="0">
+                <a:solidFill>
+                  <a:schemeClr val="tx1"/>
+                </a:solidFill>
+              </a:rPr>
+              <a:t>2</a:t>
+            </a:r>
+            <a:endParaRPr lang="en-US" sz="1200" dirty="0">
+              <a:solidFill>
+                <a:schemeClr val="tx1"/>
+              </a:solidFill>
+            </a:endParaRPr>
+          </a:p>
+        </p:txBody>
+      </p:sp>
+      <p:sp>
+        <p:nvSpPr>
+          <p:cNvPr id="153" name="Oval 152"/>
+          <p:cNvSpPr/>
+          <p:nvPr/>
+        </p:nvSpPr>
+        <p:spPr>
+          <a:xfrm>
+            <a:off x="7409313" y="5529649"/>
+            <a:ext cx="225827" cy="173226"/>
+          </a:xfrm>
+          <a:prstGeom prst="ellipse">
+            <a:avLst/>
+          </a:prstGeom>
+          <a:noFill/>
+          <a:ln>
+            <a:solidFill>
+              <a:schemeClr val="tx1"/>
+            </a:solidFill>
+          </a:ln>
+        </p:spPr>
+        <p:style>
+          <a:lnRef idx="2">
+            <a:schemeClr val="accent1">
+              <a:shade val="50000"/>
+            </a:schemeClr>
+          </a:lnRef>
+          <a:fillRef idx="1">
+            <a:schemeClr val="accent1"/>
+          </a:fillRef>
+          <a:effectRef idx="0">
+            <a:schemeClr val="accent1"/>
+          </a:effectRef>
+          <a:fontRef idx="minor">
+            <a:schemeClr val="lt1"/>
+          </a:fontRef>
+        </p:style>
+        <p:txBody>
+          <a:bodyPr rtlCol="0" anchor="ctr"/>
+          <a:lstStyle/>
+          <a:p>
+            <a:pPr algn="ctr"/>
+            <a:r>
+              <a:rPr lang="en-US" sz="1200" dirty="0">
+                <a:solidFill>
+                  <a:schemeClr val="tx1"/>
+                </a:solidFill>
+              </a:rPr>
+              <a:t>5</a:t>
+            </a:r>
+            <a:endParaRPr lang="en-US" sz="1200" dirty="0">
+              <a:solidFill>
+                <a:schemeClr val="tx1"/>
+              </a:solidFill>
+            </a:endParaRPr>
+          </a:p>
+        </p:txBody>
+      </p:sp>
+      <p:sp>
+        <p:nvSpPr>
+          <p:cNvPr id="26" name="TextBox 25"/>
+          <p:cNvSpPr txBox="1"/>
+          <p:nvPr/>
+        </p:nvSpPr>
+        <p:spPr>
+          <a:xfrm>
+            <a:off x="4461537" y="4241556"/>
+            <a:ext cx="1163332" cy="400110"/>
+          </a:xfrm>
+          <a:prstGeom prst="rect">
+            <a:avLst/>
+          </a:prstGeom>
+          <a:noFill/>
+        </p:spPr>
+        <p:txBody>
+          <a:bodyPr wrap="none" rtlCol="0">
+            <a:spAutoFit/>
+          </a:bodyPr>
+          <a:lstStyle/>
+          <a:p>
+            <a:r>
+              <a:rPr lang="en-US" sz="2000" dirty="0" smtClean="0"/>
+              <a:t>max-sum</a:t>
+            </a:r>
+            <a:endParaRPr lang="en-US" sz="2000" dirty="0"/>
+          </a:p>
+        </p:txBody>
+      </p:sp>
+      <p:sp>
+        <p:nvSpPr>
+          <p:cNvPr id="154" name="TextBox 153"/>
+          <p:cNvSpPr txBox="1"/>
+          <p:nvPr/>
+        </p:nvSpPr>
+        <p:spPr>
+          <a:xfrm>
+            <a:off x="7241626" y="4242250"/>
+            <a:ext cx="942887" cy="400110"/>
+          </a:xfrm>
+          <a:prstGeom prst="rect">
+            <a:avLst/>
+          </a:prstGeom>
+          <a:noFill/>
+        </p:spPr>
+        <p:txBody>
+          <a:bodyPr wrap="none" rtlCol="0">
+            <a:spAutoFit/>
+          </a:bodyPr>
+          <a:lstStyle/>
+          <a:p>
+            <a:r>
+              <a:rPr lang="en-US" sz="2000" dirty="0" err="1" smtClean="0"/>
+              <a:t>lexmax</a:t>
+            </a:r>
+            <a:endParaRPr lang="en-US" sz="2000" dirty="0"/>
+          </a:p>
+        </p:txBody>
+      </p:sp>
     </p:spTree>
     <p:extLst>
       <p:ext uri="{BB962C8B-B14F-4D97-AF65-F5344CB8AC3E}">
@@ -4919,6 +9343,2883 @@
       </p:par>
     </p:tnLst>
   </p:timing>
+</p:sld>
+</file>
+
+<file path=ppt/slides/slide2.xml><?xml version="1.0" encoding="utf-8"?>
+<p:sld xmlns:a="http://schemas.openxmlformats.org/drawingml/2006/main" xmlns:r="http://schemas.openxmlformats.org/officeDocument/2006/relationships" xmlns:p="http://schemas.openxmlformats.org/presentationml/2006/main">
+  <p:cSld>
+    <p:spTree>
+      <p:nvGrpSpPr>
+        <p:cNvPr id="1" name=""/>
+        <p:cNvGrpSpPr/>
+        <p:nvPr/>
+      </p:nvGrpSpPr>
+      <p:grpSpPr>
+        <a:xfrm>
+          <a:off x="0" y="0"/>
+          <a:ext cx="0" cy="0"/>
+          <a:chOff x="0" y="0"/>
+          <a:chExt cx="0" cy="0"/>
+        </a:xfrm>
+      </p:grpSpPr>
+      <p:sp>
+        <p:nvSpPr>
+          <p:cNvPr id="4" name="Oval 3"/>
+          <p:cNvSpPr/>
+          <p:nvPr/>
+        </p:nvSpPr>
+        <p:spPr>
+          <a:xfrm rot="5400000">
+            <a:off x="3315553" y="2013033"/>
+            <a:ext cx="135466" cy="135467"/>
+          </a:xfrm>
+          <a:prstGeom prst="ellipse">
+            <a:avLst/>
+          </a:prstGeom>
+          <a:solidFill>
+            <a:schemeClr val="accent6">
+              <a:lumMod val="40000"/>
+              <a:lumOff val="60000"/>
+            </a:schemeClr>
+          </a:solidFill>
+          <a:ln>
+            <a:solidFill>
+              <a:schemeClr val="tx1"/>
+            </a:solidFill>
+          </a:ln>
+        </p:spPr>
+        <p:style>
+          <a:lnRef idx="2">
+            <a:schemeClr val="accent1">
+              <a:shade val="50000"/>
+            </a:schemeClr>
+          </a:lnRef>
+          <a:fillRef idx="1">
+            <a:schemeClr val="accent1"/>
+          </a:fillRef>
+          <a:effectRef idx="0">
+            <a:schemeClr val="accent1"/>
+          </a:effectRef>
+          <a:fontRef idx="minor">
+            <a:schemeClr val="lt1"/>
+          </a:fontRef>
+        </p:style>
+        <p:txBody>
+          <a:bodyPr rtlCol="0" anchor="ctr"/>
+          <a:lstStyle/>
+          <a:p>
+            <a:pPr algn="ctr"/>
+            <a:endParaRPr lang="en-US"/>
+          </a:p>
+        </p:txBody>
+      </p:sp>
+      <p:sp>
+        <p:nvSpPr>
+          <p:cNvPr id="5" name="Oval 4"/>
+          <p:cNvSpPr/>
+          <p:nvPr/>
+        </p:nvSpPr>
+        <p:spPr>
+          <a:xfrm rot="5400000">
+            <a:off x="2816020" y="2013033"/>
+            <a:ext cx="135466" cy="135467"/>
+          </a:xfrm>
+          <a:prstGeom prst="ellipse">
+            <a:avLst/>
+          </a:prstGeom>
+          <a:solidFill>
+            <a:schemeClr val="accent6">
+              <a:lumMod val="40000"/>
+              <a:lumOff val="60000"/>
+            </a:schemeClr>
+          </a:solidFill>
+          <a:ln>
+            <a:solidFill>
+              <a:schemeClr val="tx1"/>
+            </a:solidFill>
+          </a:ln>
+        </p:spPr>
+        <p:style>
+          <a:lnRef idx="2">
+            <a:schemeClr val="accent1">
+              <a:shade val="50000"/>
+            </a:schemeClr>
+          </a:lnRef>
+          <a:fillRef idx="1">
+            <a:schemeClr val="accent1"/>
+          </a:fillRef>
+          <a:effectRef idx="0">
+            <a:schemeClr val="accent1"/>
+          </a:effectRef>
+          <a:fontRef idx="minor">
+            <a:schemeClr val="lt1"/>
+          </a:fontRef>
+        </p:style>
+        <p:txBody>
+          <a:bodyPr rtlCol="0" anchor="ctr"/>
+          <a:lstStyle/>
+          <a:p>
+            <a:pPr algn="ctr"/>
+            <a:endParaRPr lang="en-US"/>
+          </a:p>
+        </p:txBody>
+      </p:sp>
+      <p:sp>
+        <p:nvSpPr>
+          <p:cNvPr id="6" name="Oval 5"/>
+          <p:cNvSpPr/>
+          <p:nvPr/>
+        </p:nvSpPr>
+        <p:spPr>
+          <a:xfrm rot="5400000">
+            <a:off x="2316487" y="2013033"/>
+            <a:ext cx="135466" cy="135467"/>
+          </a:xfrm>
+          <a:prstGeom prst="ellipse">
+            <a:avLst/>
+          </a:prstGeom>
+          <a:solidFill>
+            <a:schemeClr val="accent6">
+              <a:lumMod val="40000"/>
+              <a:lumOff val="60000"/>
+            </a:schemeClr>
+          </a:solidFill>
+          <a:ln>
+            <a:solidFill>
+              <a:schemeClr val="tx1"/>
+            </a:solidFill>
+          </a:ln>
+        </p:spPr>
+        <p:style>
+          <a:lnRef idx="2">
+            <a:schemeClr val="accent1">
+              <a:shade val="50000"/>
+            </a:schemeClr>
+          </a:lnRef>
+          <a:fillRef idx="1">
+            <a:schemeClr val="accent1"/>
+          </a:fillRef>
+          <a:effectRef idx="0">
+            <a:schemeClr val="accent1"/>
+          </a:effectRef>
+          <a:fontRef idx="minor">
+            <a:schemeClr val="lt1"/>
+          </a:fontRef>
+        </p:style>
+        <p:txBody>
+          <a:bodyPr rtlCol="0" anchor="ctr"/>
+          <a:lstStyle/>
+          <a:p>
+            <a:pPr algn="ctr"/>
+            <a:endParaRPr lang="en-US"/>
+          </a:p>
+        </p:txBody>
+      </p:sp>
+      <p:sp>
+        <p:nvSpPr>
+          <p:cNvPr id="7" name="Oval 6"/>
+          <p:cNvSpPr/>
+          <p:nvPr/>
+        </p:nvSpPr>
+        <p:spPr>
+          <a:xfrm rot="5400000">
+            <a:off x="3815086" y="3486236"/>
+            <a:ext cx="135466" cy="135467"/>
+          </a:xfrm>
+          <a:prstGeom prst="ellipse">
+            <a:avLst/>
+          </a:prstGeom>
+          <a:solidFill>
+            <a:schemeClr val="accent1">
+              <a:lumMod val="60000"/>
+              <a:lumOff val="40000"/>
+            </a:schemeClr>
+          </a:solidFill>
+          <a:ln>
+            <a:solidFill>
+              <a:schemeClr val="tx1"/>
+            </a:solidFill>
+          </a:ln>
+        </p:spPr>
+        <p:style>
+          <a:lnRef idx="2">
+            <a:schemeClr val="accent1">
+              <a:shade val="50000"/>
+            </a:schemeClr>
+          </a:lnRef>
+          <a:fillRef idx="1">
+            <a:schemeClr val="accent1"/>
+          </a:fillRef>
+          <a:effectRef idx="0">
+            <a:schemeClr val="accent1"/>
+          </a:effectRef>
+          <a:fontRef idx="minor">
+            <a:schemeClr val="lt1"/>
+          </a:fontRef>
+        </p:style>
+        <p:txBody>
+          <a:bodyPr rtlCol="0" anchor="ctr"/>
+          <a:lstStyle/>
+          <a:p>
+            <a:pPr algn="ctr"/>
+            <a:endParaRPr lang="en-US"/>
+          </a:p>
+        </p:txBody>
+      </p:sp>
+      <p:sp>
+        <p:nvSpPr>
+          <p:cNvPr id="8" name="Oval 7"/>
+          <p:cNvSpPr/>
+          <p:nvPr/>
+        </p:nvSpPr>
+        <p:spPr>
+          <a:xfrm rot="5400000">
+            <a:off x="3315553" y="3486236"/>
+            <a:ext cx="135466" cy="135467"/>
+          </a:xfrm>
+          <a:prstGeom prst="ellipse">
+            <a:avLst/>
+          </a:prstGeom>
+          <a:solidFill>
+            <a:schemeClr val="accent1">
+              <a:lumMod val="60000"/>
+              <a:lumOff val="40000"/>
+            </a:schemeClr>
+          </a:solidFill>
+          <a:ln>
+            <a:solidFill>
+              <a:schemeClr val="tx1"/>
+            </a:solidFill>
+          </a:ln>
+        </p:spPr>
+        <p:style>
+          <a:lnRef idx="2">
+            <a:schemeClr val="accent1">
+              <a:shade val="50000"/>
+            </a:schemeClr>
+          </a:lnRef>
+          <a:fillRef idx="1">
+            <a:schemeClr val="accent1"/>
+          </a:fillRef>
+          <a:effectRef idx="0">
+            <a:schemeClr val="accent1"/>
+          </a:effectRef>
+          <a:fontRef idx="minor">
+            <a:schemeClr val="lt1"/>
+          </a:fontRef>
+        </p:style>
+        <p:txBody>
+          <a:bodyPr rtlCol="0" anchor="ctr"/>
+          <a:lstStyle/>
+          <a:p>
+            <a:pPr algn="ctr"/>
+            <a:endParaRPr lang="en-US"/>
+          </a:p>
+        </p:txBody>
+      </p:sp>
+      <p:sp>
+        <p:nvSpPr>
+          <p:cNvPr id="9" name="Oval 8"/>
+          <p:cNvSpPr/>
+          <p:nvPr/>
+        </p:nvSpPr>
+        <p:spPr>
+          <a:xfrm rot="5400000">
+            <a:off x="2816020" y="3486236"/>
+            <a:ext cx="135466" cy="135467"/>
+          </a:xfrm>
+          <a:prstGeom prst="ellipse">
+            <a:avLst/>
+          </a:prstGeom>
+          <a:solidFill>
+            <a:schemeClr val="accent1">
+              <a:lumMod val="60000"/>
+              <a:lumOff val="40000"/>
+            </a:schemeClr>
+          </a:solidFill>
+          <a:ln>
+            <a:solidFill>
+              <a:schemeClr val="tx1"/>
+            </a:solidFill>
+          </a:ln>
+        </p:spPr>
+        <p:style>
+          <a:lnRef idx="2">
+            <a:schemeClr val="accent1">
+              <a:shade val="50000"/>
+            </a:schemeClr>
+          </a:lnRef>
+          <a:fillRef idx="1">
+            <a:schemeClr val="accent1"/>
+          </a:fillRef>
+          <a:effectRef idx="0">
+            <a:schemeClr val="accent1"/>
+          </a:effectRef>
+          <a:fontRef idx="minor">
+            <a:schemeClr val="lt1"/>
+          </a:fontRef>
+        </p:style>
+        <p:txBody>
+          <a:bodyPr rtlCol="0" anchor="ctr"/>
+          <a:lstStyle/>
+          <a:p>
+            <a:pPr algn="ctr"/>
+            <a:endParaRPr lang="en-US"/>
+          </a:p>
+        </p:txBody>
+      </p:sp>
+      <p:sp>
+        <p:nvSpPr>
+          <p:cNvPr id="10" name="Oval 9"/>
+          <p:cNvSpPr/>
+          <p:nvPr/>
+        </p:nvSpPr>
+        <p:spPr>
+          <a:xfrm rot="5400000">
+            <a:off x="2316487" y="3486236"/>
+            <a:ext cx="135466" cy="135467"/>
+          </a:xfrm>
+          <a:prstGeom prst="ellipse">
+            <a:avLst/>
+          </a:prstGeom>
+          <a:solidFill>
+            <a:schemeClr val="accent1">
+              <a:lumMod val="60000"/>
+              <a:lumOff val="40000"/>
+            </a:schemeClr>
+          </a:solidFill>
+          <a:ln>
+            <a:solidFill>
+              <a:schemeClr val="tx1"/>
+            </a:solidFill>
+          </a:ln>
+        </p:spPr>
+        <p:style>
+          <a:lnRef idx="2">
+            <a:schemeClr val="accent1">
+              <a:shade val="50000"/>
+            </a:schemeClr>
+          </a:lnRef>
+          <a:fillRef idx="1">
+            <a:schemeClr val="accent1"/>
+          </a:fillRef>
+          <a:effectRef idx="0">
+            <a:schemeClr val="accent1"/>
+          </a:effectRef>
+          <a:fontRef idx="minor">
+            <a:schemeClr val="lt1"/>
+          </a:fontRef>
+        </p:style>
+        <p:txBody>
+          <a:bodyPr rtlCol="0" anchor="ctr"/>
+          <a:lstStyle/>
+          <a:p>
+            <a:pPr algn="ctr"/>
+            <a:endParaRPr lang="en-US"/>
+          </a:p>
+        </p:txBody>
+      </p:sp>
+      <p:sp>
+        <p:nvSpPr>
+          <p:cNvPr id="11" name="Oval 10"/>
+          <p:cNvSpPr/>
+          <p:nvPr/>
+        </p:nvSpPr>
+        <p:spPr>
+          <a:xfrm rot="5400000">
+            <a:off x="1816954" y="3486236"/>
+            <a:ext cx="135466" cy="135467"/>
+          </a:xfrm>
+          <a:prstGeom prst="ellipse">
+            <a:avLst/>
+          </a:prstGeom>
+          <a:solidFill>
+            <a:schemeClr val="accent1">
+              <a:lumMod val="60000"/>
+              <a:lumOff val="40000"/>
+            </a:schemeClr>
+          </a:solidFill>
+          <a:ln>
+            <a:solidFill>
+              <a:schemeClr val="tx1"/>
+            </a:solidFill>
+          </a:ln>
+        </p:spPr>
+        <p:style>
+          <a:lnRef idx="2">
+            <a:schemeClr val="accent1">
+              <a:shade val="50000"/>
+            </a:schemeClr>
+          </a:lnRef>
+          <a:fillRef idx="1">
+            <a:schemeClr val="accent1"/>
+          </a:fillRef>
+          <a:effectRef idx="0">
+            <a:schemeClr val="accent1"/>
+          </a:effectRef>
+          <a:fontRef idx="minor">
+            <a:schemeClr val="lt1"/>
+          </a:fontRef>
+        </p:style>
+        <p:txBody>
+          <a:bodyPr rtlCol="0" anchor="ctr"/>
+          <a:lstStyle/>
+          <a:p>
+            <a:pPr algn="ctr"/>
+            <a:endParaRPr lang="en-US"/>
+          </a:p>
+        </p:txBody>
+      </p:sp>
+      <p:cxnSp>
+        <p:nvCxnSpPr>
+          <p:cNvPr id="12" name="Straight Connector 11"/>
+          <p:cNvCxnSpPr>
+            <a:stCxn id="4" idx="6"/>
+            <a:endCxn id="8" idx="2"/>
+          </p:cNvCxnSpPr>
+          <p:nvPr/>
+        </p:nvCxnSpPr>
+        <p:spPr>
+          <a:xfrm rot="5400000">
+            <a:off x="2714417" y="2817368"/>
+            <a:ext cx="1337737" cy="0"/>
+          </a:xfrm>
+          <a:prstGeom prst="line">
+            <a:avLst/>
+          </a:prstGeom>
+          <a:ln w="38100">
+            <a:solidFill>
+              <a:schemeClr val="tx1"/>
+            </a:solidFill>
+            <a:prstDash val="solid"/>
+          </a:ln>
+        </p:spPr>
+        <p:style>
+          <a:lnRef idx="1">
+            <a:schemeClr val="accent1"/>
+          </a:lnRef>
+          <a:fillRef idx="0">
+            <a:schemeClr val="accent1"/>
+          </a:fillRef>
+          <a:effectRef idx="0">
+            <a:schemeClr val="accent1"/>
+          </a:effectRef>
+          <a:fontRef idx="minor">
+            <a:schemeClr val="tx1"/>
+          </a:fontRef>
+        </p:style>
+      </p:cxnSp>
+      <p:cxnSp>
+        <p:nvCxnSpPr>
+          <p:cNvPr id="13" name="Straight Connector 12"/>
+          <p:cNvCxnSpPr>
+            <a:stCxn id="4" idx="6"/>
+            <a:endCxn id="10" idx="2"/>
+          </p:cNvCxnSpPr>
+          <p:nvPr/>
+        </p:nvCxnSpPr>
+        <p:spPr>
+          <a:xfrm rot="5400000">
+            <a:off x="2214884" y="2317835"/>
+            <a:ext cx="1337737" cy="999066"/>
+          </a:xfrm>
+          <a:prstGeom prst="line">
+            <a:avLst/>
+          </a:prstGeom>
+          <a:ln w="38100">
+            <a:solidFill>
+              <a:schemeClr val="tx1"/>
+            </a:solidFill>
+            <a:prstDash val="solid"/>
+          </a:ln>
+        </p:spPr>
+        <p:style>
+          <a:lnRef idx="1">
+            <a:schemeClr val="accent1"/>
+          </a:lnRef>
+          <a:fillRef idx="0">
+            <a:schemeClr val="accent1"/>
+          </a:fillRef>
+          <a:effectRef idx="0">
+            <a:schemeClr val="accent1"/>
+          </a:effectRef>
+          <a:fontRef idx="minor">
+            <a:schemeClr val="tx1"/>
+          </a:fontRef>
+        </p:style>
+      </p:cxnSp>
+      <p:cxnSp>
+        <p:nvCxnSpPr>
+          <p:cNvPr id="14" name="Straight Connector 13"/>
+          <p:cNvCxnSpPr>
+            <a:stCxn id="4" idx="6"/>
+            <a:endCxn id="11" idx="2"/>
+          </p:cNvCxnSpPr>
+          <p:nvPr/>
+        </p:nvCxnSpPr>
+        <p:spPr>
+          <a:xfrm rot="5400000">
+            <a:off x="1965117" y="2068068"/>
+            <a:ext cx="1337737" cy="1498599"/>
+          </a:xfrm>
+          <a:prstGeom prst="line">
+            <a:avLst/>
+          </a:prstGeom>
+          <a:ln w="38100">
+            <a:solidFill>
+              <a:schemeClr val="tx1"/>
+            </a:solidFill>
+            <a:prstDash val="solid"/>
+          </a:ln>
+        </p:spPr>
+        <p:style>
+          <a:lnRef idx="1">
+            <a:schemeClr val="accent1"/>
+          </a:lnRef>
+          <a:fillRef idx="0">
+            <a:schemeClr val="accent1"/>
+          </a:fillRef>
+          <a:effectRef idx="0">
+            <a:schemeClr val="accent1"/>
+          </a:effectRef>
+          <a:fontRef idx="minor">
+            <a:schemeClr val="tx1"/>
+          </a:fontRef>
+        </p:style>
+      </p:cxnSp>
+      <p:cxnSp>
+        <p:nvCxnSpPr>
+          <p:cNvPr id="15" name="Straight Connector 14"/>
+          <p:cNvCxnSpPr>
+            <a:stCxn id="5" idx="6"/>
+            <a:endCxn id="7" idx="2"/>
+          </p:cNvCxnSpPr>
+          <p:nvPr/>
+        </p:nvCxnSpPr>
+        <p:spPr>
+          <a:xfrm rot="5400000" flipV="1">
+            <a:off x="2714417" y="2317835"/>
+            <a:ext cx="1337737" cy="999066"/>
+          </a:xfrm>
+          <a:prstGeom prst="line">
+            <a:avLst/>
+          </a:prstGeom>
+          <a:ln w="38100">
+            <a:solidFill>
+              <a:schemeClr val="tx1"/>
+            </a:solidFill>
+            <a:prstDash val="solid"/>
+          </a:ln>
+        </p:spPr>
+        <p:style>
+          <a:lnRef idx="1">
+            <a:schemeClr val="accent1"/>
+          </a:lnRef>
+          <a:fillRef idx="0">
+            <a:schemeClr val="accent1"/>
+          </a:fillRef>
+          <a:effectRef idx="0">
+            <a:schemeClr val="accent1"/>
+          </a:effectRef>
+          <a:fontRef idx="minor">
+            <a:schemeClr val="tx1"/>
+          </a:fontRef>
+        </p:style>
+      </p:cxnSp>
+      <p:cxnSp>
+        <p:nvCxnSpPr>
+          <p:cNvPr id="16" name="Straight Connector 15"/>
+          <p:cNvCxnSpPr>
+            <a:stCxn id="5" idx="6"/>
+            <a:endCxn id="9" idx="2"/>
+          </p:cNvCxnSpPr>
+          <p:nvPr/>
+        </p:nvCxnSpPr>
+        <p:spPr>
+          <a:xfrm rot="5400000">
+            <a:off x="2214884" y="2817368"/>
+            <a:ext cx="1337737" cy="0"/>
+          </a:xfrm>
+          <a:prstGeom prst="line">
+            <a:avLst/>
+          </a:prstGeom>
+          <a:ln w="38100">
+            <a:solidFill>
+              <a:schemeClr val="tx1"/>
+            </a:solidFill>
+            <a:prstDash val="solid"/>
+          </a:ln>
+        </p:spPr>
+        <p:style>
+          <a:lnRef idx="1">
+            <a:schemeClr val="accent1"/>
+          </a:lnRef>
+          <a:fillRef idx="0">
+            <a:schemeClr val="accent1"/>
+          </a:fillRef>
+          <a:effectRef idx="0">
+            <a:schemeClr val="accent1"/>
+          </a:effectRef>
+          <a:fontRef idx="minor">
+            <a:schemeClr val="tx1"/>
+          </a:fontRef>
+        </p:style>
+      </p:cxnSp>
+      <p:cxnSp>
+        <p:nvCxnSpPr>
+          <p:cNvPr id="17" name="Straight Connector 16"/>
+          <p:cNvCxnSpPr>
+            <a:stCxn id="6" idx="6"/>
+            <a:endCxn id="11" idx="2"/>
+          </p:cNvCxnSpPr>
+          <p:nvPr/>
+        </p:nvCxnSpPr>
+        <p:spPr>
+          <a:xfrm rot="5400000">
+            <a:off x="1465584" y="2567601"/>
+            <a:ext cx="1337737" cy="499533"/>
+          </a:xfrm>
+          <a:prstGeom prst="line">
+            <a:avLst/>
+          </a:prstGeom>
+          <a:ln w="38100">
+            <a:solidFill>
+              <a:schemeClr val="tx1"/>
+            </a:solidFill>
+            <a:prstDash val="solid"/>
+          </a:ln>
+        </p:spPr>
+        <p:style>
+          <a:lnRef idx="1">
+            <a:schemeClr val="accent1"/>
+          </a:lnRef>
+          <a:fillRef idx="0">
+            <a:schemeClr val="accent1"/>
+          </a:fillRef>
+          <a:effectRef idx="0">
+            <a:schemeClr val="accent1"/>
+          </a:effectRef>
+          <a:fontRef idx="minor">
+            <a:schemeClr val="tx1"/>
+          </a:fontRef>
+        </p:style>
+      </p:cxnSp>
+      <p:cxnSp>
+        <p:nvCxnSpPr>
+          <p:cNvPr id="18" name="Straight Connector 17"/>
+          <p:cNvCxnSpPr>
+            <a:stCxn id="4" idx="6"/>
+            <a:endCxn id="7" idx="2"/>
+          </p:cNvCxnSpPr>
+          <p:nvPr/>
+        </p:nvCxnSpPr>
+        <p:spPr>
+          <a:xfrm rot="5400000" flipV="1">
+            <a:off x="2964183" y="2567601"/>
+            <a:ext cx="1337737" cy="499533"/>
+          </a:xfrm>
+          <a:prstGeom prst="line">
+            <a:avLst/>
+          </a:prstGeom>
+          <a:ln w="38100">
+            <a:solidFill>
+              <a:schemeClr val="tx1"/>
+            </a:solidFill>
+            <a:prstDash val="solid"/>
+          </a:ln>
+        </p:spPr>
+        <p:style>
+          <a:lnRef idx="1">
+            <a:schemeClr val="accent1"/>
+          </a:lnRef>
+          <a:fillRef idx="0">
+            <a:schemeClr val="accent1"/>
+          </a:fillRef>
+          <a:effectRef idx="0">
+            <a:schemeClr val="accent1"/>
+          </a:effectRef>
+          <a:fontRef idx="minor">
+            <a:schemeClr val="tx1"/>
+          </a:fontRef>
+        </p:style>
+      </p:cxnSp>
+      <p:cxnSp>
+        <p:nvCxnSpPr>
+          <p:cNvPr id="19" name="Straight Connector 18"/>
+          <p:cNvCxnSpPr>
+            <a:stCxn id="6" idx="6"/>
+            <a:endCxn id="9" idx="2"/>
+          </p:cNvCxnSpPr>
+          <p:nvPr/>
+        </p:nvCxnSpPr>
+        <p:spPr>
+          <a:xfrm rot="5400000" flipV="1">
+            <a:off x="1965117" y="2567601"/>
+            <a:ext cx="1337737" cy="499533"/>
+          </a:xfrm>
+          <a:prstGeom prst="line">
+            <a:avLst/>
+          </a:prstGeom>
+          <a:ln w="38100">
+            <a:solidFill>
+              <a:schemeClr val="tx1"/>
+            </a:solidFill>
+            <a:prstDash val="solid"/>
+          </a:ln>
+        </p:spPr>
+        <p:style>
+          <a:lnRef idx="1">
+            <a:schemeClr val="accent1"/>
+          </a:lnRef>
+          <a:fillRef idx="0">
+            <a:schemeClr val="accent1"/>
+          </a:fillRef>
+          <a:effectRef idx="0">
+            <a:schemeClr val="accent1"/>
+          </a:effectRef>
+          <a:fontRef idx="minor">
+            <a:schemeClr val="tx1"/>
+          </a:fontRef>
+        </p:style>
+      </p:cxnSp>
+      <p:cxnSp>
+        <p:nvCxnSpPr>
+          <p:cNvPr id="20" name="Straight Connector 19"/>
+          <p:cNvCxnSpPr>
+            <a:stCxn id="5" idx="6"/>
+            <a:endCxn id="10" idx="2"/>
+          </p:cNvCxnSpPr>
+          <p:nvPr/>
+        </p:nvCxnSpPr>
+        <p:spPr>
+          <a:xfrm rot="5400000">
+            <a:off x="1965117" y="2567601"/>
+            <a:ext cx="1337737" cy="499533"/>
+          </a:xfrm>
+          <a:prstGeom prst="line">
+            <a:avLst/>
+          </a:prstGeom>
+          <a:ln w="38100">
+            <a:solidFill>
+              <a:schemeClr val="tx1"/>
+            </a:solidFill>
+            <a:prstDash val="solid"/>
+          </a:ln>
+        </p:spPr>
+        <p:style>
+          <a:lnRef idx="1">
+            <a:schemeClr val="accent1"/>
+          </a:lnRef>
+          <a:fillRef idx="0">
+            <a:schemeClr val="accent1"/>
+          </a:fillRef>
+          <a:effectRef idx="0">
+            <a:schemeClr val="accent1"/>
+          </a:effectRef>
+          <a:fontRef idx="minor">
+            <a:schemeClr val="tx1"/>
+          </a:fontRef>
+        </p:style>
+      </p:cxnSp>
+      <p:cxnSp>
+        <p:nvCxnSpPr>
+          <p:cNvPr id="21" name="Straight Connector 20"/>
+          <p:cNvCxnSpPr>
+            <a:stCxn id="6" idx="6"/>
+            <a:endCxn id="10" idx="2"/>
+          </p:cNvCxnSpPr>
+          <p:nvPr/>
+        </p:nvCxnSpPr>
+        <p:spPr>
+          <a:xfrm rot="5400000">
+            <a:off x="1715351" y="2817368"/>
+            <a:ext cx="1337737" cy="0"/>
+          </a:xfrm>
+          <a:prstGeom prst="line">
+            <a:avLst/>
+          </a:prstGeom>
+          <a:ln w="38100">
+            <a:solidFill>
+              <a:schemeClr val="tx1"/>
+            </a:solidFill>
+            <a:prstDash val="solid"/>
+          </a:ln>
+        </p:spPr>
+        <p:style>
+          <a:lnRef idx="1">
+            <a:schemeClr val="accent1"/>
+          </a:lnRef>
+          <a:fillRef idx="0">
+            <a:schemeClr val="accent1"/>
+          </a:fillRef>
+          <a:effectRef idx="0">
+            <a:schemeClr val="accent1"/>
+          </a:effectRef>
+          <a:fontRef idx="minor">
+            <a:schemeClr val="tx1"/>
+          </a:fontRef>
+        </p:style>
+      </p:cxnSp>
+      <p:sp>
+        <p:nvSpPr>
+          <p:cNvPr id="38" name="Oval 37"/>
+          <p:cNvSpPr/>
+          <p:nvPr/>
+        </p:nvSpPr>
+        <p:spPr>
+          <a:xfrm rot="5400000">
+            <a:off x="5863681" y="2019129"/>
+            <a:ext cx="135466" cy="135467"/>
+          </a:xfrm>
+          <a:prstGeom prst="ellipse">
+            <a:avLst/>
+          </a:prstGeom>
+          <a:solidFill>
+            <a:schemeClr val="accent6">
+              <a:lumMod val="40000"/>
+              <a:lumOff val="60000"/>
+            </a:schemeClr>
+          </a:solidFill>
+          <a:ln>
+            <a:solidFill>
+              <a:schemeClr val="tx1"/>
+            </a:solidFill>
+          </a:ln>
+        </p:spPr>
+        <p:style>
+          <a:lnRef idx="2">
+            <a:schemeClr val="accent1">
+              <a:shade val="50000"/>
+            </a:schemeClr>
+          </a:lnRef>
+          <a:fillRef idx="1">
+            <a:schemeClr val="accent1"/>
+          </a:fillRef>
+          <a:effectRef idx="0">
+            <a:schemeClr val="accent1"/>
+          </a:effectRef>
+          <a:fontRef idx="minor">
+            <a:schemeClr val="lt1"/>
+          </a:fontRef>
+        </p:style>
+        <p:txBody>
+          <a:bodyPr rtlCol="0" anchor="ctr"/>
+          <a:lstStyle/>
+          <a:p>
+            <a:pPr algn="ctr"/>
+            <a:endParaRPr lang="en-US"/>
+          </a:p>
+        </p:txBody>
+      </p:sp>
+      <p:sp>
+        <p:nvSpPr>
+          <p:cNvPr id="39" name="Oval 38"/>
+          <p:cNvSpPr/>
+          <p:nvPr/>
+        </p:nvSpPr>
+        <p:spPr>
+          <a:xfrm rot="5400000">
+            <a:off x="5364148" y="2019129"/>
+            <a:ext cx="135466" cy="135467"/>
+          </a:xfrm>
+          <a:prstGeom prst="ellipse">
+            <a:avLst/>
+          </a:prstGeom>
+          <a:solidFill>
+            <a:schemeClr val="accent6">
+              <a:lumMod val="40000"/>
+              <a:lumOff val="60000"/>
+            </a:schemeClr>
+          </a:solidFill>
+          <a:ln>
+            <a:solidFill>
+              <a:schemeClr val="tx1"/>
+            </a:solidFill>
+          </a:ln>
+        </p:spPr>
+        <p:style>
+          <a:lnRef idx="2">
+            <a:schemeClr val="accent1">
+              <a:shade val="50000"/>
+            </a:schemeClr>
+          </a:lnRef>
+          <a:fillRef idx="1">
+            <a:schemeClr val="accent1"/>
+          </a:fillRef>
+          <a:effectRef idx="0">
+            <a:schemeClr val="accent1"/>
+          </a:effectRef>
+          <a:fontRef idx="minor">
+            <a:schemeClr val="lt1"/>
+          </a:fontRef>
+        </p:style>
+        <p:txBody>
+          <a:bodyPr rtlCol="0" anchor="ctr"/>
+          <a:lstStyle/>
+          <a:p>
+            <a:pPr algn="ctr"/>
+            <a:endParaRPr lang="en-US"/>
+          </a:p>
+        </p:txBody>
+      </p:sp>
+      <p:sp>
+        <p:nvSpPr>
+          <p:cNvPr id="40" name="Oval 39"/>
+          <p:cNvSpPr/>
+          <p:nvPr/>
+        </p:nvSpPr>
+        <p:spPr>
+          <a:xfrm rot="5400000">
+            <a:off x="4864615" y="2019129"/>
+            <a:ext cx="135466" cy="135467"/>
+          </a:xfrm>
+          <a:prstGeom prst="ellipse">
+            <a:avLst/>
+          </a:prstGeom>
+          <a:solidFill>
+            <a:schemeClr val="accent6">
+              <a:lumMod val="40000"/>
+              <a:lumOff val="60000"/>
+            </a:schemeClr>
+          </a:solidFill>
+          <a:ln>
+            <a:solidFill>
+              <a:schemeClr val="tx1"/>
+            </a:solidFill>
+          </a:ln>
+        </p:spPr>
+        <p:style>
+          <a:lnRef idx="2">
+            <a:schemeClr val="accent1">
+              <a:shade val="50000"/>
+            </a:schemeClr>
+          </a:lnRef>
+          <a:fillRef idx="1">
+            <a:schemeClr val="accent1"/>
+          </a:fillRef>
+          <a:effectRef idx="0">
+            <a:schemeClr val="accent1"/>
+          </a:effectRef>
+          <a:fontRef idx="minor">
+            <a:schemeClr val="lt1"/>
+          </a:fontRef>
+        </p:style>
+        <p:txBody>
+          <a:bodyPr rtlCol="0" anchor="ctr"/>
+          <a:lstStyle/>
+          <a:p>
+            <a:pPr algn="ctr"/>
+            <a:endParaRPr lang="en-US"/>
+          </a:p>
+        </p:txBody>
+      </p:sp>
+      <p:sp>
+        <p:nvSpPr>
+          <p:cNvPr id="41" name="Oval 40"/>
+          <p:cNvSpPr/>
+          <p:nvPr/>
+        </p:nvSpPr>
+        <p:spPr>
+          <a:xfrm rot="5400000">
+            <a:off x="6363214" y="3492332"/>
+            <a:ext cx="135466" cy="135467"/>
+          </a:xfrm>
+          <a:prstGeom prst="ellipse">
+            <a:avLst/>
+          </a:prstGeom>
+          <a:solidFill>
+            <a:schemeClr val="accent1">
+              <a:lumMod val="60000"/>
+              <a:lumOff val="40000"/>
+            </a:schemeClr>
+          </a:solidFill>
+          <a:ln>
+            <a:solidFill>
+              <a:schemeClr val="tx1"/>
+            </a:solidFill>
+          </a:ln>
+        </p:spPr>
+        <p:style>
+          <a:lnRef idx="2">
+            <a:schemeClr val="accent1">
+              <a:shade val="50000"/>
+            </a:schemeClr>
+          </a:lnRef>
+          <a:fillRef idx="1">
+            <a:schemeClr val="accent1"/>
+          </a:fillRef>
+          <a:effectRef idx="0">
+            <a:schemeClr val="accent1"/>
+          </a:effectRef>
+          <a:fontRef idx="minor">
+            <a:schemeClr val="lt1"/>
+          </a:fontRef>
+        </p:style>
+        <p:txBody>
+          <a:bodyPr rtlCol="0" anchor="ctr"/>
+          <a:lstStyle/>
+          <a:p>
+            <a:pPr algn="ctr"/>
+            <a:endParaRPr lang="en-US"/>
+          </a:p>
+        </p:txBody>
+      </p:sp>
+      <p:sp>
+        <p:nvSpPr>
+          <p:cNvPr id="42" name="Oval 41"/>
+          <p:cNvSpPr/>
+          <p:nvPr/>
+        </p:nvSpPr>
+        <p:spPr>
+          <a:xfrm rot="5400000">
+            <a:off x="5863681" y="3492332"/>
+            <a:ext cx="135466" cy="135467"/>
+          </a:xfrm>
+          <a:prstGeom prst="ellipse">
+            <a:avLst/>
+          </a:prstGeom>
+          <a:solidFill>
+            <a:schemeClr val="accent1">
+              <a:lumMod val="60000"/>
+              <a:lumOff val="40000"/>
+            </a:schemeClr>
+          </a:solidFill>
+          <a:ln>
+            <a:solidFill>
+              <a:schemeClr val="tx1"/>
+            </a:solidFill>
+          </a:ln>
+        </p:spPr>
+        <p:style>
+          <a:lnRef idx="2">
+            <a:schemeClr val="accent1">
+              <a:shade val="50000"/>
+            </a:schemeClr>
+          </a:lnRef>
+          <a:fillRef idx="1">
+            <a:schemeClr val="accent1"/>
+          </a:fillRef>
+          <a:effectRef idx="0">
+            <a:schemeClr val="accent1"/>
+          </a:effectRef>
+          <a:fontRef idx="minor">
+            <a:schemeClr val="lt1"/>
+          </a:fontRef>
+        </p:style>
+        <p:txBody>
+          <a:bodyPr rtlCol="0" anchor="ctr"/>
+          <a:lstStyle/>
+          <a:p>
+            <a:pPr algn="ctr"/>
+            <a:endParaRPr lang="en-US"/>
+          </a:p>
+        </p:txBody>
+      </p:sp>
+      <p:sp>
+        <p:nvSpPr>
+          <p:cNvPr id="43" name="Oval 42"/>
+          <p:cNvSpPr/>
+          <p:nvPr/>
+        </p:nvSpPr>
+        <p:spPr>
+          <a:xfrm rot="5400000">
+            <a:off x="5364148" y="3492332"/>
+            <a:ext cx="135466" cy="135467"/>
+          </a:xfrm>
+          <a:prstGeom prst="ellipse">
+            <a:avLst/>
+          </a:prstGeom>
+          <a:solidFill>
+            <a:schemeClr val="accent1">
+              <a:lumMod val="60000"/>
+              <a:lumOff val="40000"/>
+            </a:schemeClr>
+          </a:solidFill>
+          <a:ln>
+            <a:solidFill>
+              <a:schemeClr val="tx1"/>
+            </a:solidFill>
+          </a:ln>
+        </p:spPr>
+        <p:style>
+          <a:lnRef idx="2">
+            <a:schemeClr val="accent1">
+              <a:shade val="50000"/>
+            </a:schemeClr>
+          </a:lnRef>
+          <a:fillRef idx="1">
+            <a:schemeClr val="accent1"/>
+          </a:fillRef>
+          <a:effectRef idx="0">
+            <a:schemeClr val="accent1"/>
+          </a:effectRef>
+          <a:fontRef idx="minor">
+            <a:schemeClr val="lt1"/>
+          </a:fontRef>
+        </p:style>
+        <p:txBody>
+          <a:bodyPr rtlCol="0" anchor="ctr"/>
+          <a:lstStyle/>
+          <a:p>
+            <a:pPr algn="ctr"/>
+            <a:endParaRPr lang="en-US"/>
+          </a:p>
+        </p:txBody>
+      </p:sp>
+      <p:sp>
+        <p:nvSpPr>
+          <p:cNvPr id="44" name="Oval 43"/>
+          <p:cNvSpPr/>
+          <p:nvPr/>
+        </p:nvSpPr>
+        <p:spPr>
+          <a:xfrm rot="5400000">
+            <a:off x="4864615" y="3492332"/>
+            <a:ext cx="135466" cy="135467"/>
+          </a:xfrm>
+          <a:prstGeom prst="ellipse">
+            <a:avLst/>
+          </a:prstGeom>
+          <a:solidFill>
+            <a:schemeClr val="accent1">
+              <a:lumMod val="60000"/>
+              <a:lumOff val="40000"/>
+            </a:schemeClr>
+          </a:solidFill>
+          <a:ln>
+            <a:solidFill>
+              <a:schemeClr val="tx1"/>
+            </a:solidFill>
+          </a:ln>
+        </p:spPr>
+        <p:style>
+          <a:lnRef idx="2">
+            <a:schemeClr val="accent1">
+              <a:shade val="50000"/>
+            </a:schemeClr>
+          </a:lnRef>
+          <a:fillRef idx="1">
+            <a:schemeClr val="accent1"/>
+          </a:fillRef>
+          <a:effectRef idx="0">
+            <a:schemeClr val="accent1"/>
+          </a:effectRef>
+          <a:fontRef idx="minor">
+            <a:schemeClr val="lt1"/>
+          </a:fontRef>
+        </p:style>
+        <p:txBody>
+          <a:bodyPr rtlCol="0" anchor="ctr"/>
+          <a:lstStyle/>
+          <a:p>
+            <a:pPr algn="ctr"/>
+            <a:endParaRPr lang="en-US"/>
+          </a:p>
+        </p:txBody>
+      </p:sp>
+      <p:sp>
+        <p:nvSpPr>
+          <p:cNvPr id="45" name="Oval 44"/>
+          <p:cNvSpPr/>
+          <p:nvPr/>
+        </p:nvSpPr>
+        <p:spPr>
+          <a:xfrm rot="5400000">
+            <a:off x="4365082" y="3492332"/>
+            <a:ext cx="135466" cy="135467"/>
+          </a:xfrm>
+          <a:prstGeom prst="ellipse">
+            <a:avLst/>
+          </a:prstGeom>
+          <a:solidFill>
+            <a:schemeClr val="accent1">
+              <a:lumMod val="60000"/>
+              <a:lumOff val="40000"/>
+            </a:schemeClr>
+          </a:solidFill>
+          <a:ln>
+            <a:solidFill>
+              <a:schemeClr val="tx1"/>
+            </a:solidFill>
+          </a:ln>
+        </p:spPr>
+        <p:style>
+          <a:lnRef idx="2">
+            <a:schemeClr val="accent1">
+              <a:shade val="50000"/>
+            </a:schemeClr>
+          </a:lnRef>
+          <a:fillRef idx="1">
+            <a:schemeClr val="accent1"/>
+          </a:fillRef>
+          <a:effectRef idx="0">
+            <a:schemeClr val="accent1"/>
+          </a:effectRef>
+          <a:fontRef idx="minor">
+            <a:schemeClr val="lt1"/>
+          </a:fontRef>
+        </p:style>
+        <p:txBody>
+          <a:bodyPr rtlCol="0" anchor="ctr"/>
+          <a:lstStyle/>
+          <a:p>
+            <a:pPr algn="ctr"/>
+            <a:endParaRPr lang="en-US"/>
+          </a:p>
+        </p:txBody>
+      </p:sp>
+      <p:cxnSp>
+        <p:nvCxnSpPr>
+          <p:cNvPr id="46" name="Straight Connector 45"/>
+          <p:cNvCxnSpPr>
+            <a:stCxn id="38" idx="6"/>
+            <a:endCxn id="42" idx="2"/>
+          </p:cNvCxnSpPr>
+          <p:nvPr/>
+        </p:nvCxnSpPr>
+        <p:spPr>
+          <a:xfrm rot="5400000">
+            <a:off x="5262545" y="2823464"/>
+            <a:ext cx="1337737" cy="0"/>
+          </a:xfrm>
+          <a:prstGeom prst="line">
+            <a:avLst/>
+          </a:prstGeom>
+          <a:ln w="38100">
+            <a:solidFill>
+              <a:schemeClr val="tx1"/>
+            </a:solidFill>
+            <a:prstDash val="solid"/>
+          </a:ln>
+        </p:spPr>
+        <p:style>
+          <a:lnRef idx="1">
+            <a:schemeClr val="accent1"/>
+          </a:lnRef>
+          <a:fillRef idx="0">
+            <a:schemeClr val="accent1"/>
+          </a:fillRef>
+          <a:effectRef idx="0">
+            <a:schemeClr val="accent1"/>
+          </a:effectRef>
+          <a:fontRef idx="minor">
+            <a:schemeClr val="tx1"/>
+          </a:fontRef>
+        </p:style>
+      </p:cxnSp>
+      <p:cxnSp>
+        <p:nvCxnSpPr>
+          <p:cNvPr id="47" name="Straight Connector 46"/>
+          <p:cNvCxnSpPr>
+            <a:stCxn id="38" idx="6"/>
+            <a:endCxn id="44" idx="2"/>
+          </p:cNvCxnSpPr>
+          <p:nvPr/>
+        </p:nvCxnSpPr>
+        <p:spPr>
+          <a:xfrm rot="5400000">
+            <a:off x="4763012" y="2323931"/>
+            <a:ext cx="1337737" cy="999066"/>
+          </a:xfrm>
+          <a:prstGeom prst="line">
+            <a:avLst/>
+          </a:prstGeom>
+          <a:ln w="38100">
+            <a:solidFill>
+              <a:schemeClr val="tx1"/>
+            </a:solidFill>
+            <a:prstDash val="solid"/>
+          </a:ln>
+        </p:spPr>
+        <p:style>
+          <a:lnRef idx="1">
+            <a:schemeClr val="accent1"/>
+          </a:lnRef>
+          <a:fillRef idx="0">
+            <a:schemeClr val="accent1"/>
+          </a:fillRef>
+          <a:effectRef idx="0">
+            <a:schemeClr val="accent1"/>
+          </a:effectRef>
+          <a:fontRef idx="minor">
+            <a:schemeClr val="tx1"/>
+          </a:fontRef>
+        </p:style>
+      </p:cxnSp>
+      <p:cxnSp>
+        <p:nvCxnSpPr>
+          <p:cNvPr id="48" name="Straight Connector 47"/>
+          <p:cNvCxnSpPr>
+            <a:stCxn id="38" idx="6"/>
+            <a:endCxn id="45" idx="2"/>
+          </p:cNvCxnSpPr>
+          <p:nvPr/>
+        </p:nvCxnSpPr>
+        <p:spPr>
+          <a:xfrm rot="5400000">
+            <a:off x="4513245" y="2074164"/>
+            <a:ext cx="1337737" cy="1498599"/>
+          </a:xfrm>
+          <a:prstGeom prst="line">
+            <a:avLst/>
+          </a:prstGeom>
+          <a:ln w="38100">
+            <a:solidFill>
+              <a:schemeClr val="tx1"/>
+            </a:solidFill>
+            <a:prstDash val="solid"/>
+          </a:ln>
+        </p:spPr>
+        <p:style>
+          <a:lnRef idx="1">
+            <a:schemeClr val="accent1"/>
+          </a:lnRef>
+          <a:fillRef idx="0">
+            <a:schemeClr val="accent1"/>
+          </a:fillRef>
+          <a:effectRef idx="0">
+            <a:schemeClr val="accent1"/>
+          </a:effectRef>
+          <a:fontRef idx="minor">
+            <a:schemeClr val="tx1"/>
+          </a:fontRef>
+        </p:style>
+      </p:cxnSp>
+      <p:cxnSp>
+        <p:nvCxnSpPr>
+          <p:cNvPr id="49" name="Straight Connector 48"/>
+          <p:cNvCxnSpPr>
+            <a:stCxn id="39" idx="6"/>
+            <a:endCxn id="41" idx="2"/>
+          </p:cNvCxnSpPr>
+          <p:nvPr/>
+        </p:nvCxnSpPr>
+        <p:spPr>
+          <a:xfrm rot="5400000" flipV="1">
+            <a:off x="5262545" y="2323931"/>
+            <a:ext cx="1337737" cy="999066"/>
+          </a:xfrm>
+          <a:prstGeom prst="line">
+            <a:avLst/>
+          </a:prstGeom>
+          <a:ln w="38100">
+            <a:solidFill>
+              <a:schemeClr val="tx1"/>
+            </a:solidFill>
+            <a:prstDash val="solid"/>
+          </a:ln>
+        </p:spPr>
+        <p:style>
+          <a:lnRef idx="1">
+            <a:schemeClr val="accent1"/>
+          </a:lnRef>
+          <a:fillRef idx="0">
+            <a:schemeClr val="accent1"/>
+          </a:fillRef>
+          <a:effectRef idx="0">
+            <a:schemeClr val="accent1"/>
+          </a:effectRef>
+          <a:fontRef idx="minor">
+            <a:schemeClr val="tx1"/>
+          </a:fontRef>
+        </p:style>
+      </p:cxnSp>
+      <p:cxnSp>
+        <p:nvCxnSpPr>
+          <p:cNvPr id="50" name="Straight Connector 49"/>
+          <p:cNvCxnSpPr>
+            <a:stCxn id="39" idx="6"/>
+            <a:endCxn id="43" idx="2"/>
+          </p:cNvCxnSpPr>
+          <p:nvPr/>
+        </p:nvCxnSpPr>
+        <p:spPr>
+          <a:xfrm rot="5400000">
+            <a:off x="4763012" y="2823464"/>
+            <a:ext cx="1337737" cy="0"/>
+          </a:xfrm>
+          <a:prstGeom prst="line">
+            <a:avLst/>
+          </a:prstGeom>
+          <a:ln w="38100">
+            <a:solidFill>
+              <a:schemeClr val="tx1"/>
+            </a:solidFill>
+            <a:prstDash val="solid"/>
+          </a:ln>
+        </p:spPr>
+        <p:style>
+          <a:lnRef idx="1">
+            <a:schemeClr val="accent1"/>
+          </a:lnRef>
+          <a:fillRef idx="0">
+            <a:schemeClr val="accent1"/>
+          </a:fillRef>
+          <a:effectRef idx="0">
+            <a:schemeClr val="accent1"/>
+          </a:effectRef>
+          <a:fontRef idx="minor">
+            <a:schemeClr val="tx1"/>
+          </a:fontRef>
+        </p:style>
+      </p:cxnSp>
+      <p:cxnSp>
+        <p:nvCxnSpPr>
+          <p:cNvPr id="51" name="Straight Connector 50"/>
+          <p:cNvCxnSpPr>
+            <a:stCxn id="40" idx="6"/>
+            <a:endCxn id="45" idx="2"/>
+          </p:cNvCxnSpPr>
+          <p:nvPr/>
+        </p:nvCxnSpPr>
+        <p:spPr>
+          <a:xfrm rot="5400000">
+            <a:off x="4013712" y="2573697"/>
+            <a:ext cx="1337737" cy="499533"/>
+          </a:xfrm>
+          <a:prstGeom prst="line">
+            <a:avLst/>
+          </a:prstGeom>
+          <a:ln w="38100">
+            <a:solidFill>
+              <a:schemeClr val="tx1"/>
+            </a:solidFill>
+            <a:prstDash val="solid"/>
+          </a:ln>
+        </p:spPr>
+        <p:style>
+          <a:lnRef idx="1">
+            <a:schemeClr val="accent1"/>
+          </a:lnRef>
+          <a:fillRef idx="0">
+            <a:schemeClr val="accent1"/>
+          </a:fillRef>
+          <a:effectRef idx="0">
+            <a:schemeClr val="accent1"/>
+          </a:effectRef>
+          <a:fontRef idx="minor">
+            <a:schemeClr val="tx1"/>
+          </a:fontRef>
+        </p:style>
+      </p:cxnSp>
+      <p:cxnSp>
+        <p:nvCxnSpPr>
+          <p:cNvPr id="52" name="Straight Connector 51"/>
+          <p:cNvCxnSpPr>
+            <a:stCxn id="38" idx="6"/>
+            <a:endCxn id="41" idx="2"/>
+          </p:cNvCxnSpPr>
+          <p:nvPr/>
+        </p:nvCxnSpPr>
+        <p:spPr>
+          <a:xfrm rot="5400000" flipV="1">
+            <a:off x="5512311" y="2573697"/>
+            <a:ext cx="1337737" cy="499533"/>
+          </a:xfrm>
+          <a:prstGeom prst="line">
+            <a:avLst/>
+          </a:prstGeom>
+          <a:ln w="38100">
+            <a:solidFill>
+              <a:schemeClr val="tx1"/>
+            </a:solidFill>
+            <a:prstDash val="solid"/>
+          </a:ln>
+        </p:spPr>
+        <p:style>
+          <a:lnRef idx="1">
+            <a:schemeClr val="accent1"/>
+          </a:lnRef>
+          <a:fillRef idx="0">
+            <a:schemeClr val="accent1"/>
+          </a:fillRef>
+          <a:effectRef idx="0">
+            <a:schemeClr val="accent1"/>
+          </a:effectRef>
+          <a:fontRef idx="minor">
+            <a:schemeClr val="tx1"/>
+          </a:fontRef>
+        </p:style>
+      </p:cxnSp>
+      <p:cxnSp>
+        <p:nvCxnSpPr>
+          <p:cNvPr id="53" name="Straight Connector 52"/>
+          <p:cNvCxnSpPr>
+            <a:stCxn id="40" idx="6"/>
+            <a:endCxn id="43" idx="2"/>
+          </p:cNvCxnSpPr>
+          <p:nvPr/>
+        </p:nvCxnSpPr>
+        <p:spPr>
+          <a:xfrm rot="5400000" flipV="1">
+            <a:off x="4513245" y="2573697"/>
+            <a:ext cx="1337737" cy="499533"/>
+          </a:xfrm>
+          <a:prstGeom prst="line">
+            <a:avLst/>
+          </a:prstGeom>
+          <a:ln w="38100">
+            <a:solidFill>
+              <a:schemeClr val="tx1"/>
+            </a:solidFill>
+            <a:prstDash val="solid"/>
+          </a:ln>
+        </p:spPr>
+        <p:style>
+          <a:lnRef idx="1">
+            <a:schemeClr val="accent1"/>
+          </a:lnRef>
+          <a:fillRef idx="0">
+            <a:schemeClr val="accent1"/>
+          </a:fillRef>
+          <a:effectRef idx="0">
+            <a:schemeClr val="accent1"/>
+          </a:effectRef>
+          <a:fontRef idx="minor">
+            <a:schemeClr val="tx1"/>
+          </a:fontRef>
+        </p:style>
+      </p:cxnSp>
+      <p:cxnSp>
+        <p:nvCxnSpPr>
+          <p:cNvPr id="54" name="Straight Connector 53"/>
+          <p:cNvCxnSpPr>
+            <a:stCxn id="39" idx="6"/>
+            <a:endCxn id="44" idx="2"/>
+          </p:cNvCxnSpPr>
+          <p:nvPr/>
+        </p:nvCxnSpPr>
+        <p:spPr>
+          <a:xfrm rot="5400000">
+            <a:off x="4513245" y="2573697"/>
+            <a:ext cx="1337737" cy="499533"/>
+          </a:xfrm>
+          <a:prstGeom prst="line">
+            <a:avLst/>
+          </a:prstGeom>
+          <a:ln w="38100">
+            <a:solidFill>
+              <a:schemeClr val="tx1"/>
+            </a:solidFill>
+            <a:prstDash val="solid"/>
+          </a:ln>
+        </p:spPr>
+        <p:style>
+          <a:lnRef idx="1">
+            <a:schemeClr val="accent1"/>
+          </a:lnRef>
+          <a:fillRef idx="0">
+            <a:schemeClr val="accent1"/>
+          </a:fillRef>
+          <a:effectRef idx="0">
+            <a:schemeClr val="accent1"/>
+          </a:effectRef>
+          <a:fontRef idx="minor">
+            <a:schemeClr val="tx1"/>
+          </a:fontRef>
+        </p:style>
+      </p:cxnSp>
+      <p:cxnSp>
+        <p:nvCxnSpPr>
+          <p:cNvPr id="55" name="Straight Connector 54"/>
+          <p:cNvCxnSpPr>
+            <a:stCxn id="40" idx="6"/>
+            <a:endCxn id="44" idx="2"/>
+          </p:cNvCxnSpPr>
+          <p:nvPr/>
+        </p:nvCxnSpPr>
+        <p:spPr>
+          <a:xfrm rot="5400000">
+            <a:off x="4263479" y="2823464"/>
+            <a:ext cx="1337737" cy="0"/>
+          </a:xfrm>
+          <a:prstGeom prst="line">
+            <a:avLst/>
+          </a:prstGeom>
+          <a:ln w="38100">
+            <a:solidFill>
+              <a:schemeClr val="tx1"/>
+            </a:solidFill>
+            <a:prstDash val="solid"/>
+          </a:ln>
+        </p:spPr>
+        <p:style>
+          <a:lnRef idx="1">
+            <a:schemeClr val="accent1"/>
+          </a:lnRef>
+          <a:fillRef idx="0">
+            <a:schemeClr val="accent1"/>
+          </a:fillRef>
+          <a:effectRef idx="0">
+            <a:schemeClr val="accent1"/>
+          </a:effectRef>
+          <a:fontRef idx="minor">
+            <a:schemeClr val="tx1"/>
+          </a:fontRef>
+        </p:style>
+      </p:cxnSp>
+      <p:sp>
+        <p:nvSpPr>
+          <p:cNvPr id="56" name="Oval 55"/>
+          <p:cNvSpPr/>
+          <p:nvPr/>
+        </p:nvSpPr>
+        <p:spPr>
+          <a:xfrm rot="5400000">
+            <a:off x="8521537" y="2006937"/>
+            <a:ext cx="135466" cy="135467"/>
+          </a:xfrm>
+          <a:prstGeom prst="ellipse">
+            <a:avLst/>
+          </a:prstGeom>
+          <a:solidFill>
+            <a:schemeClr val="accent6">
+              <a:lumMod val="40000"/>
+              <a:lumOff val="60000"/>
+            </a:schemeClr>
+          </a:solidFill>
+          <a:ln>
+            <a:solidFill>
+              <a:schemeClr val="tx1"/>
+            </a:solidFill>
+          </a:ln>
+        </p:spPr>
+        <p:style>
+          <a:lnRef idx="2">
+            <a:schemeClr val="accent1">
+              <a:shade val="50000"/>
+            </a:schemeClr>
+          </a:lnRef>
+          <a:fillRef idx="1">
+            <a:schemeClr val="accent1"/>
+          </a:fillRef>
+          <a:effectRef idx="0">
+            <a:schemeClr val="accent1"/>
+          </a:effectRef>
+          <a:fontRef idx="minor">
+            <a:schemeClr val="lt1"/>
+          </a:fontRef>
+        </p:style>
+        <p:txBody>
+          <a:bodyPr rtlCol="0" anchor="ctr"/>
+          <a:lstStyle/>
+          <a:p>
+            <a:pPr algn="ctr"/>
+            <a:endParaRPr lang="en-US"/>
+          </a:p>
+        </p:txBody>
+      </p:sp>
+      <p:sp>
+        <p:nvSpPr>
+          <p:cNvPr id="57" name="Oval 56"/>
+          <p:cNvSpPr/>
+          <p:nvPr/>
+        </p:nvSpPr>
+        <p:spPr>
+          <a:xfrm rot="5400000">
+            <a:off x="8022004" y="2006937"/>
+            <a:ext cx="135466" cy="135467"/>
+          </a:xfrm>
+          <a:prstGeom prst="ellipse">
+            <a:avLst/>
+          </a:prstGeom>
+          <a:solidFill>
+            <a:schemeClr val="accent6">
+              <a:lumMod val="40000"/>
+              <a:lumOff val="60000"/>
+            </a:schemeClr>
+          </a:solidFill>
+          <a:ln>
+            <a:solidFill>
+              <a:schemeClr val="tx1"/>
+            </a:solidFill>
+          </a:ln>
+        </p:spPr>
+        <p:style>
+          <a:lnRef idx="2">
+            <a:schemeClr val="accent1">
+              <a:shade val="50000"/>
+            </a:schemeClr>
+          </a:lnRef>
+          <a:fillRef idx="1">
+            <a:schemeClr val="accent1"/>
+          </a:fillRef>
+          <a:effectRef idx="0">
+            <a:schemeClr val="accent1"/>
+          </a:effectRef>
+          <a:fontRef idx="minor">
+            <a:schemeClr val="lt1"/>
+          </a:fontRef>
+        </p:style>
+        <p:txBody>
+          <a:bodyPr rtlCol="0" anchor="ctr"/>
+          <a:lstStyle/>
+          <a:p>
+            <a:pPr algn="ctr"/>
+            <a:endParaRPr lang="en-US"/>
+          </a:p>
+        </p:txBody>
+      </p:sp>
+      <p:sp>
+        <p:nvSpPr>
+          <p:cNvPr id="58" name="Oval 57"/>
+          <p:cNvSpPr/>
+          <p:nvPr/>
+        </p:nvSpPr>
+        <p:spPr>
+          <a:xfrm rot="5400000">
+            <a:off x="7522471" y="2006937"/>
+            <a:ext cx="135466" cy="135467"/>
+          </a:xfrm>
+          <a:prstGeom prst="ellipse">
+            <a:avLst/>
+          </a:prstGeom>
+          <a:solidFill>
+            <a:schemeClr val="accent6">
+              <a:lumMod val="40000"/>
+              <a:lumOff val="60000"/>
+            </a:schemeClr>
+          </a:solidFill>
+          <a:ln>
+            <a:solidFill>
+              <a:schemeClr val="tx1"/>
+            </a:solidFill>
+          </a:ln>
+        </p:spPr>
+        <p:style>
+          <a:lnRef idx="2">
+            <a:schemeClr val="accent1">
+              <a:shade val="50000"/>
+            </a:schemeClr>
+          </a:lnRef>
+          <a:fillRef idx="1">
+            <a:schemeClr val="accent1"/>
+          </a:fillRef>
+          <a:effectRef idx="0">
+            <a:schemeClr val="accent1"/>
+          </a:effectRef>
+          <a:fontRef idx="minor">
+            <a:schemeClr val="lt1"/>
+          </a:fontRef>
+        </p:style>
+        <p:txBody>
+          <a:bodyPr rtlCol="0" anchor="ctr"/>
+          <a:lstStyle/>
+          <a:p>
+            <a:pPr algn="ctr"/>
+            <a:endParaRPr lang="en-US"/>
+          </a:p>
+        </p:txBody>
+      </p:sp>
+      <p:sp>
+        <p:nvSpPr>
+          <p:cNvPr id="59" name="Oval 58"/>
+          <p:cNvSpPr/>
+          <p:nvPr/>
+        </p:nvSpPr>
+        <p:spPr>
+          <a:xfrm rot="5400000">
+            <a:off x="9021070" y="3480140"/>
+            <a:ext cx="135466" cy="135467"/>
+          </a:xfrm>
+          <a:prstGeom prst="ellipse">
+            <a:avLst/>
+          </a:prstGeom>
+          <a:solidFill>
+            <a:schemeClr val="accent1">
+              <a:lumMod val="60000"/>
+              <a:lumOff val="40000"/>
+            </a:schemeClr>
+          </a:solidFill>
+          <a:ln>
+            <a:solidFill>
+              <a:schemeClr val="tx1"/>
+            </a:solidFill>
+          </a:ln>
+        </p:spPr>
+        <p:style>
+          <a:lnRef idx="2">
+            <a:schemeClr val="accent1">
+              <a:shade val="50000"/>
+            </a:schemeClr>
+          </a:lnRef>
+          <a:fillRef idx="1">
+            <a:schemeClr val="accent1"/>
+          </a:fillRef>
+          <a:effectRef idx="0">
+            <a:schemeClr val="accent1"/>
+          </a:effectRef>
+          <a:fontRef idx="minor">
+            <a:schemeClr val="lt1"/>
+          </a:fontRef>
+        </p:style>
+        <p:txBody>
+          <a:bodyPr rtlCol="0" anchor="ctr"/>
+          <a:lstStyle/>
+          <a:p>
+            <a:pPr algn="ctr"/>
+            <a:endParaRPr lang="en-US"/>
+          </a:p>
+        </p:txBody>
+      </p:sp>
+      <p:sp>
+        <p:nvSpPr>
+          <p:cNvPr id="60" name="Oval 59"/>
+          <p:cNvSpPr/>
+          <p:nvPr/>
+        </p:nvSpPr>
+        <p:spPr>
+          <a:xfrm rot="5400000">
+            <a:off x="8521537" y="3480140"/>
+            <a:ext cx="135466" cy="135467"/>
+          </a:xfrm>
+          <a:prstGeom prst="ellipse">
+            <a:avLst/>
+          </a:prstGeom>
+          <a:solidFill>
+            <a:schemeClr val="accent1">
+              <a:lumMod val="60000"/>
+              <a:lumOff val="40000"/>
+            </a:schemeClr>
+          </a:solidFill>
+          <a:ln>
+            <a:solidFill>
+              <a:schemeClr val="tx1"/>
+            </a:solidFill>
+          </a:ln>
+        </p:spPr>
+        <p:style>
+          <a:lnRef idx="2">
+            <a:schemeClr val="accent1">
+              <a:shade val="50000"/>
+            </a:schemeClr>
+          </a:lnRef>
+          <a:fillRef idx="1">
+            <a:schemeClr val="accent1"/>
+          </a:fillRef>
+          <a:effectRef idx="0">
+            <a:schemeClr val="accent1"/>
+          </a:effectRef>
+          <a:fontRef idx="minor">
+            <a:schemeClr val="lt1"/>
+          </a:fontRef>
+        </p:style>
+        <p:txBody>
+          <a:bodyPr rtlCol="0" anchor="ctr"/>
+          <a:lstStyle/>
+          <a:p>
+            <a:pPr algn="ctr"/>
+            <a:endParaRPr lang="en-US"/>
+          </a:p>
+        </p:txBody>
+      </p:sp>
+      <p:sp>
+        <p:nvSpPr>
+          <p:cNvPr id="61" name="Oval 60"/>
+          <p:cNvSpPr/>
+          <p:nvPr/>
+        </p:nvSpPr>
+        <p:spPr>
+          <a:xfrm rot="5400000">
+            <a:off x="8022004" y="3480140"/>
+            <a:ext cx="135466" cy="135467"/>
+          </a:xfrm>
+          <a:prstGeom prst="ellipse">
+            <a:avLst/>
+          </a:prstGeom>
+          <a:solidFill>
+            <a:schemeClr val="accent1">
+              <a:lumMod val="60000"/>
+              <a:lumOff val="40000"/>
+            </a:schemeClr>
+          </a:solidFill>
+          <a:ln>
+            <a:solidFill>
+              <a:schemeClr val="tx1"/>
+            </a:solidFill>
+          </a:ln>
+        </p:spPr>
+        <p:style>
+          <a:lnRef idx="2">
+            <a:schemeClr val="accent1">
+              <a:shade val="50000"/>
+            </a:schemeClr>
+          </a:lnRef>
+          <a:fillRef idx="1">
+            <a:schemeClr val="accent1"/>
+          </a:fillRef>
+          <a:effectRef idx="0">
+            <a:schemeClr val="accent1"/>
+          </a:effectRef>
+          <a:fontRef idx="minor">
+            <a:schemeClr val="lt1"/>
+          </a:fontRef>
+        </p:style>
+        <p:txBody>
+          <a:bodyPr rtlCol="0" anchor="ctr"/>
+          <a:lstStyle/>
+          <a:p>
+            <a:pPr algn="ctr"/>
+            <a:endParaRPr lang="en-US"/>
+          </a:p>
+        </p:txBody>
+      </p:sp>
+      <p:sp>
+        <p:nvSpPr>
+          <p:cNvPr id="62" name="Oval 61"/>
+          <p:cNvSpPr/>
+          <p:nvPr/>
+        </p:nvSpPr>
+        <p:spPr>
+          <a:xfrm rot="5400000">
+            <a:off x="7522471" y="3480140"/>
+            <a:ext cx="135466" cy="135467"/>
+          </a:xfrm>
+          <a:prstGeom prst="ellipse">
+            <a:avLst/>
+          </a:prstGeom>
+          <a:solidFill>
+            <a:schemeClr val="accent1">
+              <a:lumMod val="60000"/>
+              <a:lumOff val="40000"/>
+            </a:schemeClr>
+          </a:solidFill>
+          <a:ln>
+            <a:solidFill>
+              <a:schemeClr val="tx1"/>
+            </a:solidFill>
+          </a:ln>
+        </p:spPr>
+        <p:style>
+          <a:lnRef idx="2">
+            <a:schemeClr val="accent1">
+              <a:shade val="50000"/>
+            </a:schemeClr>
+          </a:lnRef>
+          <a:fillRef idx="1">
+            <a:schemeClr val="accent1"/>
+          </a:fillRef>
+          <a:effectRef idx="0">
+            <a:schemeClr val="accent1"/>
+          </a:effectRef>
+          <a:fontRef idx="minor">
+            <a:schemeClr val="lt1"/>
+          </a:fontRef>
+        </p:style>
+        <p:txBody>
+          <a:bodyPr rtlCol="0" anchor="ctr"/>
+          <a:lstStyle/>
+          <a:p>
+            <a:pPr algn="ctr"/>
+            <a:endParaRPr lang="en-US"/>
+          </a:p>
+        </p:txBody>
+      </p:sp>
+      <p:sp>
+        <p:nvSpPr>
+          <p:cNvPr id="63" name="Oval 62"/>
+          <p:cNvSpPr/>
+          <p:nvPr/>
+        </p:nvSpPr>
+        <p:spPr>
+          <a:xfrm rot="5400000">
+            <a:off x="7022938" y="3480140"/>
+            <a:ext cx="135466" cy="135467"/>
+          </a:xfrm>
+          <a:prstGeom prst="ellipse">
+            <a:avLst/>
+          </a:prstGeom>
+          <a:solidFill>
+            <a:schemeClr val="accent1">
+              <a:lumMod val="60000"/>
+              <a:lumOff val="40000"/>
+            </a:schemeClr>
+          </a:solidFill>
+          <a:ln>
+            <a:solidFill>
+              <a:schemeClr val="tx1"/>
+            </a:solidFill>
+          </a:ln>
+        </p:spPr>
+        <p:style>
+          <a:lnRef idx="2">
+            <a:schemeClr val="accent1">
+              <a:shade val="50000"/>
+            </a:schemeClr>
+          </a:lnRef>
+          <a:fillRef idx="1">
+            <a:schemeClr val="accent1"/>
+          </a:fillRef>
+          <a:effectRef idx="0">
+            <a:schemeClr val="accent1"/>
+          </a:effectRef>
+          <a:fontRef idx="minor">
+            <a:schemeClr val="lt1"/>
+          </a:fontRef>
+        </p:style>
+        <p:txBody>
+          <a:bodyPr rtlCol="0" anchor="ctr"/>
+          <a:lstStyle/>
+          <a:p>
+            <a:pPr algn="ctr"/>
+            <a:endParaRPr lang="en-US"/>
+          </a:p>
+        </p:txBody>
+      </p:sp>
+      <p:cxnSp>
+        <p:nvCxnSpPr>
+          <p:cNvPr id="64" name="Straight Connector 63"/>
+          <p:cNvCxnSpPr>
+            <a:stCxn id="56" idx="6"/>
+            <a:endCxn id="60" idx="2"/>
+          </p:cNvCxnSpPr>
+          <p:nvPr/>
+        </p:nvCxnSpPr>
+        <p:spPr>
+          <a:xfrm rot="5400000">
+            <a:off x="7920401" y="2811272"/>
+            <a:ext cx="1337737" cy="0"/>
+          </a:xfrm>
+          <a:prstGeom prst="line">
+            <a:avLst/>
+          </a:prstGeom>
+          <a:ln w="38100">
+            <a:solidFill>
+              <a:schemeClr val="tx1"/>
+            </a:solidFill>
+            <a:prstDash val="solid"/>
+          </a:ln>
+        </p:spPr>
+        <p:style>
+          <a:lnRef idx="1">
+            <a:schemeClr val="accent1"/>
+          </a:lnRef>
+          <a:fillRef idx="0">
+            <a:schemeClr val="accent1"/>
+          </a:fillRef>
+          <a:effectRef idx="0">
+            <a:schemeClr val="accent1"/>
+          </a:effectRef>
+          <a:fontRef idx="minor">
+            <a:schemeClr val="tx1"/>
+          </a:fontRef>
+        </p:style>
+      </p:cxnSp>
+      <p:cxnSp>
+        <p:nvCxnSpPr>
+          <p:cNvPr id="65" name="Straight Connector 64"/>
+          <p:cNvCxnSpPr>
+            <a:stCxn id="56" idx="6"/>
+            <a:endCxn id="62" idx="2"/>
+          </p:cNvCxnSpPr>
+          <p:nvPr/>
+        </p:nvCxnSpPr>
+        <p:spPr>
+          <a:xfrm rot="5400000">
+            <a:off x="7420868" y="2311739"/>
+            <a:ext cx="1337737" cy="999066"/>
+          </a:xfrm>
+          <a:prstGeom prst="line">
+            <a:avLst/>
+          </a:prstGeom>
+          <a:ln w="38100">
+            <a:solidFill>
+              <a:schemeClr val="tx1"/>
+            </a:solidFill>
+            <a:prstDash val="solid"/>
+          </a:ln>
+        </p:spPr>
+        <p:style>
+          <a:lnRef idx="1">
+            <a:schemeClr val="accent1"/>
+          </a:lnRef>
+          <a:fillRef idx="0">
+            <a:schemeClr val="accent1"/>
+          </a:fillRef>
+          <a:effectRef idx="0">
+            <a:schemeClr val="accent1"/>
+          </a:effectRef>
+          <a:fontRef idx="minor">
+            <a:schemeClr val="tx1"/>
+          </a:fontRef>
+        </p:style>
+      </p:cxnSp>
+      <p:cxnSp>
+        <p:nvCxnSpPr>
+          <p:cNvPr id="66" name="Straight Connector 65"/>
+          <p:cNvCxnSpPr>
+            <a:stCxn id="56" idx="6"/>
+            <a:endCxn id="63" idx="2"/>
+          </p:cNvCxnSpPr>
+          <p:nvPr/>
+        </p:nvCxnSpPr>
+        <p:spPr>
+          <a:xfrm rot="5400000">
+            <a:off x="7171101" y="2061972"/>
+            <a:ext cx="1337737" cy="1498599"/>
+          </a:xfrm>
+          <a:prstGeom prst="line">
+            <a:avLst/>
+          </a:prstGeom>
+          <a:ln w="38100">
+            <a:solidFill>
+              <a:schemeClr val="tx1"/>
+            </a:solidFill>
+            <a:prstDash val="solid"/>
+          </a:ln>
+        </p:spPr>
+        <p:style>
+          <a:lnRef idx="1">
+            <a:schemeClr val="accent1"/>
+          </a:lnRef>
+          <a:fillRef idx="0">
+            <a:schemeClr val="accent1"/>
+          </a:fillRef>
+          <a:effectRef idx="0">
+            <a:schemeClr val="accent1"/>
+          </a:effectRef>
+          <a:fontRef idx="minor">
+            <a:schemeClr val="tx1"/>
+          </a:fontRef>
+        </p:style>
+      </p:cxnSp>
+      <p:cxnSp>
+        <p:nvCxnSpPr>
+          <p:cNvPr id="67" name="Straight Connector 66"/>
+          <p:cNvCxnSpPr>
+            <a:stCxn id="57" idx="6"/>
+            <a:endCxn id="59" idx="2"/>
+          </p:cNvCxnSpPr>
+          <p:nvPr/>
+        </p:nvCxnSpPr>
+        <p:spPr>
+          <a:xfrm rot="5400000" flipV="1">
+            <a:off x="7920401" y="2311739"/>
+            <a:ext cx="1337737" cy="999066"/>
+          </a:xfrm>
+          <a:prstGeom prst="line">
+            <a:avLst/>
+          </a:prstGeom>
+          <a:ln w="38100">
+            <a:solidFill>
+              <a:schemeClr val="tx1"/>
+            </a:solidFill>
+            <a:prstDash val="solid"/>
+          </a:ln>
+        </p:spPr>
+        <p:style>
+          <a:lnRef idx="1">
+            <a:schemeClr val="accent1"/>
+          </a:lnRef>
+          <a:fillRef idx="0">
+            <a:schemeClr val="accent1"/>
+          </a:fillRef>
+          <a:effectRef idx="0">
+            <a:schemeClr val="accent1"/>
+          </a:effectRef>
+          <a:fontRef idx="minor">
+            <a:schemeClr val="tx1"/>
+          </a:fontRef>
+        </p:style>
+      </p:cxnSp>
+      <p:cxnSp>
+        <p:nvCxnSpPr>
+          <p:cNvPr id="68" name="Straight Connector 67"/>
+          <p:cNvCxnSpPr>
+            <a:stCxn id="57" idx="6"/>
+            <a:endCxn id="61" idx="2"/>
+          </p:cNvCxnSpPr>
+          <p:nvPr/>
+        </p:nvCxnSpPr>
+        <p:spPr>
+          <a:xfrm rot="5400000">
+            <a:off x="7420868" y="2811272"/>
+            <a:ext cx="1337737" cy="0"/>
+          </a:xfrm>
+          <a:prstGeom prst="line">
+            <a:avLst/>
+          </a:prstGeom>
+          <a:ln w="38100">
+            <a:solidFill>
+              <a:schemeClr val="tx1"/>
+            </a:solidFill>
+            <a:prstDash val="solid"/>
+          </a:ln>
+        </p:spPr>
+        <p:style>
+          <a:lnRef idx="1">
+            <a:schemeClr val="accent1"/>
+          </a:lnRef>
+          <a:fillRef idx="0">
+            <a:schemeClr val="accent1"/>
+          </a:fillRef>
+          <a:effectRef idx="0">
+            <a:schemeClr val="accent1"/>
+          </a:effectRef>
+          <a:fontRef idx="minor">
+            <a:schemeClr val="tx1"/>
+          </a:fontRef>
+        </p:style>
+      </p:cxnSp>
+      <p:cxnSp>
+        <p:nvCxnSpPr>
+          <p:cNvPr id="69" name="Straight Connector 68"/>
+          <p:cNvCxnSpPr>
+            <a:stCxn id="58" idx="6"/>
+            <a:endCxn id="63" idx="2"/>
+          </p:cNvCxnSpPr>
+          <p:nvPr/>
+        </p:nvCxnSpPr>
+        <p:spPr>
+          <a:xfrm rot="5400000">
+            <a:off x="6671568" y="2561505"/>
+            <a:ext cx="1337737" cy="499533"/>
+          </a:xfrm>
+          <a:prstGeom prst="line">
+            <a:avLst/>
+          </a:prstGeom>
+          <a:ln w="38100">
+            <a:solidFill>
+              <a:schemeClr val="tx1"/>
+            </a:solidFill>
+            <a:prstDash val="solid"/>
+          </a:ln>
+        </p:spPr>
+        <p:style>
+          <a:lnRef idx="1">
+            <a:schemeClr val="accent1"/>
+          </a:lnRef>
+          <a:fillRef idx="0">
+            <a:schemeClr val="accent1"/>
+          </a:fillRef>
+          <a:effectRef idx="0">
+            <a:schemeClr val="accent1"/>
+          </a:effectRef>
+          <a:fontRef idx="minor">
+            <a:schemeClr val="tx1"/>
+          </a:fontRef>
+        </p:style>
+      </p:cxnSp>
+      <p:cxnSp>
+        <p:nvCxnSpPr>
+          <p:cNvPr id="70" name="Straight Connector 69"/>
+          <p:cNvCxnSpPr>
+            <a:stCxn id="56" idx="6"/>
+            <a:endCxn id="59" idx="2"/>
+          </p:cNvCxnSpPr>
+          <p:nvPr/>
+        </p:nvCxnSpPr>
+        <p:spPr>
+          <a:xfrm rot="5400000" flipV="1">
+            <a:off x="8170167" y="2561505"/>
+            <a:ext cx="1337737" cy="499533"/>
+          </a:xfrm>
+          <a:prstGeom prst="line">
+            <a:avLst/>
+          </a:prstGeom>
+          <a:ln w="38100">
+            <a:solidFill>
+              <a:schemeClr val="tx1"/>
+            </a:solidFill>
+            <a:prstDash val="solid"/>
+          </a:ln>
+        </p:spPr>
+        <p:style>
+          <a:lnRef idx="1">
+            <a:schemeClr val="accent1"/>
+          </a:lnRef>
+          <a:fillRef idx="0">
+            <a:schemeClr val="accent1"/>
+          </a:fillRef>
+          <a:effectRef idx="0">
+            <a:schemeClr val="accent1"/>
+          </a:effectRef>
+          <a:fontRef idx="minor">
+            <a:schemeClr val="tx1"/>
+          </a:fontRef>
+        </p:style>
+      </p:cxnSp>
+      <p:cxnSp>
+        <p:nvCxnSpPr>
+          <p:cNvPr id="71" name="Straight Connector 70"/>
+          <p:cNvCxnSpPr>
+            <a:stCxn id="58" idx="6"/>
+            <a:endCxn id="61" idx="2"/>
+          </p:cNvCxnSpPr>
+          <p:nvPr/>
+        </p:nvCxnSpPr>
+        <p:spPr>
+          <a:xfrm rot="5400000" flipV="1">
+            <a:off x="7171101" y="2561505"/>
+            <a:ext cx="1337737" cy="499533"/>
+          </a:xfrm>
+          <a:prstGeom prst="line">
+            <a:avLst/>
+          </a:prstGeom>
+          <a:ln w="38100">
+            <a:solidFill>
+              <a:schemeClr val="tx1"/>
+            </a:solidFill>
+            <a:prstDash val="solid"/>
+          </a:ln>
+        </p:spPr>
+        <p:style>
+          <a:lnRef idx="1">
+            <a:schemeClr val="accent1"/>
+          </a:lnRef>
+          <a:fillRef idx="0">
+            <a:schemeClr val="accent1"/>
+          </a:fillRef>
+          <a:effectRef idx="0">
+            <a:schemeClr val="accent1"/>
+          </a:effectRef>
+          <a:fontRef idx="minor">
+            <a:schemeClr val="tx1"/>
+          </a:fontRef>
+        </p:style>
+      </p:cxnSp>
+      <p:cxnSp>
+        <p:nvCxnSpPr>
+          <p:cNvPr id="72" name="Straight Connector 71"/>
+          <p:cNvCxnSpPr>
+            <a:stCxn id="57" idx="6"/>
+            <a:endCxn id="62" idx="2"/>
+          </p:cNvCxnSpPr>
+          <p:nvPr/>
+        </p:nvCxnSpPr>
+        <p:spPr>
+          <a:xfrm rot="5400000">
+            <a:off x="7171101" y="2561505"/>
+            <a:ext cx="1337737" cy="499533"/>
+          </a:xfrm>
+          <a:prstGeom prst="line">
+            <a:avLst/>
+          </a:prstGeom>
+          <a:ln w="38100">
+            <a:solidFill>
+              <a:schemeClr val="tx1"/>
+            </a:solidFill>
+            <a:prstDash val="solid"/>
+          </a:ln>
+        </p:spPr>
+        <p:style>
+          <a:lnRef idx="1">
+            <a:schemeClr val="accent1"/>
+          </a:lnRef>
+          <a:fillRef idx="0">
+            <a:schemeClr val="accent1"/>
+          </a:fillRef>
+          <a:effectRef idx="0">
+            <a:schemeClr val="accent1"/>
+          </a:effectRef>
+          <a:fontRef idx="minor">
+            <a:schemeClr val="tx1"/>
+          </a:fontRef>
+        </p:style>
+      </p:cxnSp>
+      <p:cxnSp>
+        <p:nvCxnSpPr>
+          <p:cNvPr id="73" name="Straight Connector 72"/>
+          <p:cNvCxnSpPr>
+            <a:stCxn id="58" idx="6"/>
+            <a:endCxn id="62" idx="2"/>
+          </p:cNvCxnSpPr>
+          <p:nvPr/>
+        </p:nvCxnSpPr>
+        <p:spPr>
+          <a:xfrm rot="5400000">
+            <a:off x="6921335" y="2811272"/>
+            <a:ext cx="1337737" cy="0"/>
+          </a:xfrm>
+          <a:prstGeom prst="line">
+            <a:avLst/>
+          </a:prstGeom>
+          <a:ln w="38100">
+            <a:solidFill>
+              <a:schemeClr val="tx1"/>
+            </a:solidFill>
+            <a:prstDash val="solid"/>
+          </a:ln>
+        </p:spPr>
+        <p:style>
+          <a:lnRef idx="1">
+            <a:schemeClr val="accent1"/>
+          </a:lnRef>
+          <a:fillRef idx="0">
+            <a:schemeClr val="accent1"/>
+          </a:fillRef>
+          <a:effectRef idx="0">
+            <a:schemeClr val="accent1"/>
+          </a:effectRef>
+          <a:fontRef idx="minor">
+            <a:schemeClr val="tx1"/>
+          </a:fontRef>
+        </p:style>
+      </p:cxnSp>
+      <p:cxnSp>
+        <p:nvCxnSpPr>
+          <p:cNvPr id="74" name="Straight Connector 73"/>
+          <p:cNvCxnSpPr>
+            <a:stCxn id="5" idx="7"/>
+            <a:endCxn id="42" idx="3"/>
+          </p:cNvCxnSpPr>
+          <p:nvPr/>
+        </p:nvCxnSpPr>
+        <p:spPr>
+          <a:xfrm>
+            <a:off x="2931648" y="2128661"/>
+            <a:ext cx="2951872" cy="1383511"/>
+          </a:xfrm>
+          <a:prstGeom prst="line">
+            <a:avLst/>
+          </a:prstGeom>
+          <a:ln w="38100">
+            <a:solidFill>
+              <a:schemeClr val="tx1"/>
+            </a:solidFill>
+            <a:prstDash val="sysDash"/>
+          </a:ln>
+        </p:spPr>
+        <p:style>
+          <a:lnRef idx="1">
+            <a:schemeClr val="accent1"/>
+          </a:lnRef>
+          <a:fillRef idx="0">
+            <a:schemeClr val="accent1"/>
+          </a:fillRef>
+          <a:effectRef idx="0">
+            <a:schemeClr val="accent1"/>
+          </a:effectRef>
+          <a:fontRef idx="minor">
+            <a:schemeClr val="tx1"/>
+          </a:fontRef>
+        </p:style>
+      </p:cxnSp>
+      <p:cxnSp>
+        <p:nvCxnSpPr>
+          <p:cNvPr id="77" name="Straight Connector 76"/>
+          <p:cNvCxnSpPr>
+            <a:stCxn id="57" idx="5"/>
+            <a:endCxn id="41" idx="1"/>
+          </p:cNvCxnSpPr>
+          <p:nvPr/>
+        </p:nvCxnSpPr>
+        <p:spPr>
+          <a:xfrm flipH="1">
+            <a:off x="6478842" y="2122565"/>
+            <a:ext cx="1563001" cy="1389607"/>
+          </a:xfrm>
+          <a:prstGeom prst="line">
+            <a:avLst/>
+          </a:prstGeom>
+          <a:ln w="38100">
+            <a:solidFill>
+              <a:schemeClr val="tx1"/>
+            </a:solidFill>
+            <a:prstDash val="sysDash"/>
+          </a:ln>
+        </p:spPr>
+        <p:style>
+          <a:lnRef idx="1">
+            <a:schemeClr val="accent1"/>
+          </a:lnRef>
+          <a:fillRef idx="0">
+            <a:schemeClr val="accent1"/>
+          </a:fillRef>
+          <a:effectRef idx="0">
+            <a:schemeClr val="accent1"/>
+          </a:effectRef>
+          <a:fontRef idx="minor">
+            <a:schemeClr val="tx1"/>
+          </a:fontRef>
+        </p:style>
+      </p:cxnSp>
+      <p:cxnSp>
+        <p:nvCxnSpPr>
+          <p:cNvPr id="80" name="Straight Connector 79"/>
+          <p:cNvCxnSpPr>
+            <a:stCxn id="58" idx="5"/>
+            <a:endCxn id="7" idx="0"/>
+          </p:cNvCxnSpPr>
+          <p:nvPr/>
+        </p:nvCxnSpPr>
+        <p:spPr>
+          <a:xfrm flipH="1">
+            <a:off x="3950553" y="2122565"/>
+            <a:ext cx="3591757" cy="1431405"/>
+          </a:xfrm>
+          <a:prstGeom prst="line">
+            <a:avLst/>
+          </a:prstGeom>
+          <a:ln w="38100">
+            <a:solidFill>
+              <a:schemeClr val="tx1"/>
+            </a:solidFill>
+            <a:prstDash val="sysDash"/>
+          </a:ln>
+        </p:spPr>
+        <p:style>
+          <a:lnRef idx="1">
+            <a:schemeClr val="accent1"/>
+          </a:lnRef>
+          <a:fillRef idx="0">
+            <a:schemeClr val="accent1"/>
+          </a:fillRef>
+          <a:effectRef idx="0">
+            <a:schemeClr val="accent1"/>
+          </a:effectRef>
+          <a:fontRef idx="minor">
+            <a:schemeClr val="tx1"/>
+          </a:fontRef>
+        </p:style>
+      </p:cxnSp>
+      <p:cxnSp>
+        <p:nvCxnSpPr>
+          <p:cNvPr id="83" name="Straight Connector 82"/>
+          <p:cNvCxnSpPr>
+            <a:stCxn id="38" idx="0"/>
+            <a:endCxn id="60" idx="4"/>
+          </p:cNvCxnSpPr>
+          <p:nvPr/>
+        </p:nvCxnSpPr>
+        <p:spPr>
+          <a:xfrm>
+            <a:off x="5999148" y="2086863"/>
+            <a:ext cx="2522389" cy="1461011"/>
+          </a:xfrm>
+          <a:prstGeom prst="line">
+            <a:avLst/>
+          </a:prstGeom>
+          <a:ln w="38100">
+            <a:solidFill>
+              <a:schemeClr val="tx1"/>
+            </a:solidFill>
+            <a:prstDash val="sysDash"/>
+          </a:ln>
+        </p:spPr>
+        <p:style>
+          <a:lnRef idx="1">
+            <a:schemeClr val="accent1"/>
+          </a:lnRef>
+          <a:fillRef idx="0">
+            <a:schemeClr val="accent1"/>
+          </a:fillRef>
+          <a:effectRef idx="0">
+            <a:schemeClr val="accent1"/>
+          </a:effectRef>
+          <a:fontRef idx="minor">
+            <a:schemeClr val="tx1"/>
+          </a:fontRef>
+        </p:style>
+      </p:cxnSp>
+      <p:sp>
+        <p:nvSpPr>
+          <p:cNvPr id="86" name="TextBox 85"/>
+          <p:cNvSpPr txBox="1"/>
+          <p:nvPr/>
+        </p:nvSpPr>
+        <p:spPr>
+          <a:xfrm>
+            <a:off x="4969606" y="1602240"/>
+            <a:ext cx="933012" cy="461665"/>
+          </a:xfrm>
+          <a:prstGeom prst="rect">
+            <a:avLst/>
+          </a:prstGeom>
+          <a:noFill/>
+        </p:spPr>
+        <p:txBody>
+          <a:bodyPr wrap="none" rtlCol="0">
+            <a:spAutoFit/>
+          </a:bodyPr>
+          <a:lstStyle/>
+          <a:p>
+            <a:r>
+              <a:rPr lang="en-US" sz="2400" dirty="0" smtClean="0"/>
+              <a:t>tutors</a:t>
+            </a:r>
+            <a:endParaRPr lang="en-US" sz="2400" dirty="0"/>
+          </a:p>
+        </p:txBody>
+      </p:sp>
+      <p:sp>
+        <p:nvSpPr>
+          <p:cNvPr id="87" name="TextBox 86"/>
+          <p:cNvSpPr txBox="1"/>
+          <p:nvPr/>
+        </p:nvSpPr>
+        <p:spPr>
+          <a:xfrm>
+            <a:off x="4830088" y="3602886"/>
+            <a:ext cx="1263551" cy="461665"/>
+          </a:xfrm>
+          <a:prstGeom prst="rect">
+            <a:avLst/>
+          </a:prstGeom>
+          <a:noFill/>
+        </p:spPr>
+        <p:txBody>
+          <a:bodyPr wrap="none" rtlCol="0">
+            <a:spAutoFit/>
+          </a:bodyPr>
+          <a:lstStyle/>
+          <a:p>
+            <a:r>
+              <a:rPr lang="en-US" sz="2400" dirty="0" smtClean="0"/>
+              <a:t>students</a:t>
+            </a:r>
+            <a:endParaRPr lang="en-US" sz="2400" dirty="0"/>
+          </a:p>
+        </p:txBody>
+      </p:sp>
+      <p:sp>
+        <p:nvSpPr>
+          <p:cNvPr id="92" name="Oval 91"/>
+          <p:cNvSpPr/>
+          <p:nvPr/>
+        </p:nvSpPr>
+        <p:spPr>
+          <a:xfrm>
+            <a:off x="1444751" y="1554480"/>
+            <a:ext cx="2920329" cy="2577553"/>
+          </a:xfrm>
+          <a:prstGeom prst="ellipse">
+            <a:avLst/>
+          </a:prstGeom>
+          <a:noFill/>
+        </p:spPr>
+        <p:style>
+          <a:lnRef idx="2">
+            <a:schemeClr val="accent1">
+              <a:shade val="50000"/>
+            </a:schemeClr>
+          </a:lnRef>
+          <a:fillRef idx="1">
+            <a:schemeClr val="accent1"/>
+          </a:fillRef>
+          <a:effectRef idx="0">
+            <a:schemeClr val="accent1"/>
+          </a:effectRef>
+          <a:fontRef idx="minor">
+            <a:schemeClr val="lt1"/>
+          </a:fontRef>
+        </p:style>
+        <p:txBody>
+          <a:bodyPr rtlCol="0" anchor="ctr"/>
+          <a:lstStyle/>
+          <a:p>
+            <a:pPr algn="ctr"/>
+            <a:endParaRPr lang="en-US"/>
+          </a:p>
+        </p:txBody>
+      </p:sp>
+      <p:sp>
+        <p:nvSpPr>
+          <p:cNvPr id="93" name="Oval 92"/>
+          <p:cNvSpPr/>
+          <p:nvPr/>
+        </p:nvSpPr>
+        <p:spPr>
+          <a:xfrm>
+            <a:off x="4026743" y="1549490"/>
+            <a:ext cx="2920329" cy="2577553"/>
+          </a:xfrm>
+          <a:prstGeom prst="ellipse">
+            <a:avLst/>
+          </a:prstGeom>
+          <a:noFill/>
+        </p:spPr>
+        <p:style>
+          <a:lnRef idx="2">
+            <a:schemeClr val="accent1">
+              <a:shade val="50000"/>
+            </a:schemeClr>
+          </a:lnRef>
+          <a:fillRef idx="1">
+            <a:schemeClr val="accent1"/>
+          </a:fillRef>
+          <a:effectRef idx="0">
+            <a:schemeClr val="accent1"/>
+          </a:effectRef>
+          <a:fontRef idx="minor">
+            <a:schemeClr val="lt1"/>
+          </a:fontRef>
+        </p:style>
+        <p:txBody>
+          <a:bodyPr rtlCol="0" anchor="ctr"/>
+          <a:lstStyle/>
+          <a:p>
+            <a:pPr algn="ctr"/>
+            <a:endParaRPr lang="en-US"/>
+          </a:p>
+        </p:txBody>
+      </p:sp>
+      <p:sp>
+        <p:nvSpPr>
+          <p:cNvPr id="94" name="Oval 93"/>
+          <p:cNvSpPr/>
+          <p:nvPr/>
+        </p:nvSpPr>
+        <p:spPr>
+          <a:xfrm>
+            <a:off x="6608735" y="1554480"/>
+            <a:ext cx="2920329" cy="2577553"/>
+          </a:xfrm>
+          <a:prstGeom prst="ellipse">
+            <a:avLst/>
+          </a:prstGeom>
+          <a:noFill/>
+        </p:spPr>
+        <p:style>
+          <a:lnRef idx="2">
+            <a:schemeClr val="accent1">
+              <a:shade val="50000"/>
+            </a:schemeClr>
+          </a:lnRef>
+          <a:fillRef idx="1">
+            <a:schemeClr val="accent1"/>
+          </a:fillRef>
+          <a:effectRef idx="0">
+            <a:schemeClr val="accent1"/>
+          </a:effectRef>
+          <a:fontRef idx="minor">
+            <a:schemeClr val="lt1"/>
+          </a:fontRef>
+        </p:style>
+        <p:txBody>
+          <a:bodyPr rtlCol="0" anchor="ctr"/>
+          <a:lstStyle/>
+          <a:p>
+            <a:pPr algn="ctr"/>
+            <a:endParaRPr lang="en-US"/>
+          </a:p>
+        </p:txBody>
+      </p:sp>
+      <p:sp>
+        <p:nvSpPr>
+          <p:cNvPr id="95" name="TextBox 94"/>
+          <p:cNvSpPr txBox="1"/>
+          <p:nvPr/>
+        </p:nvSpPr>
+        <p:spPr>
+          <a:xfrm>
+            <a:off x="2394046" y="1111635"/>
+            <a:ext cx="1060675" cy="400110"/>
+          </a:xfrm>
+          <a:prstGeom prst="rect">
+            <a:avLst/>
+          </a:prstGeom>
+          <a:noFill/>
+        </p:spPr>
+        <p:txBody>
+          <a:bodyPr wrap="none" rtlCol="0">
+            <a:spAutoFit/>
+          </a:bodyPr>
+          <a:lstStyle/>
+          <a:p>
+            <a:r>
+              <a:rPr lang="en-US" sz="2000" i="1" dirty="0" smtClean="0">
+                <a:solidFill>
+                  <a:srgbClr val="0070C0"/>
+                </a:solidFill>
+              </a:rPr>
+              <a:t>cluster 1</a:t>
+            </a:r>
+            <a:endParaRPr lang="en-US" sz="2000" i="1" dirty="0">
+              <a:solidFill>
+                <a:srgbClr val="0070C0"/>
+              </a:solidFill>
+            </a:endParaRPr>
+          </a:p>
+        </p:txBody>
+      </p:sp>
+      <p:sp>
+        <p:nvSpPr>
+          <p:cNvPr id="96" name="TextBox 95"/>
+          <p:cNvSpPr txBox="1"/>
+          <p:nvPr/>
+        </p:nvSpPr>
+        <p:spPr>
+          <a:xfrm>
+            <a:off x="4942174" y="1099443"/>
+            <a:ext cx="1060675" cy="400110"/>
+          </a:xfrm>
+          <a:prstGeom prst="rect">
+            <a:avLst/>
+          </a:prstGeom>
+          <a:noFill/>
+        </p:spPr>
+        <p:txBody>
+          <a:bodyPr wrap="none" rtlCol="0">
+            <a:spAutoFit/>
+          </a:bodyPr>
+          <a:lstStyle/>
+          <a:p>
+            <a:r>
+              <a:rPr lang="en-US" sz="2000" i="1" dirty="0" smtClean="0">
+                <a:solidFill>
+                  <a:srgbClr val="0070C0"/>
+                </a:solidFill>
+              </a:rPr>
+              <a:t>cluster 2</a:t>
+            </a:r>
+            <a:endParaRPr lang="en-US" sz="2000" i="1" dirty="0">
+              <a:solidFill>
+                <a:srgbClr val="0070C0"/>
+              </a:solidFill>
+            </a:endParaRPr>
+          </a:p>
+        </p:txBody>
+      </p:sp>
+      <p:sp>
+        <p:nvSpPr>
+          <p:cNvPr id="97" name="TextBox 96"/>
+          <p:cNvSpPr txBox="1"/>
+          <p:nvPr/>
+        </p:nvSpPr>
+        <p:spPr>
+          <a:xfrm>
+            <a:off x="7465918" y="1099443"/>
+            <a:ext cx="1060675" cy="400110"/>
+          </a:xfrm>
+          <a:prstGeom prst="rect">
+            <a:avLst/>
+          </a:prstGeom>
+          <a:noFill/>
+        </p:spPr>
+        <p:txBody>
+          <a:bodyPr wrap="none" rtlCol="0">
+            <a:spAutoFit/>
+          </a:bodyPr>
+          <a:lstStyle/>
+          <a:p>
+            <a:r>
+              <a:rPr lang="en-US" sz="2000" i="1" dirty="0" smtClean="0">
+                <a:solidFill>
+                  <a:srgbClr val="0070C0"/>
+                </a:solidFill>
+              </a:rPr>
+              <a:t>cluster 3</a:t>
+            </a:r>
+            <a:endParaRPr lang="en-US" sz="2000" i="1" dirty="0">
+              <a:solidFill>
+                <a:srgbClr val="0070C0"/>
+              </a:solidFill>
+            </a:endParaRPr>
+          </a:p>
+        </p:txBody>
+      </p:sp>
+    </p:spTree>
+    <p:extLst>
+      <p:ext uri="{BB962C8B-B14F-4D97-AF65-F5344CB8AC3E}">
+        <p14:creationId xmlns:p14="http://schemas.microsoft.com/office/powerpoint/2010/main" val="2073502496"/>
+      </p:ext>
+    </p:extLst>
+  </p:cSld>
+  <p:clrMapOvr>
+    <a:masterClrMapping/>
+  </p:clrMapOvr>
 </p:sld>
 </file>
 
